--- a/doc/DIRECT poster.pptx
+++ b/doc/DIRECT poster.pptx
@@ -5,20 +5,19 @@
     <p:sldMasterId id="2147483659" r:id="rId1"/>
   </p:sldMasterIdLst>
   <p:notesMasterIdLst>
-    <p:notesMasterId r:id="rId4"/>
+    <p:notesMasterId r:id="rId3"/>
   </p:notesMasterIdLst>
   <p:sldIdLst>
-    <p:sldId id="256" r:id="rId2"/>
-    <p:sldId id="257" r:id="rId3"/>
+    <p:sldId id="257" r:id="rId2"/>
   </p:sldIdLst>
   <p:sldSz cx="32918400" cy="21945600"/>
   <p:notesSz cx="6858000" cy="9144000"/>
   <p:embeddedFontLst>
     <p:embeddedFont>
       <p:font typeface="Old Standard TT" panose="02010600030101010101" charset="0"/>
-      <p:regular r:id="rId5"/>
-      <p:bold r:id="rId6"/>
-      <p:italic r:id="rId7"/>
+      <p:regular r:id="rId4"/>
+      <p:bold r:id="rId5"/>
+      <p:italic r:id="rId6"/>
     </p:embeddedFont>
   </p:embeddedFontLst>
   <p:defaultTextStyle>
@@ -3964,110 +3963,6 @@
   <p:cSld>
     <p:spTree>
       <p:nvGrpSpPr>
-        <p:cNvPr id="1" name="Shape 55"/>
-        <p:cNvGrpSpPr/>
-        <p:nvPr/>
-      </p:nvGrpSpPr>
-      <p:grpSpPr>
-        <a:xfrm>
-          <a:off x="0" y="0"/>
-          <a:ext cx="0" cy="0"/>
-          <a:chOff x="0" y="0"/>
-          <a:chExt cx="0" cy="0"/>
-        </a:xfrm>
-      </p:grpSpPr>
-      <p:sp>
-        <p:nvSpPr>
-          <p:cNvPr id="56" name="Google Shape;56;p:notes"/>
-          <p:cNvSpPr>
-            <a:spLocks noGrp="1" noRot="1" noChangeAspect="1"/>
-          </p:cNvSpPr>
-          <p:nvPr>
-            <p:ph type="sldImg" idx="2"/>
-          </p:nvPr>
-        </p:nvSpPr>
-        <p:spPr>
-          <a:xfrm>
-            <a:off x="857561" y="685800"/>
-            <a:ext cx="5143500" cy="3429000"/>
-          </a:xfrm>
-          <a:custGeom>
-            <a:avLst/>
-            <a:gdLst/>
-            <a:ahLst/>
-            <a:cxnLst/>
-            <a:rect l="l" t="t" r="r" b="b"/>
-            <a:pathLst>
-              <a:path w="120000" h="120000" extrusionOk="0">
-                <a:moveTo>
-                  <a:pt x="0" y="0"/>
-                </a:moveTo>
-                <a:lnTo>
-                  <a:pt x="120000" y="0"/>
-                </a:lnTo>
-                <a:lnTo>
-                  <a:pt x="120000" y="120000"/>
-                </a:lnTo>
-                <a:lnTo>
-                  <a:pt x="0" y="120000"/>
-                </a:lnTo>
-                <a:close/>
-              </a:path>
-            </a:pathLst>
-          </a:custGeom>
-        </p:spPr>
-      </p:sp>
-      <p:sp>
-        <p:nvSpPr>
-          <p:cNvPr id="57" name="Google Shape;57;p:notes"/>
-          <p:cNvSpPr txBox="1">
-            <a:spLocks noGrp="1"/>
-          </p:cNvSpPr>
-          <p:nvPr>
-            <p:ph type="body" idx="1"/>
-          </p:nvPr>
-        </p:nvSpPr>
-        <p:spPr>
-          <a:xfrm>
-            <a:off x="685800" y="4343400"/>
-            <a:ext cx="5486400" cy="4114800"/>
-          </a:xfrm>
-          <a:prstGeom prst="rect">
-            <a:avLst/>
-          </a:prstGeom>
-        </p:spPr>
-        <p:txBody>
-          <a:bodyPr spcFirstLastPara="1" wrap="square" lIns="91425" tIns="91425" rIns="91425" bIns="91425" anchor="t" anchorCtr="0">
-            <a:noAutofit/>
-          </a:bodyPr>
-          <a:lstStyle/>
-          <a:p>
-            <a:pPr marL="0" lvl="0" indent="0" algn="l" rtl="0">
-              <a:spcBef>
-                <a:spcPts val="0"/>
-              </a:spcBef>
-              <a:spcAft>
-                <a:spcPts val="0"/>
-              </a:spcAft>
-              <a:buNone/>
-            </a:pPr>
-            <a:endParaRPr/>
-          </a:p>
-        </p:txBody>
-      </p:sp>
-    </p:spTree>
-  </p:cSld>
-  <p:clrMapOvr>
-    <a:masterClrMapping/>
-  </p:clrMapOvr>
-</p:notes>
-</file>
-
-<file path=ppt/notesSlides/notesSlide2.xml><?xml version="1.0" encoding="utf-8"?>
-<p:notes xmlns:a="http://schemas.openxmlformats.org/drawingml/2006/main" xmlns:r="http://schemas.openxmlformats.org/officeDocument/2006/relationships" xmlns:p="http://schemas.openxmlformats.org/presentationml/2006/main" showMasterSp="0" showMasterPhAnim="0">
-  <p:cSld>
-    <p:spTree>
-      <p:nvGrpSpPr>
         <p:cNvPr id="1" name="Shape 74"/>
         <p:cNvGrpSpPr/>
         <p:nvPr/>
@@ -9759,7 +9654,7 @@
     </p:bg>
     <p:spTree>
       <p:nvGrpSpPr>
-        <p:cNvPr id="1" name="Shape 58"/>
+        <p:cNvPr id="1" name="Shape 77"/>
         <p:cNvGrpSpPr/>
         <p:nvPr/>
       </p:nvGrpSpPr>
@@ -9773,1118 +9668,30 @@
       </p:grpSpPr>
       <p:sp>
         <p:nvSpPr>
-          <p:cNvPr id="59" name="Google Shape;59;p13"/>
-          <p:cNvSpPr txBox="1">
-            <a:spLocks noGrp="1"/>
-          </p:cNvSpPr>
-          <p:nvPr>
-            <p:ph type="ctrTitle"/>
-          </p:nvPr>
-        </p:nvSpPr>
-        <p:spPr>
-          <a:xfrm>
-            <a:off x="8998925" y="787400"/>
-            <a:ext cx="22418100" cy="2461800"/>
-          </a:xfrm>
-          <a:prstGeom prst="rect">
-            <a:avLst/>
-          </a:prstGeom>
-        </p:spPr>
-        <p:txBody>
-          <a:bodyPr spcFirstLastPara="1" wrap="square" lIns="324600" tIns="324600" rIns="324600" bIns="324600" anchor="b" anchorCtr="0">
-            <a:noAutofit/>
-          </a:bodyPr>
-          <a:lstStyle/>
-          <a:p>
-            <a:pPr marL="0" lvl="0" indent="0" algn="l" rtl="0">
-              <a:spcBef>
-                <a:spcPts val="0"/>
-              </a:spcBef>
-              <a:spcAft>
-                <a:spcPts val="0"/>
-              </a:spcAft>
-              <a:buNone/>
-            </a:pPr>
-            <a:endParaRPr sz="4600"/>
-          </a:p>
-          <a:p>
-            <a:pPr marL="0" lvl="0" indent="0" algn="l" rtl="0">
-              <a:lnSpc>
-                <a:spcPct val="115000"/>
-              </a:lnSpc>
-              <a:spcBef>
-                <a:spcPts val="0"/>
-              </a:spcBef>
-              <a:spcAft>
-                <a:spcPts val="0"/>
-              </a:spcAft>
-              <a:buNone/>
-            </a:pPr>
-            <a:endParaRPr sz="2500"/>
-          </a:p>
-          <a:p>
-            <a:pPr marL="0" lvl="0" indent="0" algn="l" rtl="0">
-              <a:lnSpc>
-                <a:spcPct val="115000"/>
-              </a:lnSpc>
-              <a:spcBef>
-                <a:spcPts val="0"/>
-              </a:spcBef>
-              <a:spcAft>
-                <a:spcPts val="0"/>
-              </a:spcAft>
-              <a:buNone/>
-            </a:pPr>
-            <a:r>
-              <a:rPr lang="zh-CN" sz="2300" u="sng">
-                <a:solidFill>
-                  <a:schemeClr val="hlink"/>
-                </a:solidFill>
-                <a:latin typeface="Arial"/>
-                <a:ea typeface="Arial"/>
-                <a:cs typeface="Arial"/>
-                <a:sym typeface="Arial"/>
-                <a:hlinkClick r:id="rId3"/>
-              </a:rPr>
-              <a:t>https://pypi.org/project/mass-suite/</a:t>
-            </a:r>
-            <a:endParaRPr sz="3700"/>
-          </a:p>
-          <a:p>
-            <a:pPr marL="0" lvl="0" indent="0" algn="l" rtl="0">
-              <a:lnSpc>
-                <a:spcPct val="115000"/>
-              </a:lnSpc>
-              <a:spcBef>
-                <a:spcPts val="0"/>
-              </a:spcBef>
-              <a:spcAft>
-                <a:spcPts val="0"/>
-              </a:spcAft>
-              <a:buNone/>
-            </a:pPr>
-            <a:endParaRPr sz="2500"/>
-          </a:p>
-          <a:p>
-            <a:pPr marL="0" lvl="0" indent="0" algn="l" rtl="0">
-              <a:lnSpc>
-                <a:spcPct val="115000"/>
-              </a:lnSpc>
-              <a:spcBef>
-                <a:spcPts val="0"/>
-              </a:spcBef>
-              <a:spcAft>
-                <a:spcPts val="0"/>
-              </a:spcAft>
-              <a:buClr>
-                <a:schemeClr val="dk1"/>
-              </a:buClr>
-              <a:buSzPts val="3900"/>
-              <a:buFont typeface="Arial"/>
-              <a:buNone/>
-            </a:pPr>
-            <a:r>
-              <a:rPr lang="zh-CN" sz="2500"/>
-              <a:t>Project Sponsor: Edward Kolodziej (University of Washington, Center of Urban water)</a:t>
-            </a:r>
-            <a:endParaRPr sz="2500"/>
-          </a:p>
-          <a:p>
-            <a:pPr marL="0" lvl="0" indent="0" algn="l" rtl="0">
-              <a:lnSpc>
-                <a:spcPct val="115000"/>
-              </a:lnSpc>
-              <a:spcBef>
-                <a:spcPts val="0"/>
-              </a:spcBef>
-              <a:spcAft>
-                <a:spcPts val="0"/>
-              </a:spcAft>
-              <a:buClr>
-                <a:schemeClr val="dk1"/>
-              </a:buClr>
-              <a:buSzPts val="3900"/>
-              <a:buFont typeface="Arial"/>
-              <a:buNone/>
-            </a:pPr>
-            <a:r>
-              <a:rPr lang="zh-CN" sz="2500"/>
-              <a:t>Project Team: Ximin Hu (Civil &amp; Environmental Engineering), Derek Mar (Materials Science &amp; Engineering), </a:t>
-            </a:r>
-            <a:endParaRPr sz="2500"/>
-          </a:p>
-          <a:p>
-            <a:pPr marL="0" lvl="0" indent="0" algn="l" rtl="0">
-              <a:lnSpc>
-                <a:spcPct val="115000"/>
-              </a:lnSpc>
-              <a:spcBef>
-                <a:spcPts val="0"/>
-              </a:spcBef>
-              <a:spcAft>
-                <a:spcPts val="0"/>
-              </a:spcAft>
-              <a:buClr>
-                <a:schemeClr val="dk1"/>
-              </a:buClr>
-              <a:buSzPts val="3900"/>
-              <a:buFont typeface="Arial"/>
-              <a:buNone/>
-            </a:pPr>
-            <a:r>
-              <a:rPr lang="zh-CN" sz="2500"/>
-              <a:t>Nozomi Suzuki (Materials Science &amp; Engineering), Bowei Zhang (Materials Science &amp; Engineering)</a:t>
-            </a:r>
-            <a:endParaRPr sz="3200"/>
-          </a:p>
-        </p:txBody>
-      </p:sp>
-      <p:sp>
-        <p:nvSpPr>
-          <p:cNvPr id="60" name="Google Shape;60;p13"/>
-          <p:cNvSpPr txBox="1">
-            <a:spLocks noGrp="1"/>
-          </p:cNvSpPr>
-          <p:nvPr>
-            <p:ph type="subTitle" idx="1"/>
-          </p:nvPr>
-        </p:nvSpPr>
-        <p:spPr>
-          <a:xfrm>
-            <a:off x="-6" y="2844472"/>
-            <a:ext cx="30675000" cy="1287300"/>
-          </a:xfrm>
-          <a:prstGeom prst="rect">
-            <a:avLst/>
-          </a:prstGeom>
-        </p:spPr>
-        <p:txBody>
-          <a:bodyPr spcFirstLastPara="1" wrap="square" lIns="324600" tIns="324600" rIns="324600" bIns="324600" anchor="t" anchorCtr="0">
-            <a:noAutofit/>
-          </a:bodyPr>
-          <a:lstStyle/>
-          <a:p>
-            <a:pPr marL="0" lvl="0" indent="0" algn="l" rtl="0">
-              <a:spcBef>
-                <a:spcPts val="0"/>
-              </a:spcBef>
-              <a:spcAft>
-                <a:spcPts val="0"/>
-              </a:spcAft>
-              <a:buNone/>
-            </a:pPr>
-            <a:r>
-              <a:rPr lang="zh-CN" sz="6000">
-                <a:solidFill>
-                  <a:srgbClr val="FFFFFF"/>
-                </a:solidFill>
-              </a:rPr>
-              <a:t>Project Overview</a:t>
-            </a:r>
-            <a:endParaRPr sz="5700">
-              <a:solidFill>
-                <a:srgbClr val="FFFFFF"/>
-              </a:solidFill>
-            </a:endParaRPr>
-          </a:p>
-        </p:txBody>
-      </p:sp>
-      <p:sp>
-        <p:nvSpPr>
-          <p:cNvPr id="61" name="Google Shape;61;p13"/>
-          <p:cNvSpPr txBox="1">
-            <a:spLocks noGrp="1"/>
-          </p:cNvSpPr>
-          <p:nvPr>
-            <p:ph type="subTitle" idx="1"/>
-          </p:nvPr>
-        </p:nvSpPr>
-        <p:spPr>
-          <a:xfrm>
-            <a:off x="1122050" y="4131775"/>
-            <a:ext cx="30675000" cy="2954700"/>
-          </a:xfrm>
-          <a:prstGeom prst="rect">
-            <a:avLst/>
-          </a:prstGeom>
-        </p:spPr>
-        <p:txBody>
-          <a:bodyPr spcFirstLastPara="1" wrap="square" lIns="324600" tIns="324600" rIns="324600" bIns="324600" anchor="t" anchorCtr="0">
-            <a:noAutofit/>
-          </a:bodyPr>
-          <a:lstStyle/>
-          <a:p>
-            <a:pPr marL="0" lvl="0" indent="0" algn="l" rtl="0">
-              <a:lnSpc>
-                <a:spcPct val="115000"/>
-              </a:lnSpc>
-              <a:spcBef>
-                <a:spcPts val="0"/>
-              </a:spcBef>
-              <a:spcAft>
-                <a:spcPts val="0"/>
-              </a:spcAft>
-              <a:buNone/>
-            </a:pPr>
-            <a:r>
-              <a:rPr lang="zh-CN" sz="2900">
-                <a:solidFill>
-                  <a:schemeClr val="dk1"/>
-                </a:solidFill>
-              </a:rPr>
-              <a:t>Mass-suite is a python based open source package that is designed to utilize High Resolution Mass Spectrometry (HRMS) data for water quality assessment. The analysis of HRMS data for water quality assessment is still in its infancy, with many basic aspects of data reduction, analysis, and interpretation still lightly developed.  Here, our package will allow users flexible and various options to process the HRMS data: from basic functions to advanced data analysis, such as dilution rate prediction and source tracking analysis that is not currently covered with current software. Furthermore, it is developed in a modularized concept so that the user can use different combinations of parts of our code to accomplish their tasks. By providing this package, we hope to open up a new space for HRMS data analysis, resulting in more rapid and detailed research in this area.</a:t>
-            </a:r>
-            <a:endParaRPr sz="2900">
-              <a:solidFill>
-                <a:schemeClr val="dk1"/>
-              </a:solidFill>
-            </a:endParaRPr>
-          </a:p>
-          <a:p>
-            <a:pPr marL="0" lvl="0" indent="0" algn="l" rtl="0">
-              <a:spcBef>
-                <a:spcPts val="0"/>
-              </a:spcBef>
-              <a:spcAft>
-                <a:spcPts val="0"/>
-              </a:spcAft>
-              <a:buClr>
-                <a:schemeClr val="dk1"/>
-              </a:buClr>
-              <a:buSzPts val="3900"/>
-              <a:buFont typeface="Arial"/>
-              <a:buNone/>
-            </a:pPr>
-            <a:endParaRPr sz="2900"/>
-          </a:p>
-        </p:txBody>
-      </p:sp>
-      <p:sp>
-        <p:nvSpPr>
-          <p:cNvPr id="62" name="Google Shape;62;p13"/>
-          <p:cNvSpPr txBox="1">
-            <a:spLocks noGrp="1"/>
-          </p:cNvSpPr>
-          <p:nvPr>
-            <p:ph type="subTitle" idx="1"/>
-          </p:nvPr>
-        </p:nvSpPr>
-        <p:spPr>
-          <a:xfrm>
-            <a:off x="-5" y="7217050"/>
-            <a:ext cx="30675000" cy="1287300"/>
-          </a:xfrm>
-          <a:prstGeom prst="rect">
-            <a:avLst/>
-          </a:prstGeom>
-        </p:spPr>
-        <p:txBody>
-          <a:bodyPr spcFirstLastPara="1" wrap="square" lIns="324600" tIns="324600" rIns="324600" bIns="324600" anchor="t" anchorCtr="0">
-            <a:noAutofit/>
-          </a:bodyPr>
-          <a:lstStyle/>
-          <a:p>
-            <a:pPr marL="0" lvl="0" indent="0" algn="l" rtl="0">
-              <a:spcBef>
-                <a:spcPts val="0"/>
-              </a:spcBef>
-              <a:spcAft>
-                <a:spcPts val="0"/>
-              </a:spcAft>
-              <a:buNone/>
-            </a:pPr>
-            <a:r>
-              <a:rPr lang="zh-CN" sz="6400">
-                <a:solidFill>
-                  <a:schemeClr val="lt2"/>
-                </a:solidFill>
-              </a:rPr>
-              <a:t>Workflow</a:t>
-            </a:r>
-            <a:endParaRPr sz="6000">
-              <a:solidFill>
-                <a:schemeClr val="lt2"/>
-              </a:solidFill>
-            </a:endParaRPr>
-          </a:p>
-        </p:txBody>
-      </p:sp>
-      <p:pic>
-        <p:nvPicPr>
-          <p:cNvPr id="63" name="Google Shape;63;p13"/>
-          <p:cNvPicPr preferRelativeResize="0"/>
-          <p:nvPr/>
-        </p:nvPicPr>
-        <p:blipFill>
-          <a:blip r:embed="rId4">
-            <a:alphaModFix/>
-          </a:blip>
-          <a:stretch>
-            <a:fillRect/>
-          </a:stretch>
-        </p:blipFill>
-        <p:spPr>
-          <a:xfrm>
-            <a:off x="495400" y="382725"/>
-            <a:ext cx="8315169" cy="2461750"/>
-          </a:xfrm>
-          <a:prstGeom prst="rect">
-            <a:avLst/>
-          </a:prstGeom>
-          <a:noFill/>
-          <a:ln>
-            <a:noFill/>
-          </a:ln>
-        </p:spPr>
-      </p:pic>
-      <p:pic>
-        <p:nvPicPr>
-          <p:cNvPr id="64" name="Google Shape;64;p13"/>
-          <p:cNvPicPr preferRelativeResize="0"/>
-          <p:nvPr/>
-        </p:nvPicPr>
-        <p:blipFill>
-          <a:blip r:embed="rId5">
-            <a:alphaModFix/>
-          </a:blip>
-          <a:stretch>
-            <a:fillRect/>
-          </a:stretch>
-        </p:blipFill>
-        <p:spPr>
-          <a:xfrm>
-            <a:off x="26098848" y="489170"/>
-            <a:ext cx="1872471" cy="1260804"/>
-          </a:xfrm>
-          <a:prstGeom prst="rect">
-            <a:avLst/>
-          </a:prstGeom>
-          <a:noFill/>
-          <a:ln>
-            <a:noFill/>
-          </a:ln>
-        </p:spPr>
-      </p:pic>
-      <p:pic>
-        <p:nvPicPr>
-          <p:cNvPr id="65" name="Google Shape;65;p13"/>
-          <p:cNvPicPr preferRelativeResize="0"/>
-          <p:nvPr/>
-        </p:nvPicPr>
-        <p:blipFill>
-          <a:blip r:embed="rId6">
-            <a:alphaModFix/>
-          </a:blip>
-          <a:stretch>
-            <a:fillRect/>
-          </a:stretch>
-        </p:blipFill>
-        <p:spPr>
-          <a:xfrm>
-            <a:off x="28922464" y="489170"/>
-            <a:ext cx="3406381" cy="1260804"/>
-          </a:xfrm>
-          <a:prstGeom prst="rect">
-            <a:avLst/>
-          </a:prstGeom>
-          <a:noFill/>
-          <a:ln>
-            <a:noFill/>
-          </a:ln>
-        </p:spPr>
-      </p:pic>
-      <p:sp>
-        <p:nvSpPr>
-          <p:cNvPr id="66" name="Google Shape;66;p13"/>
-          <p:cNvSpPr txBox="1">
-            <a:spLocks noGrp="1"/>
-          </p:cNvSpPr>
-          <p:nvPr>
-            <p:ph type="subTitle" idx="1"/>
-          </p:nvPr>
-        </p:nvSpPr>
-        <p:spPr>
-          <a:xfrm>
-            <a:off x="495400" y="17926925"/>
-            <a:ext cx="14338200" cy="3199200"/>
-          </a:xfrm>
-          <a:prstGeom prst="rect">
-            <a:avLst/>
-          </a:prstGeom>
-        </p:spPr>
-        <p:txBody>
-          <a:bodyPr spcFirstLastPara="1" wrap="square" lIns="324600" tIns="324600" rIns="324600" bIns="324600" anchor="t" anchorCtr="0">
-            <a:noAutofit/>
-          </a:bodyPr>
-          <a:lstStyle/>
-          <a:p>
-            <a:pPr marL="0" lvl="0" indent="0" algn="l" rtl="0">
-              <a:lnSpc>
-                <a:spcPct val="115000"/>
-              </a:lnSpc>
-              <a:spcBef>
-                <a:spcPts val="0"/>
-              </a:spcBef>
-              <a:spcAft>
-                <a:spcPts val="0"/>
-              </a:spcAft>
-              <a:buNone/>
-            </a:pPr>
-            <a:r>
-              <a:rPr lang="zh-CN" sz="3600">
-                <a:solidFill>
-                  <a:schemeClr val="lt2"/>
-                </a:solidFill>
-              </a:rPr>
-              <a:t>Clustering</a:t>
-            </a:r>
-            <a:endParaRPr sz="3600">
-              <a:solidFill>
-                <a:schemeClr val="lt2"/>
-              </a:solidFill>
-            </a:endParaRPr>
-          </a:p>
-          <a:p>
-            <a:pPr marL="0" lvl="0" indent="0" algn="l" rtl="0">
-              <a:lnSpc>
-                <a:spcPct val="115000"/>
-              </a:lnSpc>
-              <a:spcBef>
-                <a:spcPts val="0"/>
-              </a:spcBef>
-              <a:spcAft>
-                <a:spcPts val="0"/>
-              </a:spcAft>
-              <a:buNone/>
-            </a:pPr>
-            <a:endParaRPr sz="1500">
-              <a:solidFill>
-                <a:schemeClr val="lt2"/>
-              </a:solidFill>
-            </a:endParaRPr>
-          </a:p>
-          <a:p>
-            <a:pPr marL="457200" lvl="0" indent="-412750" algn="l" rtl="0">
-              <a:lnSpc>
-                <a:spcPct val="115000"/>
-              </a:lnSpc>
-              <a:spcBef>
-                <a:spcPts val="0"/>
-              </a:spcBef>
-              <a:spcAft>
-                <a:spcPts val="0"/>
-              </a:spcAft>
-              <a:buClr>
-                <a:schemeClr val="lt2"/>
-              </a:buClr>
-              <a:buSzPts val="2900"/>
-              <a:buChar char="●"/>
-            </a:pPr>
-            <a:r>
-              <a:rPr lang="zh-CN" sz="2900">
-                <a:solidFill>
-                  <a:schemeClr val="lt2"/>
-                </a:solidFill>
-              </a:rPr>
-              <a:t>Different chemicals’ intensity behaves differently across dilutions</a:t>
-            </a:r>
-            <a:endParaRPr sz="2900">
-              <a:solidFill>
-                <a:schemeClr val="lt2"/>
-              </a:solidFill>
-            </a:endParaRPr>
-          </a:p>
-          <a:p>
-            <a:pPr marL="457200" lvl="0" indent="-412750" algn="l" rtl="0">
-              <a:lnSpc>
-                <a:spcPct val="115000"/>
-              </a:lnSpc>
-              <a:spcBef>
-                <a:spcPts val="0"/>
-              </a:spcBef>
-              <a:spcAft>
-                <a:spcPts val="0"/>
-              </a:spcAft>
-              <a:buClr>
-                <a:schemeClr val="lt2"/>
-              </a:buClr>
-              <a:buSzPts val="2900"/>
-              <a:buChar char="●"/>
-            </a:pPr>
-            <a:r>
-              <a:rPr lang="zh-CN" sz="2900">
-                <a:solidFill>
-                  <a:schemeClr val="lt2"/>
-                </a:solidFill>
-              </a:rPr>
-              <a:t>This is called the Matrix Effect</a:t>
-            </a:r>
-            <a:endParaRPr sz="2900">
-              <a:solidFill>
-                <a:schemeClr val="lt2"/>
-              </a:solidFill>
-            </a:endParaRPr>
-          </a:p>
-          <a:p>
-            <a:pPr marL="457200" lvl="0" indent="-412750" algn="l" rtl="0">
-              <a:lnSpc>
-                <a:spcPct val="115000"/>
-              </a:lnSpc>
-              <a:spcBef>
-                <a:spcPts val="0"/>
-              </a:spcBef>
-              <a:spcAft>
-                <a:spcPts val="0"/>
-              </a:spcAft>
-              <a:buClr>
-                <a:schemeClr val="lt2"/>
-              </a:buClr>
-              <a:buSzPts val="2900"/>
-              <a:buChar char="●"/>
-            </a:pPr>
-            <a:r>
-              <a:rPr lang="zh-CN" sz="2900">
-                <a:solidFill>
-                  <a:schemeClr val="lt2"/>
-                </a:solidFill>
-              </a:rPr>
-              <a:t>We need to cluster chemicals into different groups to predict the dilution levels</a:t>
-            </a:r>
-            <a:endParaRPr sz="2900">
-              <a:solidFill>
-                <a:schemeClr val="lt2"/>
-              </a:solidFill>
-            </a:endParaRPr>
-          </a:p>
-          <a:p>
-            <a:pPr marL="457200" lvl="0" indent="-412750" algn="l" rtl="0">
-              <a:lnSpc>
-                <a:spcPct val="115000"/>
-              </a:lnSpc>
-              <a:spcBef>
-                <a:spcPts val="0"/>
-              </a:spcBef>
-              <a:spcAft>
-                <a:spcPts val="0"/>
-              </a:spcAft>
-              <a:buClr>
-                <a:schemeClr val="lt2"/>
-              </a:buClr>
-              <a:buSzPts val="2900"/>
-              <a:buChar char="●"/>
-            </a:pPr>
-            <a:r>
-              <a:rPr lang="zh-CN" sz="2900">
-                <a:solidFill>
-                  <a:schemeClr val="lt2"/>
-                </a:solidFill>
-              </a:rPr>
-              <a:t>We are able to see resulting clusters in the images above</a:t>
-            </a:r>
-            <a:endParaRPr sz="2900">
-              <a:solidFill>
-                <a:schemeClr val="lt2"/>
-              </a:solidFill>
-            </a:endParaRPr>
-          </a:p>
-        </p:txBody>
-      </p:sp>
-      <p:pic>
-        <p:nvPicPr>
-          <p:cNvPr id="67" name="Google Shape;67;p13"/>
-          <p:cNvPicPr preferRelativeResize="0"/>
-          <p:nvPr/>
-        </p:nvPicPr>
-        <p:blipFill>
-          <a:blip r:embed="rId7">
-            <a:alphaModFix/>
-          </a:blip>
-          <a:stretch>
-            <a:fillRect/>
-          </a:stretch>
-        </p:blipFill>
-        <p:spPr>
-          <a:xfrm>
-            <a:off x="742000" y="8712813"/>
-            <a:ext cx="14764125" cy="5262725"/>
-          </a:xfrm>
-          <a:prstGeom prst="rect">
-            <a:avLst/>
-          </a:prstGeom>
-          <a:noFill/>
-          <a:ln>
-            <a:noFill/>
-          </a:ln>
-        </p:spPr>
-      </p:pic>
-      <p:sp>
-        <p:nvSpPr>
-          <p:cNvPr id="68" name="Google Shape;68;p13"/>
-          <p:cNvSpPr txBox="1">
-            <a:spLocks noGrp="1"/>
-          </p:cNvSpPr>
-          <p:nvPr>
-            <p:ph type="subTitle" idx="1"/>
-          </p:nvPr>
-        </p:nvSpPr>
-        <p:spPr>
-          <a:xfrm>
-            <a:off x="24238425" y="14614050"/>
-            <a:ext cx="8250900" cy="6751200"/>
-          </a:xfrm>
-          <a:prstGeom prst="rect">
-            <a:avLst/>
-          </a:prstGeom>
-        </p:spPr>
-        <p:txBody>
-          <a:bodyPr spcFirstLastPara="1" wrap="square" lIns="324600" tIns="324600" rIns="324600" bIns="324600" anchor="t" anchorCtr="0">
-            <a:noAutofit/>
-          </a:bodyPr>
-          <a:lstStyle/>
-          <a:p>
-            <a:pPr marL="0" lvl="0" indent="0" algn="l" rtl="0">
-              <a:lnSpc>
-                <a:spcPct val="115000"/>
-              </a:lnSpc>
-              <a:spcBef>
-                <a:spcPts val="0"/>
-              </a:spcBef>
-              <a:spcAft>
-                <a:spcPts val="0"/>
-              </a:spcAft>
-              <a:buNone/>
-            </a:pPr>
-            <a:r>
-              <a:rPr lang="zh-CN" sz="3600">
-                <a:solidFill>
-                  <a:schemeClr val="lt2"/>
-                </a:solidFill>
-              </a:rPr>
-              <a:t>Dilution and Source Tracking</a:t>
-            </a:r>
-            <a:endParaRPr sz="3600">
-              <a:solidFill>
-                <a:schemeClr val="lt2"/>
-              </a:solidFill>
-            </a:endParaRPr>
-          </a:p>
-          <a:p>
-            <a:pPr marL="0" lvl="0" indent="0" algn="l" rtl="0">
-              <a:lnSpc>
-                <a:spcPct val="115000"/>
-              </a:lnSpc>
-              <a:spcBef>
-                <a:spcPts val="0"/>
-              </a:spcBef>
-              <a:spcAft>
-                <a:spcPts val="0"/>
-              </a:spcAft>
-              <a:buNone/>
-            </a:pPr>
-            <a:endParaRPr sz="1500">
-              <a:solidFill>
-                <a:schemeClr val="lt2"/>
-              </a:solidFill>
-            </a:endParaRPr>
-          </a:p>
-          <a:p>
-            <a:pPr marL="457200" lvl="0" indent="-412750" algn="l" rtl="0">
-              <a:lnSpc>
-                <a:spcPct val="115000"/>
-              </a:lnSpc>
-              <a:spcBef>
-                <a:spcPts val="0"/>
-              </a:spcBef>
-              <a:spcAft>
-                <a:spcPts val="0"/>
-              </a:spcAft>
-              <a:buClr>
-                <a:schemeClr val="lt2"/>
-              </a:buClr>
-              <a:buSzPts val="2900"/>
-              <a:buChar char="●"/>
-            </a:pPr>
-            <a:r>
-              <a:rPr lang="zh-CN" sz="2900">
-                <a:solidFill>
-                  <a:schemeClr val="lt2"/>
-                </a:solidFill>
-              </a:rPr>
-              <a:t>Once the chemicals are clustered, the dilution can be predicted by training a model based on example data</a:t>
-            </a:r>
-            <a:endParaRPr sz="2900">
-              <a:solidFill>
-                <a:schemeClr val="lt2"/>
-              </a:solidFill>
-            </a:endParaRPr>
-          </a:p>
-          <a:p>
-            <a:pPr marL="457200" lvl="0" indent="-412750" algn="l" rtl="0">
-              <a:lnSpc>
-                <a:spcPct val="115000"/>
-              </a:lnSpc>
-              <a:spcBef>
-                <a:spcPts val="0"/>
-              </a:spcBef>
-              <a:spcAft>
-                <a:spcPts val="0"/>
-              </a:spcAft>
-              <a:buClr>
-                <a:schemeClr val="lt2"/>
-              </a:buClr>
-              <a:buSzPts val="2900"/>
-              <a:buChar char="●"/>
-            </a:pPr>
-            <a:r>
-              <a:rPr lang="zh-CN" sz="2900">
-                <a:solidFill>
-                  <a:schemeClr val="lt2"/>
-                </a:solidFill>
-              </a:rPr>
-              <a:t>As shown in the workflow above, users can choose a best fitting model</a:t>
-            </a:r>
-            <a:endParaRPr sz="2900">
-              <a:solidFill>
-                <a:schemeClr val="lt2"/>
-              </a:solidFill>
-            </a:endParaRPr>
-          </a:p>
-          <a:p>
-            <a:pPr marL="457200" lvl="0" indent="-412750" algn="l" rtl="0">
-              <a:lnSpc>
-                <a:spcPct val="115000"/>
-              </a:lnSpc>
-              <a:spcBef>
-                <a:spcPts val="0"/>
-              </a:spcBef>
-              <a:spcAft>
-                <a:spcPts val="0"/>
-              </a:spcAft>
-              <a:buClr>
-                <a:schemeClr val="lt2"/>
-              </a:buClr>
-              <a:buSzPts val="2900"/>
-              <a:buChar char="●"/>
-            </a:pPr>
-            <a:r>
-              <a:rPr lang="zh-CN" sz="2900">
-                <a:solidFill>
-                  <a:schemeClr val="lt2"/>
-                </a:solidFill>
-              </a:rPr>
-              <a:t>Source identification is currently simplified based on dilution and intensity- it will be later expanded to take into account various modeling techniques</a:t>
-            </a:r>
-            <a:endParaRPr sz="2900">
-              <a:solidFill>
-                <a:schemeClr val="lt2"/>
-              </a:solidFill>
-            </a:endParaRPr>
-          </a:p>
-        </p:txBody>
-      </p:sp>
-      <p:pic>
-        <p:nvPicPr>
-          <p:cNvPr id="69" name="Google Shape;69;p13"/>
-          <p:cNvPicPr preferRelativeResize="0"/>
-          <p:nvPr/>
-        </p:nvPicPr>
-        <p:blipFill>
-          <a:blip r:embed="rId8">
-            <a:alphaModFix/>
-          </a:blip>
-          <a:stretch>
-            <a:fillRect/>
-          </a:stretch>
-        </p:blipFill>
-        <p:spPr>
-          <a:xfrm>
-            <a:off x="16325188" y="15270156"/>
-            <a:ext cx="7913234" cy="5439000"/>
-          </a:xfrm>
-          <a:prstGeom prst="rect">
-            <a:avLst/>
-          </a:prstGeom>
-          <a:noFill/>
-          <a:ln>
-            <a:noFill/>
-          </a:ln>
-        </p:spPr>
-      </p:pic>
-      <p:pic>
-        <p:nvPicPr>
-          <p:cNvPr id="70" name="Google Shape;70;p13"/>
-          <p:cNvPicPr preferRelativeResize="0"/>
-          <p:nvPr/>
-        </p:nvPicPr>
-        <p:blipFill>
-          <a:blip r:embed="rId9">
-            <a:alphaModFix/>
-          </a:blip>
-          <a:stretch>
-            <a:fillRect/>
-          </a:stretch>
-        </p:blipFill>
-        <p:spPr>
-          <a:xfrm>
-            <a:off x="9759075" y="14804047"/>
-            <a:ext cx="5874062" cy="3981950"/>
-          </a:xfrm>
-          <a:prstGeom prst="rect">
-            <a:avLst/>
-          </a:prstGeom>
-          <a:noFill/>
-          <a:ln>
-            <a:noFill/>
-          </a:ln>
-        </p:spPr>
-      </p:pic>
-      <p:sp>
-        <p:nvSpPr>
-          <p:cNvPr id="71" name="Google Shape;71;p13"/>
-          <p:cNvSpPr txBox="1">
-            <a:spLocks noGrp="1"/>
-          </p:cNvSpPr>
-          <p:nvPr>
-            <p:ph type="subTitle" idx="1"/>
-          </p:nvPr>
-        </p:nvSpPr>
-        <p:spPr>
-          <a:xfrm>
-            <a:off x="15883750" y="7944550"/>
-            <a:ext cx="15911700" cy="5792100"/>
-          </a:xfrm>
-          <a:prstGeom prst="rect">
-            <a:avLst/>
-          </a:prstGeom>
-        </p:spPr>
-        <p:txBody>
-          <a:bodyPr spcFirstLastPara="1" wrap="square" lIns="324600" tIns="324600" rIns="324600" bIns="324600" anchor="t" anchorCtr="0">
-            <a:noAutofit/>
-          </a:bodyPr>
-          <a:lstStyle/>
-          <a:p>
-            <a:pPr marL="0" lvl="0" indent="0" algn="l" rtl="0">
-              <a:lnSpc>
-                <a:spcPct val="115000"/>
-              </a:lnSpc>
-              <a:spcBef>
-                <a:spcPts val="0"/>
-              </a:spcBef>
-              <a:spcAft>
-                <a:spcPts val="0"/>
-              </a:spcAft>
-              <a:buNone/>
-            </a:pPr>
-            <a:r>
-              <a:rPr lang="zh-CN" sz="3600">
-                <a:solidFill>
-                  <a:schemeClr val="lt2"/>
-                </a:solidFill>
-              </a:rPr>
-              <a:t>Overview</a:t>
-            </a:r>
-            <a:endParaRPr sz="3600">
-              <a:solidFill>
-                <a:schemeClr val="lt2"/>
-              </a:solidFill>
-            </a:endParaRPr>
-          </a:p>
-          <a:p>
-            <a:pPr marL="0" lvl="0" indent="0" algn="l" rtl="0">
-              <a:lnSpc>
-                <a:spcPct val="115000"/>
-              </a:lnSpc>
-              <a:spcBef>
-                <a:spcPts val="0"/>
-              </a:spcBef>
-              <a:spcAft>
-                <a:spcPts val="0"/>
-              </a:spcAft>
-              <a:buNone/>
-            </a:pPr>
-            <a:endParaRPr sz="1500">
-              <a:solidFill>
-                <a:schemeClr val="lt2"/>
-              </a:solidFill>
-            </a:endParaRPr>
-          </a:p>
-          <a:p>
-            <a:pPr marL="457200" lvl="0" indent="-412750" algn="l" rtl="0">
-              <a:lnSpc>
-                <a:spcPct val="115000"/>
-              </a:lnSpc>
-              <a:spcBef>
-                <a:spcPts val="0"/>
-              </a:spcBef>
-              <a:spcAft>
-                <a:spcPts val="0"/>
-              </a:spcAft>
-              <a:buClr>
-                <a:schemeClr val="lt2"/>
-              </a:buClr>
-              <a:buSzPts val="2900"/>
-              <a:buChar char="●"/>
-            </a:pPr>
-            <a:r>
-              <a:rPr lang="zh-CN" sz="2900">
-                <a:solidFill>
-                  <a:schemeClr val="lt2"/>
-                </a:solidFill>
-              </a:rPr>
-              <a:t>The goal of this project is to create a package which can be used to predict and track dilution levels of chemicals through Mass Spectrometry (MS)</a:t>
-            </a:r>
-            <a:endParaRPr sz="2900">
-              <a:solidFill>
-                <a:schemeClr val="lt2"/>
-              </a:solidFill>
-            </a:endParaRPr>
-          </a:p>
-          <a:p>
-            <a:pPr marL="457200" lvl="0" indent="-412750" algn="l" rtl="0">
-              <a:lnSpc>
-                <a:spcPct val="115000"/>
-              </a:lnSpc>
-              <a:spcBef>
-                <a:spcPts val="0"/>
-              </a:spcBef>
-              <a:spcAft>
-                <a:spcPts val="0"/>
-              </a:spcAft>
-              <a:buClr>
-                <a:schemeClr val="lt2"/>
-              </a:buClr>
-              <a:buSzPts val="2900"/>
-              <a:buChar char="●"/>
-            </a:pPr>
-            <a:r>
-              <a:rPr lang="zh-CN" sz="2900">
-                <a:solidFill>
-                  <a:schemeClr val="lt2"/>
-                </a:solidFill>
-              </a:rPr>
-              <a:t>Prior to modeling, the signals from MS are sorted, and aligned in order to create a cohesive database, with each unique chemical as a “feature” across different samples</a:t>
-            </a:r>
-            <a:endParaRPr sz="2900">
-              <a:solidFill>
-                <a:schemeClr val="lt2"/>
-              </a:solidFill>
-            </a:endParaRPr>
-          </a:p>
-          <a:p>
-            <a:pPr marL="457200" lvl="0" indent="-412750" algn="l" rtl="0">
-              <a:lnSpc>
-                <a:spcPct val="115000"/>
-              </a:lnSpc>
-              <a:spcBef>
-                <a:spcPts val="0"/>
-              </a:spcBef>
-              <a:spcAft>
-                <a:spcPts val="0"/>
-              </a:spcAft>
-              <a:buClr>
-                <a:schemeClr val="lt2"/>
-              </a:buClr>
-              <a:buSzPts val="2900"/>
-              <a:buChar char="●"/>
-            </a:pPr>
-            <a:r>
-              <a:rPr lang="zh-CN" sz="2900">
-                <a:solidFill>
-                  <a:schemeClr val="lt2"/>
-                </a:solidFill>
-              </a:rPr>
-              <a:t>Using this database, various models can be created to accomplish the goal of source and dilution tracking</a:t>
-            </a:r>
-            <a:endParaRPr sz="2900">
-              <a:solidFill>
-                <a:schemeClr val="lt2"/>
-              </a:solidFill>
-            </a:endParaRPr>
-          </a:p>
-          <a:p>
-            <a:pPr marL="457200" lvl="0" indent="-412750" algn="l" rtl="0">
-              <a:lnSpc>
-                <a:spcPct val="115000"/>
-              </a:lnSpc>
-              <a:spcBef>
-                <a:spcPts val="0"/>
-              </a:spcBef>
-              <a:spcAft>
-                <a:spcPts val="0"/>
-              </a:spcAft>
-              <a:buClr>
-                <a:schemeClr val="lt2"/>
-              </a:buClr>
-              <a:buSzPts val="2900"/>
-              <a:buChar char="●"/>
-            </a:pPr>
-            <a:r>
-              <a:rPr lang="zh-CN" sz="2900">
-                <a:solidFill>
-                  <a:schemeClr val="lt2"/>
-                </a:solidFill>
-              </a:rPr>
-              <a:t>Users have a choice in multiple steps: model selection, data selection, and visualziation </a:t>
-            </a:r>
-            <a:endParaRPr sz="2900">
-              <a:solidFill>
-                <a:schemeClr val="lt2"/>
-              </a:solidFill>
-            </a:endParaRPr>
-          </a:p>
-          <a:p>
-            <a:pPr marL="457200" lvl="0" indent="-412750" algn="l" rtl="0">
-              <a:lnSpc>
-                <a:spcPct val="115000"/>
-              </a:lnSpc>
-              <a:spcBef>
-                <a:spcPts val="0"/>
-              </a:spcBef>
-              <a:spcAft>
-                <a:spcPts val="0"/>
-              </a:spcAft>
-              <a:buClr>
-                <a:schemeClr val="lt2"/>
-              </a:buClr>
-              <a:buSzPts val="2900"/>
-              <a:buChar char="●"/>
-            </a:pPr>
-            <a:r>
-              <a:rPr lang="zh-CN" sz="2900">
-                <a:solidFill>
-                  <a:schemeClr val="lt2"/>
-                </a:solidFill>
-              </a:rPr>
-              <a:t>All choices come equipped with a report, enabling users to validate the accuracy of their resulting model</a:t>
-            </a:r>
-            <a:endParaRPr sz="2900">
-              <a:solidFill>
-                <a:schemeClr val="lt2"/>
-              </a:solidFill>
-            </a:endParaRPr>
-          </a:p>
-        </p:txBody>
-      </p:sp>
-      <p:sp>
-        <p:nvSpPr>
-          <p:cNvPr id="72" name="Google Shape;72;p13"/>
+          <p:cNvPr id="37" name="Google Shape;86;p14">
+            <a:extLst>
+              <a:ext uri="{FF2B5EF4-FFF2-40B4-BE49-F238E27FC236}">
+                <a16:creationId xmlns:a16="http://schemas.microsoft.com/office/drawing/2014/main" id="{DCC1E60F-C2F3-414A-AAD6-36D3656D7CB8}"/>
+              </a:ext>
+            </a:extLst>
+          </p:cNvPr>
           <p:cNvSpPr/>
           <p:nvPr/>
         </p:nvSpPr>
         <p:spPr>
           <a:xfrm>
-            <a:off x="2079650" y="14804050"/>
-            <a:ext cx="3406500" cy="1152300"/>
+            <a:off x="10872299" y="12988242"/>
+            <a:ext cx="10544901" cy="8754485"/>
           </a:xfrm>
           <a:prstGeom prst="rect">
             <a:avLst/>
           </a:prstGeom>
           <a:solidFill>
-            <a:srgbClr val="000000"/>
+            <a:schemeClr val="bg1"/>
           </a:solidFill>
           <a:ln w="9525" cap="flat" cmpd="sng">
             <a:solidFill>
-              <a:srgbClr val="000000"/>
+              <a:schemeClr val="tx1"/>
             </a:solidFill>
             <a:prstDash val="solid"/>
             <a:round/>
@@ -10911,67 +9718,169 @@
           </a:p>
         </p:txBody>
       </p:sp>
-      <p:pic>
-        <p:nvPicPr>
-          <p:cNvPr id="73" name="Google Shape;73;p13"/>
-          <p:cNvPicPr preferRelativeResize="0"/>
+      <p:sp>
+        <p:nvSpPr>
+          <p:cNvPr id="36" name="Rectangle 35">
+            <a:extLst>
+              <a:ext uri="{FF2B5EF4-FFF2-40B4-BE49-F238E27FC236}">
+                <a16:creationId xmlns:a16="http://schemas.microsoft.com/office/drawing/2014/main" id="{14C2EBED-21AF-4DF7-B0BF-6EC5C445501C}"/>
+              </a:ext>
+            </a:extLst>
+          </p:cNvPr>
+          <p:cNvSpPr/>
           <p:nvPr/>
-        </p:nvPicPr>
-        <p:blipFill>
-          <a:blip r:embed="rId10">
-            <a:alphaModFix/>
-          </a:blip>
-          <a:stretch>
-            <a:fillRect/>
-          </a:stretch>
-        </p:blipFill>
+        </p:nvSpPr>
         <p:spPr>
           <a:xfrm>
-            <a:off x="3338939" y="14804048"/>
-            <a:ext cx="6182026" cy="3981951"/>
+            <a:off x="27112686" y="18811146"/>
+            <a:ext cx="5598764" cy="2931582"/>
           </a:xfrm>
           <a:prstGeom prst="rect">
             <a:avLst/>
           </a:prstGeom>
-          <a:noFill/>
+          <a:solidFill>
+            <a:schemeClr val="bg1"/>
+          </a:solidFill>
           <a:ln>
-            <a:noFill/>
+            <a:solidFill>
+              <a:schemeClr val="tx1"/>
+            </a:solidFill>
           </a:ln>
         </p:spPr>
-      </p:pic>
-    </p:spTree>
-  </p:cSld>
-  <p:clrMapOvr>
-    <a:masterClrMapping/>
-  </p:clrMapOvr>
-</p:sld>
-</file>
-
-<file path=ppt/slides/slide2.xml><?xml version="1.0" encoding="utf-8"?>
-<p:sld xmlns:a="http://schemas.openxmlformats.org/drawingml/2006/main" xmlns:r="http://schemas.openxmlformats.org/officeDocument/2006/relationships" xmlns:p="http://schemas.openxmlformats.org/presentationml/2006/main">
-  <p:cSld>
-    <p:bg>
-      <p:bgPr>
-        <a:solidFill>
-          <a:schemeClr val="accent1"/>
-        </a:solidFill>
-        <a:effectLst/>
-      </p:bgPr>
-    </p:bg>
-    <p:spTree>
-      <p:nvGrpSpPr>
-        <p:cNvPr id="1" name="Shape 77"/>
-        <p:cNvGrpSpPr/>
-        <p:nvPr/>
-      </p:nvGrpSpPr>
-      <p:grpSpPr>
-        <a:xfrm>
-          <a:off x="0" y="0"/>
-          <a:ext cx="0" cy="0"/>
-          <a:chOff x="0" y="0"/>
-          <a:chExt cx="0" cy="0"/>
-        </a:xfrm>
-      </p:grpSpPr>
+        <p:style>
+          <a:lnRef idx="2">
+            <a:schemeClr val="accent1">
+              <a:shade val="50000"/>
+            </a:schemeClr>
+          </a:lnRef>
+          <a:fillRef idx="1">
+            <a:schemeClr val="accent1"/>
+          </a:fillRef>
+          <a:effectRef idx="0">
+            <a:schemeClr val="accent1"/>
+          </a:effectRef>
+          <a:fontRef idx="minor">
+            <a:schemeClr val="lt1"/>
+          </a:fontRef>
+        </p:style>
+        <p:txBody>
+          <a:bodyPr rtlCol="0" anchor="ctr"/>
+          <a:lstStyle/>
+          <a:p>
+            <a:pPr algn="ctr"/>
+            <a:endParaRPr lang="zh-CN" altLang="en-US"/>
+          </a:p>
+        </p:txBody>
+      </p:sp>
+      <p:sp>
+        <p:nvSpPr>
+          <p:cNvPr id="4" name="Rectangle 3">
+            <a:extLst>
+              <a:ext uri="{FF2B5EF4-FFF2-40B4-BE49-F238E27FC236}">
+                <a16:creationId xmlns:a16="http://schemas.microsoft.com/office/drawing/2014/main" id="{59EBCAF5-A784-441E-B8D3-06E3080284B9}"/>
+              </a:ext>
+            </a:extLst>
+          </p:cNvPr>
+          <p:cNvSpPr/>
+          <p:nvPr/>
+        </p:nvSpPr>
+        <p:spPr>
+          <a:xfrm>
+            <a:off x="21522300" y="18811146"/>
+            <a:ext cx="5485286" cy="2931582"/>
+          </a:xfrm>
+          <a:prstGeom prst="rect">
+            <a:avLst/>
+          </a:prstGeom>
+          <a:solidFill>
+            <a:schemeClr val="bg1"/>
+          </a:solidFill>
+          <a:ln>
+            <a:solidFill>
+              <a:schemeClr val="tx1"/>
+            </a:solidFill>
+          </a:ln>
+        </p:spPr>
+        <p:style>
+          <a:lnRef idx="2">
+            <a:schemeClr val="accent1">
+              <a:shade val="50000"/>
+            </a:schemeClr>
+          </a:lnRef>
+          <a:fillRef idx="1">
+            <a:schemeClr val="accent1"/>
+          </a:fillRef>
+          <a:effectRef idx="0">
+            <a:schemeClr val="accent1"/>
+          </a:effectRef>
+          <a:fontRef idx="minor">
+            <a:schemeClr val="lt1"/>
+          </a:fontRef>
+        </p:style>
+        <p:txBody>
+          <a:bodyPr rtlCol="0" anchor="ctr"/>
+          <a:lstStyle/>
+          <a:p>
+            <a:pPr algn="ctr"/>
+            <a:endParaRPr lang="zh-CN" altLang="en-US"/>
+          </a:p>
+        </p:txBody>
+      </p:sp>
+      <p:sp>
+        <p:nvSpPr>
+          <p:cNvPr id="2" name="Rectangle 1">
+            <a:extLst>
+              <a:ext uri="{FF2B5EF4-FFF2-40B4-BE49-F238E27FC236}">
+                <a16:creationId xmlns:a16="http://schemas.microsoft.com/office/drawing/2014/main" id="{08DAF197-C7E0-4C3B-A326-0EE02C08F08E}"/>
+              </a:ext>
+            </a:extLst>
+          </p:cNvPr>
+          <p:cNvSpPr/>
+          <p:nvPr/>
+        </p:nvSpPr>
+        <p:spPr>
+          <a:xfrm>
+            <a:off x="206950" y="7431314"/>
+            <a:ext cx="10560050" cy="9867682"/>
+          </a:xfrm>
+          <a:prstGeom prst="rect">
+            <a:avLst/>
+          </a:prstGeom>
+          <a:solidFill>
+            <a:schemeClr val="bg1"/>
+          </a:solidFill>
+          <a:ln>
+            <a:solidFill>
+              <a:schemeClr val="tx1"/>
+            </a:solidFill>
+          </a:ln>
+          <a:effectLst>
+            <a:softEdge rad="12700"/>
+          </a:effectLst>
+        </p:spPr>
+        <p:style>
+          <a:lnRef idx="2">
+            <a:schemeClr val="accent4"/>
+          </a:lnRef>
+          <a:fillRef idx="1">
+            <a:schemeClr val="lt1"/>
+          </a:fillRef>
+          <a:effectRef idx="0">
+            <a:schemeClr val="accent4"/>
+          </a:effectRef>
+          <a:fontRef idx="minor">
+            <a:schemeClr val="dk1"/>
+          </a:fontRef>
+        </p:style>
+        <p:txBody>
+          <a:bodyPr rtlCol="0" anchor="ctr"/>
+          <a:lstStyle/>
+          <a:p>
+            <a:pPr algn="ctr"/>
+            <a:endParaRPr lang="zh-CN" altLang="en-US"/>
+          </a:p>
+        </p:txBody>
+      </p:sp>
       <p:sp>
         <p:nvSpPr>
           <p:cNvPr id="78" name="Google Shape;78;p14"/>
@@ -11006,7 +9915,7 @@
               </a:spcAft>
               <a:buNone/>
             </a:pPr>
-            <a:endParaRPr sz="4600"/>
+            <a:endParaRPr sz="4600" dirty="0"/>
           </a:p>
           <a:p>
             <a:pPr marL="0" lvl="0" indent="0" algn="l" rtl="0">
@@ -11021,7 +9930,7 @@
               </a:spcAft>
               <a:buNone/>
             </a:pPr>
-            <a:endParaRPr sz="2500"/>
+            <a:endParaRPr sz="2500" dirty="0"/>
           </a:p>
           <a:p>
             <a:pPr marL="0" lvl="0" indent="0" algn="l" rtl="0">
@@ -11037,7 +9946,7 @@
               <a:buNone/>
             </a:pPr>
             <a:r>
-              <a:rPr lang="zh-CN" sz="2300" u="sng">
+              <a:rPr lang="zh-CN" sz="2300" u="sng" dirty="0">
                 <a:solidFill>
                   <a:schemeClr val="hlink"/>
                 </a:solidFill>
@@ -11049,7 +9958,7 @@
               </a:rPr>
               <a:t>https://pypi.org/project/mass-suite/</a:t>
             </a:r>
-            <a:endParaRPr sz="3700"/>
+            <a:endParaRPr sz="3700" dirty="0"/>
           </a:p>
           <a:p>
             <a:pPr marL="0" lvl="0" indent="0" algn="l" rtl="0">
@@ -11064,7 +9973,7 @@
               </a:spcAft>
               <a:buNone/>
             </a:pPr>
-            <a:endParaRPr sz="2500"/>
+            <a:endParaRPr sz="2500" dirty="0"/>
           </a:p>
           <a:p>
             <a:pPr marL="0" lvl="0" indent="0" algn="l" rtl="0">
@@ -11085,10 +9994,25 @@
               <a:buNone/>
             </a:pPr>
             <a:r>
-              <a:rPr lang="zh-CN" sz="2500"/>
+              <a:rPr lang="zh-CN" sz="2500" dirty="0"/>
               <a:t>Project Sponsor: Edward Kolodziej (University of Washington, Center of Urban water)</a:t>
             </a:r>
-            <a:endParaRPr sz="2500"/>
+            <a:br>
+              <a:rPr lang="en-US" altLang="zh-CN" sz="2500" dirty="0"/>
+            </a:br>
+            <a:r>
+              <a:rPr lang="en-US" altLang="zh-CN" sz="2500" dirty="0"/>
+              <a:t>Project Advisor: Edward </a:t>
+            </a:r>
+            <a:r>
+              <a:rPr lang="en-US" altLang="zh-CN" sz="2500" dirty="0" err="1"/>
+              <a:t>Kolodziej</a:t>
+            </a:r>
+            <a:r>
+              <a:rPr lang="en-US" altLang="zh-CN" sz="2500" dirty="0"/>
+              <a:t>, David Beck (University of Washington)</a:t>
+            </a:r>
+            <a:endParaRPr sz="2500" dirty="0"/>
           </a:p>
           <a:p>
             <a:pPr marL="0" lvl="0" indent="0" algn="l" rtl="0">
@@ -11109,10 +10033,10 @@
               <a:buNone/>
             </a:pPr>
             <a:r>
-              <a:rPr lang="zh-CN" sz="2500"/>
+              <a:rPr lang="zh-CN" sz="2500" dirty="0"/>
               <a:t>Project Team: Ximin Hu (Civil &amp; Environmental Engineering), Derek Mar (Materials Science &amp; Engineering), </a:t>
             </a:r>
-            <a:endParaRPr sz="2500"/>
+            <a:endParaRPr sz="2500" dirty="0"/>
           </a:p>
           <a:p>
             <a:pPr marL="0" lvl="0" indent="0" algn="l" rtl="0">
@@ -11133,10 +10057,10 @@
               <a:buNone/>
             </a:pPr>
             <a:r>
-              <a:rPr lang="zh-CN" sz="2500"/>
+              <a:rPr lang="zh-CN" sz="2500" dirty="0"/>
               <a:t>Nozomi Suzuki (Materials Science &amp; Engineering), Bowei Zhang (Materials Science &amp; Engineering)</a:t>
             </a:r>
-            <a:endParaRPr sz="3200"/>
+            <a:endParaRPr sz="3200" dirty="0"/>
           </a:p>
         </p:txBody>
       </p:sp>
@@ -11277,7 +10201,7 @@
         <p:spPr>
           <a:xfrm>
             <a:off x="206950" y="7011825"/>
-            <a:ext cx="30675000" cy="1287300"/>
+            <a:ext cx="6689150" cy="1287300"/>
           </a:xfrm>
           <a:prstGeom prst="rect">
             <a:avLst/>
@@ -11734,16 +10658,18 @@
         </p:nvSpPr>
         <p:spPr>
           <a:xfrm>
-            <a:off x="10872300" y="7603200"/>
-            <a:ext cx="10217100" cy="14124686"/>
+            <a:off x="10872299" y="7431315"/>
+            <a:ext cx="10544901" cy="5472058"/>
           </a:xfrm>
           <a:prstGeom prst="rect">
             <a:avLst/>
           </a:prstGeom>
-          <a:noFill/>
+          <a:solidFill>
+            <a:schemeClr val="bg1"/>
+          </a:solidFill>
           <a:ln w="9525" cap="flat" cmpd="sng">
             <a:solidFill>
-              <a:srgbClr val="FF0000"/>
+              <a:schemeClr val="tx1"/>
             </a:solidFill>
             <a:prstDash val="solid"/>
             <a:round/>
@@ -11778,16 +10704,18 @@
         </p:nvSpPr>
         <p:spPr>
           <a:xfrm>
-            <a:off x="21522300" y="7603200"/>
-            <a:ext cx="10990800" cy="7936800"/>
+            <a:off x="21522300" y="7431314"/>
+            <a:ext cx="11189150" cy="8108686"/>
           </a:xfrm>
           <a:prstGeom prst="rect">
             <a:avLst/>
           </a:prstGeom>
-          <a:noFill/>
+          <a:solidFill>
+            <a:schemeClr val="bg1"/>
+          </a:solidFill>
           <a:ln w="9525" cap="flat" cmpd="sng">
             <a:solidFill>
-              <a:srgbClr val="FF0000"/>
+              <a:schemeClr val="tx1"/>
             </a:solidFill>
             <a:prstDash val="solid"/>
             <a:round/>
@@ -11822,8 +10750,8 @@
         </p:nvSpPr>
         <p:spPr>
           <a:xfrm>
-            <a:off x="21522300" y="7594075"/>
-            <a:ext cx="10806600" cy="2461800"/>
+            <a:off x="21522300" y="7431314"/>
+            <a:ext cx="10806600" cy="2624561"/>
           </a:xfrm>
           <a:prstGeom prst="rect">
             <a:avLst/>
@@ -11874,16 +10802,18 @@
         </p:nvSpPr>
         <p:spPr>
           <a:xfrm>
-            <a:off x="21522300" y="15930875"/>
-            <a:ext cx="10990800" cy="2760900"/>
+            <a:off x="21522300" y="15724272"/>
+            <a:ext cx="11189150" cy="2967503"/>
           </a:xfrm>
           <a:prstGeom prst="rect">
             <a:avLst/>
           </a:prstGeom>
-          <a:noFill/>
+          <a:solidFill>
+            <a:schemeClr val="bg1"/>
+          </a:solidFill>
           <a:ln w="9525" cap="flat" cmpd="sng">
             <a:solidFill>
-              <a:srgbClr val="FF0000"/>
+              <a:schemeClr val="tx1"/>
             </a:solidFill>
             <a:prstDash val="solid"/>
             <a:round/>
@@ -11945,7 +10875,7 @@
               <a:buNone/>
             </a:pPr>
             <a:r>
-              <a:rPr lang="zh-CN" sz="4300">
+              <a:rPr lang="zh-CN" sz="4300" dirty="0">
                 <a:latin typeface="Old Standard TT"/>
                 <a:ea typeface="Old Standard TT"/>
                 <a:cs typeface="Old Standard TT"/>
@@ -11953,7 +10883,7 @@
               </a:rPr>
               <a:t>Future Dev:</a:t>
             </a:r>
-            <a:endParaRPr sz="4300">
+            <a:endParaRPr sz="4300" dirty="0">
               <a:latin typeface="Old Standard TT"/>
               <a:ea typeface="Old Standard TT"/>
               <a:cs typeface="Old Standard TT"/>
@@ -12136,7 +11066,7 @@
         <p:spPr>
           <a:xfrm>
             <a:off x="21522300" y="18811146"/>
-            <a:ext cx="5809353" cy="1735304"/>
+            <a:ext cx="5809353" cy="2862390"/>
           </a:xfrm>
           <a:prstGeom prst="rect">
             <a:avLst/>
@@ -12523,8 +11453,8 @@
         </p:nvSpPr>
         <p:spPr>
           <a:xfrm>
-            <a:off x="10667825" y="14976686"/>
-            <a:ext cx="4197229" cy="6751200"/>
+            <a:off x="10650195" y="14043065"/>
+            <a:ext cx="4686475" cy="6751200"/>
           </a:xfrm>
           <a:prstGeom prst="rect">
             <a:avLst/>
@@ -13422,58 +12352,6 @@
       </p:graphicFrame>
       <p:sp>
         <p:nvSpPr>
-          <p:cNvPr id="2" name="Rectangle 1">
-            <a:extLst>
-              <a:ext uri="{FF2B5EF4-FFF2-40B4-BE49-F238E27FC236}">
-                <a16:creationId xmlns:a16="http://schemas.microsoft.com/office/drawing/2014/main" id="{08DAF197-C7E0-4C3B-A326-0EE02C08F08E}"/>
-              </a:ext>
-            </a:extLst>
-          </p:cNvPr>
-          <p:cNvSpPr/>
-          <p:nvPr/>
-        </p:nvSpPr>
-        <p:spPr>
-          <a:xfrm>
-            <a:off x="206950" y="7431314"/>
-            <a:ext cx="10560050" cy="9867682"/>
-          </a:xfrm>
-          <a:prstGeom prst="rect">
-            <a:avLst/>
-          </a:prstGeom>
-          <a:noFill/>
-          <a:ln>
-            <a:solidFill>
-              <a:srgbClr val="FF0000"/>
-            </a:solidFill>
-          </a:ln>
-        </p:spPr>
-        <p:style>
-          <a:lnRef idx="2">
-            <a:schemeClr val="accent1">
-              <a:shade val="50000"/>
-            </a:schemeClr>
-          </a:lnRef>
-          <a:fillRef idx="1">
-            <a:schemeClr val="accent1"/>
-          </a:fillRef>
-          <a:effectRef idx="0">
-            <a:schemeClr val="accent1"/>
-          </a:effectRef>
-          <a:fontRef idx="minor">
-            <a:schemeClr val="lt1"/>
-          </a:fontRef>
-        </p:style>
-        <p:txBody>
-          <a:bodyPr rtlCol="0" anchor="ctr"/>
-          <a:lstStyle/>
-          <a:p>
-            <a:pPr algn="ctr"/>
-            <a:endParaRPr lang="zh-CN" altLang="en-US"/>
-          </a:p>
-        </p:txBody>
-      </p:sp>
-      <p:sp>
-        <p:nvSpPr>
           <p:cNvPr id="3" name="Rectangle 2">
             <a:extLst>
               <a:ext uri="{FF2B5EF4-FFF2-40B4-BE49-F238E27FC236}">
@@ -13486,16 +12364,18 @@
         </p:nvSpPr>
         <p:spPr>
           <a:xfrm>
-            <a:off x="206950" y="17298996"/>
-            <a:ext cx="10560050" cy="4428890"/>
+            <a:off x="206950" y="17449800"/>
+            <a:ext cx="10560050" cy="4278086"/>
           </a:xfrm>
           <a:prstGeom prst="rect">
             <a:avLst/>
           </a:prstGeom>
-          <a:noFill/>
+          <a:solidFill>
+            <a:schemeClr val="bg1"/>
+          </a:solidFill>
           <a:ln>
             <a:solidFill>
-              <a:srgbClr val="FF0000"/>
+              <a:schemeClr val="tx1"/>
             </a:solidFill>
           </a:ln>
         </p:spPr>
@@ -14533,7 +13413,7 @@
         </p:nvSpPr>
         <p:spPr>
           <a:xfrm>
-            <a:off x="10857151" y="13262472"/>
+            <a:off x="10893575" y="12709130"/>
             <a:ext cx="3571249" cy="2461800"/>
           </a:xfrm>
           <a:prstGeom prst="rect">
@@ -14852,7 +13732,7 @@
         </p:nvSpPr>
         <p:spPr>
           <a:xfrm>
-            <a:off x="15093479" y="17782680"/>
+            <a:off x="14708530" y="19241226"/>
             <a:ext cx="3571249" cy="2461800"/>
           </a:xfrm>
           <a:prstGeom prst="rect">
@@ -15138,7 +14018,7 @@
                   <a:schemeClr val="lt2"/>
                 </a:solidFill>
               </a:rPr>
-              <a:t>More..</a:t>
+              <a:t>And more..</a:t>
             </a:r>
           </a:p>
           <a:p>
@@ -15177,7 +14057,7 @@
         </p:blipFill>
         <p:spPr>
           <a:xfrm>
-            <a:off x="16810780" y="18215972"/>
+            <a:off x="16969878" y="18150918"/>
             <a:ext cx="4140797" cy="3457564"/>
           </a:xfrm>
           <a:prstGeom prst="rect">

--- a/doc/DIRECT poster.pptx
+++ b/doc/DIRECT poster.pptx
@@ -8,16 +8,23 @@
     <p:notesMasterId r:id="rId3"/>
   </p:notesMasterIdLst>
   <p:sldIdLst>
-    <p:sldId id="257" r:id="rId2"/>
+    <p:sldId id="258" r:id="rId2"/>
   </p:sldIdLst>
   <p:sldSz cx="32918400" cy="21945600"/>
   <p:notesSz cx="6858000" cy="9144000"/>
   <p:embeddedFontLst>
     <p:embeddedFont>
-      <p:font typeface="Old Standard TT" panose="02010600030101010101" charset="0"/>
+      <p:font typeface="Helvetica" panose="020B0604020202020204" pitchFamily="34" charset="0"/>
       <p:regular r:id="rId4"/>
       <p:bold r:id="rId5"/>
       <p:italic r:id="rId6"/>
+      <p:boldItalic r:id="rId7"/>
+    </p:embeddedFont>
+    <p:embeddedFont>
+      <p:font typeface="Old Standard TT" panose="020B0604020202020204" charset="0"/>
+      <p:regular r:id="rId8"/>
+      <p:bold r:id="rId9"/>
+      <p:italic r:id="rId10"/>
     </p:embeddedFont>
   </p:embeddedFontLst>
   <p:defaultTextStyle>
@@ -1037,10 +1044,22 @@
         <a:lstStyle/>
         <a:p>
           <a:r>
-            <a:rPr lang="en-US" altLang="zh-CN" dirty="0"/>
+            <a:rPr lang="en-US" altLang="zh-CN">
+              <a:solidFill>
+                <a:schemeClr val="tx2"/>
+              </a:solidFill>
+              <a:latin typeface="Helvetica" panose="020B0604020202020204" pitchFamily="34" charset="0"/>
+              <a:cs typeface="Helvetica" panose="020B0604020202020204" pitchFamily="34" charset="0"/>
+            </a:rPr>
             <a:t>Peak picking &amp; alignment</a:t>
           </a:r>
-          <a:endParaRPr lang="zh-CN" altLang="en-US" dirty="0"/>
+          <a:endParaRPr lang="zh-CN" altLang="en-US" dirty="0">
+            <a:solidFill>
+              <a:schemeClr val="tx2"/>
+            </a:solidFill>
+            <a:latin typeface="Helvetica" panose="020B0604020202020204" pitchFamily="34" charset="0"/>
+            <a:cs typeface="Helvetica" panose="020B0604020202020204" pitchFamily="34" charset="0"/>
+          </a:endParaRPr>
         </a:p>
       </dgm:t>
     </dgm:pt>
@@ -1067,25 +1086,37 @@
       </dgm:t>
     </dgm:pt>
     <dgm:pt modelId="{9E1F2767-234E-4A9B-9923-0B54F8CA5B80}">
-      <dgm:prSet phldrT="[Text]"/>
+      <dgm:prSet phldrT="[Text]" custT="1"/>
       <dgm:spPr/>
       <dgm:t>
         <a:bodyPr/>
         <a:lstStyle/>
         <a:p>
           <a:r>
-            <a:rPr lang="en-US" altLang="zh-CN" dirty="0"/>
+            <a:rPr lang="en-US" altLang="zh-CN" sz="2500" dirty="0">
+              <a:latin typeface="Helvetica" panose="020B0604020202020204" pitchFamily="34" charset="0"/>
+              <a:cs typeface="Helvetica" panose="020B0604020202020204" pitchFamily="34" charset="0"/>
+            </a:rPr>
             <a:t>Import data from .</a:t>
           </a:r>
           <a:r>
-            <a:rPr lang="en-US" altLang="zh-CN" dirty="0" err="1"/>
+            <a:rPr lang="en-US" altLang="zh-CN" sz="2500" dirty="0" err="1">
+              <a:latin typeface="Helvetica" panose="020B0604020202020204" pitchFamily="34" charset="0"/>
+              <a:cs typeface="Helvetica" panose="020B0604020202020204" pitchFamily="34" charset="0"/>
+            </a:rPr>
             <a:t>mzml</a:t>
           </a:r>
           <a:r>
-            <a:rPr lang="en-US" altLang="zh-CN" dirty="0"/>
+            <a:rPr lang="en-US" altLang="zh-CN" sz="2500" dirty="0">
+              <a:latin typeface="Helvetica" panose="020B0604020202020204" pitchFamily="34" charset="0"/>
+              <a:cs typeface="Helvetica" panose="020B0604020202020204" pitchFamily="34" charset="0"/>
+            </a:rPr>
             <a:t> file</a:t>
           </a:r>
-          <a:endParaRPr lang="zh-CN" altLang="en-US" dirty="0"/>
+          <a:endParaRPr lang="zh-CN" altLang="en-US" sz="2500" dirty="0">
+            <a:latin typeface="Helvetica" panose="020B0604020202020204" pitchFamily="34" charset="0"/>
+            <a:cs typeface="Helvetica" panose="020B0604020202020204" pitchFamily="34" charset="0"/>
+          </a:endParaRPr>
         </a:p>
       </dgm:t>
     </dgm:pt>
@@ -1119,10 +1150,22 @@
         <a:lstStyle/>
         <a:p>
           <a:r>
-            <a:rPr lang="en-US" altLang="zh-CN" dirty="0"/>
+            <a:rPr lang="en-US" altLang="zh-CN" dirty="0">
+              <a:solidFill>
+                <a:schemeClr val="tx2"/>
+              </a:solidFill>
+              <a:latin typeface="Helvetica" panose="020B0604020202020204" pitchFamily="34" charset="0"/>
+              <a:cs typeface="Helvetica" panose="020B0604020202020204" pitchFamily="34" charset="0"/>
+            </a:rPr>
             <a:t>HRMS data analysis – clustering &amp;modeling</a:t>
           </a:r>
-          <a:endParaRPr lang="zh-CN" altLang="en-US" dirty="0"/>
+          <a:endParaRPr lang="zh-CN" altLang="en-US" dirty="0">
+            <a:solidFill>
+              <a:schemeClr val="tx2"/>
+            </a:solidFill>
+            <a:latin typeface="Helvetica" panose="020B0604020202020204" pitchFamily="34" charset="0"/>
+            <a:cs typeface="Helvetica" panose="020B0604020202020204" pitchFamily="34" charset="0"/>
+          </a:endParaRPr>
         </a:p>
       </dgm:t>
     </dgm:pt>
@@ -1149,17 +1192,23 @@
       </dgm:t>
     </dgm:pt>
     <dgm:pt modelId="{464FACF1-DEB2-463D-BFEE-382A56450EDB}">
-      <dgm:prSet phldrT="[Text]"/>
+      <dgm:prSet phldrT="[Text]" custT="1"/>
       <dgm:spPr/>
       <dgm:t>
         <a:bodyPr/>
         <a:lstStyle/>
         <a:p>
           <a:r>
-            <a:rPr lang="en-US" altLang="zh-CN" dirty="0"/>
+            <a:rPr lang="en-US" altLang="zh-CN" sz="2500" dirty="0">
+              <a:latin typeface="Helvetica" panose="020B0604020202020204" pitchFamily="34" charset="0"/>
+              <a:cs typeface="Helvetica" panose="020B0604020202020204" pitchFamily="34" charset="0"/>
+            </a:rPr>
             <a:t>Clustering of different chemical features based on machine learning algorithms</a:t>
           </a:r>
-          <a:endParaRPr lang="zh-CN" altLang="en-US" dirty="0"/>
+          <a:endParaRPr lang="zh-CN" altLang="en-US" sz="2500" dirty="0">
+            <a:latin typeface="Helvetica" panose="020B0604020202020204" pitchFamily="34" charset="0"/>
+            <a:cs typeface="Helvetica" panose="020B0604020202020204" pitchFamily="34" charset="0"/>
+          </a:endParaRPr>
         </a:p>
       </dgm:t>
     </dgm:pt>
@@ -1193,10 +1242,22 @@
         <a:lstStyle/>
         <a:p>
           <a:r>
-            <a:rPr lang="en-US" altLang="zh-CN" dirty="0"/>
+            <a:rPr lang="en-US" altLang="zh-CN">
+              <a:solidFill>
+                <a:schemeClr val="tx2"/>
+              </a:solidFill>
+              <a:latin typeface="Helvetica" panose="020B0604020202020204" pitchFamily="34" charset="0"/>
+              <a:cs typeface="Helvetica" panose="020B0604020202020204" pitchFamily="34" charset="0"/>
+            </a:rPr>
             <a:t>Visualization &amp; database searching</a:t>
           </a:r>
-          <a:endParaRPr lang="zh-CN" altLang="en-US" dirty="0"/>
+          <a:endParaRPr lang="zh-CN" altLang="en-US" dirty="0">
+            <a:solidFill>
+              <a:schemeClr val="tx2"/>
+            </a:solidFill>
+            <a:latin typeface="Helvetica" panose="020B0604020202020204" pitchFamily="34" charset="0"/>
+            <a:cs typeface="Helvetica" panose="020B0604020202020204" pitchFamily="34" charset="0"/>
+          </a:endParaRPr>
         </a:p>
       </dgm:t>
     </dgm:pt>
@@ -1222,92 +1283,24 @@
         </a:p>
       </dgm:t>
     </dgm:pt>
-    <dgm:pt modelId="{56FDE740-39C8-4E4C-9CC8-9219B9C173A5}">
-      <dgm:prSet phldrT="[Text]"/>
+    <dgm:pt modelId="{7A3E2BCC-7F48-48BD-BEA2-EABADCDA75AD}">
+      <dgm:prSet phldrT="[Text]" custT="1"/>
       <dgm:spPr/>
       <dgm:t>
         <a:bodyPr/>
         <a:lstStyle/>
         <a:p>
           <a:r>
-            <a:rPr lang="en-US" altLang="zh-CN" dirty="0"/>
-            <a:t>Detect and integrate peaks, assessing by trained model</a:t>
-          </a:r>
-          <a:endParaRPr lang="zh-CN" altLang="en-US" dirty="0"/>
-        </a:p>
-      </dgm:t>
-    </dgm:pt>
-    <dgm:pt modelId="{CB739B32-84AE-47F3-A3BE-484182EDFC5C}" type="parTrans" cxnId="{27666E98-CD91-4B41-8657-12A20CE00FC6}">
-      <dgm:prSet/>
-      <dgm:spPr/>
-      <dgm:t>
-        <a:bodyPr/>
-        <a:lstStyle/>
-        <a:p>
-          <a:endParaRPr lang="zh-CN" altLang="en-US"/>
-        </a:p>
-      </dgm:t>
-    </dgm:pt>
-    <dgm:pt modelId="{760A9D42-4FD9-4A24-80AC-364B96B08EB2}" type="sibTrans" cxnId="{27666E98-CD91-4B41-8657-12A20CE00FC6}">
-      <dgm:prSet/>
-      <dgm:spPr/>
-      <dgm:t>
-        <a:bodyPr/>
-        <a:lstStyle/>
-        <a:p>
-          <a:endParaRPr lang="zh-CN" altLang="en-US"/>
-        </a:p>
-      </dgm:t>
-    </dgm:pt>
-    <dgm:pt modelId="{27643B6E-19B5-4D9D-BC54-B883374048F6}">
-      <dgm:prSet phldrT="[Text]"/>
-      <dgm:spPr/>
-      <dgm:t>
-        <a:bodyPr/>
-        <a:lstStyle/>
-        <a:p>
-          <a:r>
-            <a:rPr lang="en-US" altLang="zh-CN" dirty="0"/>
-            <a:t>Alignment across different samples</a:t>
-          </a:r>
-          <a:endParaRPr lang="zh-CN" altLang="en-US" dirty="0"/>
-        </a:p>
-      </dgm:t>
-    </dgm:pt>
-    <dgm:pt modelId="{65E86393-507D-4BE2-913A-5B4D24DCED74}" type="parTrans" cxnId="{AE44998A-1B06-43BE-BA68-907289A2EAA5}">
-      <dgm:prSet/>
-      <dgm:spPr/>
-      <dgm:t>
-        <a:bodyPr/>
-        <a:lstStyle/>
-        <a:p>
-          <a:endParaRPr lang="zh-CN" altLang="en-US"/>
-        </a:p>
-      </dgm:t>
-    </dgm:pt>
-    <dgm:pt modelId="{39A7B624-3B22-42BB-8D9C-A190669E5325}" type="sibTrans" cxnId="{AE44998A-1B06-43BE-BA68-907289A2EAA5}">
-      <dgm:prSet/>
-      <dgm:spPr/>
-      <dgm:t>
-        <a:bodyPr/>
-        <a:lstStyle/>
-        <a:p>
-          <a:endParaRPr lang="zh-CN" altLang="en-US"/>
-        </a:p>
-      </dgm:t>
-    </dgm:pt>
-    <dgm:pt modelId="{7A3E2BCC-7F48-48BD-BEA2-EABADCDA75AD}">
-      <dgm:prSet phldrT="[Text]"/>
-      <dgm:spPr/>
-      <dgm:t>
-        <a:bodyPr/>
-        <a:lstStyle/>
-        <a:p>
-          <a:r>
-            <a:rPr lang="en-US" altLang="zh-CN" dirty="0"/>
+            <a:rPr lang="en-US" altLang="zh-CN" sz="2500" dirty="0">
+              <a:latin typeface="Helvetica" panose="020B0604020202020204" pitchFamily="34" charset="0"/>
+              <a:cs typeface="Helvetica" panose="020B0604020202020204" pitchFamily="34" charset="0"/>
+            </a:rPr>
             <a:t>Noise removal, cluster labeling</a:t>
           </a:r>
-          <a:endParaRPr lang="zh-CN" altLang="en-US" dirty="0"/>
+          <a:endParaRPr lang="zh-CN" altLang="en-US" sz="2500" dirty="0">
+            <a:latin typeface="Helvetica" panose="020B0604020202020204" pitchFamily="34" charset="0"/>
+            <a:cs typeface="Helvetica" panose="020B0604020202020204" pitchFamily="34" charset="0"/>
+          </a:endParaRPr>
         </a:p>
       </dgm:t>
     </dgm:pt>
@@ -1334,17 +1327,23 @@
       </dgm:t>
     </dgm:pt>
     <dgm:pt modelId="{5E60006A-18B4-4329-B378-4C36C13BB07B}">
-      <dgm:prSet phldrT="[Text]"/>
+      <dgm:prSet phldrT="[Text]" custT="1"/>
       <dgm:spPr/>
       <dgm:t>
         <a:bodyPr/>
         <a:lstStyle/>
         <a:p>
           <a:r>
-            <a:rPr lang="en-US" altLang="zh-CN" dirty="0"/>
+            <a:rPr lang="en-US" altLang="zh-CN" sz="2500" dirty="0">
+              <a:latin typeface="Helvetica" panose="020B0604020202020204" pitchFamily="34" charset="0"/>
+              <a:cs typeface="Helvetica" panose="020B0604020202020204" pitchFamily="34" charset="0"/>
+            </a:rPr>
             <a:t>Modeling &amp; prediction based on dilution series samples</a:t>
           </a:r>
-          <a:endParaRPr lang="zh-CN" altLang="en-US" dirty="0"/>
+          <a:endParaRPr lang="zh-CN" altLang="en-US" sz="2500" dirty="0">
+            <a:latin typeface="Helvetica" panose="020B0604020202020204" pitchFamily="34" charset="0"/>
+            <a:cs typeface="Helvetica" panose="020B0604020202020204" pitchFamily="34" charset="0"/>
+          </a:endParaRPr>
         </a:p>
       </dgm:t>
     </dgm:pt>
@@ -1371,17 +1370,23 @@
       </dgm:t>
     </dgm:pt>
     <dgm:pt modelId="{2480B818-4240-49DA-B15A-87B16C294497}">
-      <dgm:prSet phldrT="[Text]"/>
+      <dgm:prSet phldrT="[Text]" custT="1"/>
       <dgm:spPr/>
       <dgm:t>
         <a:bodyPr/>
         <a:lstStyle/>
         <a:p>
           <a:r>
-            <a:rPr lang="en-US" altLang="zh-CN" dirty="0"/>
+            <a:rPr lang="en-US" altLang="zh-CN" sz="2500" dirty="0">
+              <a:latin typeface="Helvetica" panose="020B0604020202020204" pitchFamily="34" charset="0"/>
+              <a:cs typeface="Helvetica" panose="020B0604020202020204" pitchFamily="34" charset="0"/>
+            </a:rPr>
             <a:t>Quick source tracking tool</a:t>
           </a:r>
-          <a:endParaRPr lang="zh-CN" altLang="en-US" dirty="0"/>
+          <a:endParaRPr lang="zh-CN" altLang="en-US" sz="2500" dirty="0">
+            <a:latin typeface="Helvetica" panose="020B0604020202020204" pitchFamily="34" charset="0"/>
+            <a:cs typeface="Helvetica" panose="020B0604020202020204" pitchFamily="34" charset="0"/>
+          </a:endParaRPr>
         </a:p>
       </dgm:t>
     </dgm:pt>
@@ -1408,17 +1413,23 @@
       </dgm:t>
     </dgm:pt>
     <dgm:pt modelId="{B49D7AC0-0A55-4E40-980D-2A2FCEE7B7EA}">
-      <dgm:prSet phldrT="[Text]"/>
+      <dgm:prSet phldrT="[Text]" custT="1"/>
       <dgm:spPr/>
       <dgm:t>
         <a:bodyPr/>
         <a:lstStyle/>
         <a:p>
           <a:r>
-            <a:rPr lang="en-US" altLang="zh-CN" dirty="0"/>
+            <a:rPr lang="en-US" altLang="zh-CN" sz="2500" dirty="0">
+              <a:latin typeface="Helvetica" panose="020B0604020202020204" pitchFamily="34" charset="0"/>
+              <a:cs typeface="Helvetica" panose="020B0604020202020204" pitchFamily="34" charset="0"/>
+            </a:rPr>
             <a:t>Basic plots for HRMS data</a:t>
           </a:r>
-          <a:endParaRPr lang="zh-CN" altLang="en-US" dirty="0"/>
+          <a:endParaRPr lang="zh-CN" altLang="en-US" sz="2500" dirty="0">
+            <a:latin typeface="Helvetica" panose="020B0604020202020204" pitchFamily="34" charset="0"/>
+            <a:cs typeface="Helvetica" panose="020B0604020202020204" pitchFamily="34" charset="0"/>
+          </a:endParaRPr>
         </a:p>
       </dgm:t>
     </dgm:pt>
@@ -1445,17 +1456,23 @@
       </dgm:t>
     </dgm:pt>
     <dgm:pt modelId="{8E56C901-D70A-4D7E-BE66-15C4A505FF0E}">
-      <dgm:prSet phldrT="[Text]"/>
+      <dgm:prSet phldrT="[Text]" custT="1"/>
       <dgm:spPr/>
       <dgm:t>
         <a:bodyPr/>
         <a:lstStyle/>
         <a:p>
           <a:r>
-            <a:rPr lang="en-US" altLang="zh-CN" dirty="0"/>
+            <a:rPr lang="en-US" altLang="zh-CN" sz="2500" dirty="0">
+              <a:latin typeface="Helvetica" panose="020B0604020202020204" pitchFamily="34" charset="0"/>
+              <a:cs typeface="Helvetica" panose="020B0604020202020204" pitchFamily="34" charset="0"/>
+            </a:rPr>
             <a:t>Interactive plot upon user selection</a:t>
           </a:r>
-          <a:endParaRPr lang="zh-CN" altLang="en-US" dirty="0"/>
+          <a:endParaRPr lang="zh-CN" altLang="en-US" sz="2500" dirty="0">
+            <a:latin typeface="Helvetica" panose="020B0604020202020204" pitchFamily="34" charset="0"/>
+            <a:cs typeface="Helvetica" panose="020B0604020202020204" pitchFamily="34" charset="0"/>
+          </a:endParaRPr>
         </a:p>
       </dgm:t>
     </dgm:pt>
@@ -1482,17 +1499,23 @@
       </dgm:t>
     </dgm:pt>
     <dgm:pt modelId="{15C84A9C-AA06-4A48-8330-8F61DB37EA20}">
-      <dgm:prSet phldrT="[Text]"/>
+      <dgm:prSet phldrT="[Text]" custT="1"/>
       <dgm:spPr/>
       <dgm:t>
         <a:bodyPr/>
         <a:lstStyle/>
         <a:p>
           <a:r>
-            <a:rPr lang="en-US" altLang="zh-CN" dirty="0"/>
+            <a:rPr lang="en-US" altLang="zh-CN" sz="2500" dirty="0">
+              <a:latin typeface="Helvetica" panose="020B0604020202020204" pitchFamily="34" charset="0"/>
+              <a:cs typeface="Helvetica" panose="020B0604020202020204" pitchFamily="34" charset="0"/>
+            </a:rPr>
             <a:t>Online database search for advanced analysis</a:t>
           </a:r>
-          <a:endParaRPr lang="zh-CN" altLang="en-US" dirty="0"/>
+          <a:endParaRPr lang="zh-CN" altLang="en-US" sz="2500" dirty="0">
+            <a:latin typeface="Helvetica" panose="020B0604020202020204" pitchFamily="34" charset="0"/>
+            <a:cs typeface="Helvetica" panose="020B0604020202020204" pitchFamily="34" charset="0"/>
+          </a:endParaRPr>
         </a:p>
       </dgm:t>
     </dgm:pt>
@@ -1515,6 +1538,272 @@
         <a:lstStyle/>
         <a:p>
           <a:endParaRPr lang="zh-CN" altLang="en-US"/>
+        </a:p>
+      </dgm:t>
+    </dgm:pt>
+    <dgm:pt modelId="{1D99EA36-6CB0-4619-B789-A403FBFE3F77}">
+      <dgm:prSet phldrT="[Text]" custT="1"/>
+      <dgm:spPr/>
+      <dgm:t>
+        <a:bodyPr/>
+        <a:lstStyle/>
+        <a:p>
+          <a:endParaRPr lang="zh-CN" altLang="en-US" sz="2500" dirty="0">
+            <a:latin typeface="Helvetica" panose="020B0604020202020204" pitchFamily="34" charset="0"/>
+            <a:cs typeface="Helvetica" panose="020B0604020202020204" pitchFamily="34" charset="0"/>
+          </a:endParaRPr>
+        </a:p>
+      </dgm:t>
+    </dgm:pt>
+    <dgm:pt modelId="{06488EFE-9BBE-4FFC-8706-0B09A0B67E72}" type="parTrans" cxnId="{9106BFEF-D725-4D8B-B532-F3D1CBE38A48}">
+      <dgm:prSet/>
+      <dgm:spPr/>
+      <dgm:t>
+        <a:bodyPr/>
+        <a:lstStyle/>
+        <a:p>
+          <a:endParaRPr lang="en-US"/>
+        </a:p>
+      </dgm:t>
+    </dgm:pt>
+    <dgm:pt modelId="{0580C57A-C7DA-44B5-B309-0F106445386C}" type="sibTrans" cxnId="{9106BFEF-D725-4D8B-B532-F3D1CBE38A48}">
+      <dgm:prSet/>
+      <dgm:spPr/>
+      <dgm:t>
+        <a:bodyPr/>
+        <a:lstStyle/>
+        <a:p>
+          <a:endParaRPr lang="en-US"/>
+        </a:p>
+      </dgm:t>
+    </dgm:pt>
+    <dgm:pt modelId="{E304B436-F638-4309-B10B-DE026837F3DF}">
+      <dgm:prSet phldrT="[Text]" custT="1"/>
+      <dgm:spPr/>
+      <dgm:t>
+        <a:bodyPr/>
+        <a:lstStyle/>
+        <a:p>
+          <a:endParaRPr lang="zh-CN" altLang="en-US" sz="2500" dirty="0">
+            <a:latin typeface="Helvetica" panose="020B0604020202020204" pitchFamily="34" charset="0"/>
+            <a:cs typeface="Helvetica" panose="020B0604020202020204" pitchFamily="34" charset="0"/>
+          </a:endParaRPr>
+        </a:p>
+      </dgm:t>
+    </dgm:pt>
+    <dgm:pt modelId="{448D53A0-5EA5-400E-87D8-20725B599786}" type="parTrans" cxnId="{DDEBD9A1-C50E-427C-8984-23F171B36307}">
+      <dgm:prSet/>
+      <dgm:spPr/>
+      <dgm:t>
+        <a:bodyPr/>
+        <a:lstStyle/>
+        <a:p>
+          <a:endParaRPr lang="en-US"/>
+        </a:p>
+      </dgm:t>
+    </dgm:pt>
+    <dgm:pt modelId="{8BDFA505-9EE4-4F14-B75D-D29117445685}" type="sibTrans" cxnId="{DDEBD9A1-C50E-427C-8984-23F171B36307}">
+      <dgm:prSet/>
+      <dgm:spPr/>
+      <dgm:t>
+        <a:bodyPr/>
+        <a:lstStyle/>
+        <a:p>
+          <a:endParaRPr lang="en-US"/>
+        </a:p>
+      </dgm:t>
+    </dgm:pt>
+    <dgm:pt modelId="{DF83886C-6534-4DCB-A889-AC88FEB1C3D4}">
+      <dgm:prSet phldrT="[Text]"/>
+      <dgm:spPr/>
+      <dgm:t>
+        <a:bodyPr/>
+        <a:lstStyle/>
+        <a:p>
+          <a:endParaRPr lang="zh-CN" altLang="en-US" sz="2400" dirty="0">
+            <a:latin typeface="Helvetica" panose="020B0604020202020204" pitchFamily="34" charset="0"/>
+            <a:cs typeface="Helvetica" panose="020B0604020202020204" pitchFamily="34" charset="0"/>
+          </a:endParaRPr>
+        </a:p>
+      </dgm:t>
+    </dgm:pt>
+    <dgm:pt modelId="{946CE79E-8FEB-4994-B839-1BBB994C7199}" type="parTrans" cxnId="{407A3E57-6E91-46CA-886A-61FFB9329B0A}">
+      <dgm:prSet/>
+      <dgm:spPr/>
+      <dgm:t>
+        <a:bodyPr/>
+        <a:lstStyle/>
+        <a:p>
+          <a:endParaRPr lang="en-US"/>
+        </a:p>
+      </dgm:t>
+    </dgm:pt>
+    <dgm:pt modelId="{00612608-1A34-4E7F-B0C6-AB075E47DA53}" type="sibTrans" cxnId="{407A3E57-6E91-46CA-886A-61FFB9329B0A}">
+      <dgm:prSet/>
+      <dgm:spPr/>
+      <dgm:t>
+        <a:bodyPr/>
+        <a:lstStyle/>
+        <a:p>
+          <a:endParaRPr lang="en-US"/>
+        </a:p>
+      </dgm:t>
+    </dgm:pt>
+    <dgm:pt modelId="{56FDE740-39C8-4E4C-9CC8-9219B9C173A5}">
+      <dgm:prSet phldrT="[Text]" custT="1"/>
+      <dgm:spPr/>
+      <dgm:t>
+        <a:bodyPr/>
+        <a:lstStyle/>
+        <a:p>
+          <a:r>
+            <a:rPr lang="en-US" altLang="zh-CN" sz="2500" dirty="0">
+              <a:latin typeface="Helvetica" panose="020B0604020202020204" pitchFamily="34" charset="0"/>
+              <a:cs typeface="Helvetica" panose="020B0604020202020204" pitchFamily="34" charset="0"/>
+            </a:rPr>
+            <a:t>Detect and integrate peaks, assessing by trained model</a:t>
+          </a:r>
+          <a:endParaRPr lang="zh-CN" altLang="en-US" sz="2500" dirty="0">
+            <a:latin typeface="Helvetica" panose="020B0604020202020204" pitchFamily="34" charset="0"/>
+            <a:cs typeface="Helvetica" panose="020B0604020202020204" pitchFamily="34" charset="0"/>
+          </a:endParaRPr>
+        </a:p>
+      </dgm:t>
+    </dgm:pt>
+    <dgm:pt modelId="{760A9D42-4FD9-4A24-80AC-364B96B08EB2}" type="sibTrans" cxnId="{27666E98-CD91-4B41-8657-12A20CE00FC6}">
+      <dgm:prSet/>
+      <dgm:spPr/>
+      <dgm:t>
+        <a:bodyPr/>
+        <a:lstStyle/>
+        <a:p>
+          <a:endParaRPr lang="zh-CN" altLang="en-US"/>
+        </a:p>
+      </dgm:t>
+    </dgm:pt>
+    <dgm:pt modelId="{CB739B32-84AE-47F3-A3BE-484182EDFC5C}" type="parTrans" cxnId="{27666E98-CD91-4B41-8657-12A20CE00FC6}">
+      <dgm:prSet/>
+      <dgm:spPr/>
+      <dgm:t>
+        <a:bodyPr/>
+        <a:lstStyle/>
+        <a:p>
+          <a:endParaRPr lang="zh-CN" altLang="en-US"/>
+        </a:p>
+      </dgm:t>
+    </dgm:pt>
+    <dgm:pt modelId="{27643B6E-19B5-4D9D-BC54-B883374048F6}">
+      <dgm:prSet phldrT="[Text]" custT="1"/>
+      <dgm:spPr/>
+      <dgm:t>
+        <a:bodyPr/>
+        <a:lstStyle/>
+        <a:p>
+          <a:r>
+            <a:rPr lang="en-US" altLang="zh-CN" sz="2500" dirty="0">
+              <a:latin typeface="Helvetica" panose="020B0604020202020204" pitchFamily="34" charset="0"/>
+              <a:cs typeface="Helvetica" panose="020B0604020202020204" pitchFamily="34" charset="0"/>
+            </a:rPr>
+            <a:t>Alignment across different samples</a:t>
+          </a:r>
+          <a:endParaRPr lang="zh-CN" altLang="en-US" sz="2500" dirty="0">
+            <a:latin typeface="Helvetica" panose="020B0604020202020204" pitchFamily="34" charset="0"/>
+            <a:cs typeface="Helvetica" panose="020B0604020202020204" pitchFamily="34" charset="0"/>
+          </a:endParaRPr>
+        </a:p>
+      </dgm:t>
+    </dgm:pt>
+    <dgm:pt modelId="{39A7B624-3B22-42BB-8D9C-A190669E5325}" type="sibTrans" cxnId="{AE44998A-1B06-43BE-BA68-907289A2EAA5}">
+      <dgm:prSet/>
+      <dgm:spPr/>
+      <dgm:t>
+        <a:bodyPr/>
+        <a:lstStyle/>
+        <a:p>
+          <a:endParaRPr lang="zh-CN" altLang="en-US"/>
+        </a:p>
+      </dgm:t>
+    </dgm:pt>
+    <dgm:pt modelId="{65E86393-507D-4BE2-913A-5B4D24DCED74}" type="parTrans" cxnId="{AE44998A-1B06-43BE-BA68-907289A2EAA5}">
+      <dgm:prSet/>
+      <dgm:spPr/>
+      <dgm:t>
+        <a:bodyPr/>
+        <a:lstStyle/>
+        <a:p>
+          <a:endParaRPr lang="zh-CN" altLang="en-US"/>
+        </a:p>
+      </dgm:t>
+    </dgm:pt>
+    <dgm:pt modelId="{40ADD3C3-7D0C-413B-B0F7-904280B939B0}">
+      <dgm:prSet phldrT="[Text]" custT="1"/>
+      <dgm:spPr/>
+      <dgm:t>
+        <a:bodyPr/>
+        <a:lstStyle/>
+        <a:p>
+          <a:endParaRPr lang="zh-CN" altLang="en-US" sz="2500" dirty="0">
+            <a:latin typeface="Helvetica" panose="020B0604020202020204" pitchFamily="34" charset="0"/>
+            <a:cs typeface="Helvetica" panose="020B0604020202020204" pitchFamily="34" charset="0"/>
+          </a:endParaRPr>
+        </a:p>
+      </dgm:t>
+    </dgm:pt>
+    <dgm:pt modelId="{B086FD6F-4C8E-43C7-B2B1-2AE225612D6F}" type="parTrans" cxnId="{4B7F59B3-9DD3-4448-9A30-FF6324467ADE}">
+      <dgm:prSet/>
+      <dgm:spPr/>
+      <dgm:t>
+        <a:bodyPr/>
+        <a:lstStyle/>
+        <a:p>
+          <a:endParaRPr lang="en-US"/>
+        </a:p>
+      </dgm:t>
+    </dgm:pt>
+    <dgm:pt modelId="{43D36BB5-BB1B-492E-A54B-64A2D342F76E}" type="sibTrans" cxnId="{4B7F59B3-9DD3-4448-9A30-FF6324467ADE}">
+      <dgm:prSet/>
+      <dgm:spPr/>
+      <dgm:t>
+        <a:bodyPr/>
+        <a:lstStyle/>
+        <a:p>
+          <a:endParaRPr lang="en-US"/>
+        </a:p>
+      </dgm:t>
+    </dgm:pt>
+    <dgm:pt modelId="{C6AF65D7-BEA5-4D3A-A6EF-7995FEF6FB14}">
+      <dgm:prSet phldrT="[Text]" custT="1"/>
+      <dgm:spPr/>
+      <dgm:t>
+        <a:bodyPr/>
+        <a:lstStyle/>
+        <a:p>
+          <a:endParaRPr lang="zh-CN" altLang="en-US" sz="2500" dirty="0">
+            <a:latin typeface="Helvetica" panose="020B0604020202020204" pitchFamily="34" charset="0"/>
+            <a:cs typeface="Helvetica" panose="020B0604020202020204" pitchFamily="34" charset="0"/>
+          </a:endParaRPr>
+        </a:p>
+      </dgm:t>
+    </dgm:pt>
+    <dgm:pt modelId="{B4B4C531-AD72-41F9-970E-6A4E5CD814EB}" type="parTrans" cxnId="{C78EE020-0EB0-4ADE-9235-DD1D8ACC487F}">
+      <dgm:prSet/>
+      <dgm:spPr/>
+      <dgm:t>
+        <a:bodyPr/>
+        <a:lstStyle/>
+        <a:p>
+          <a:endParaRPr lang="en-US"/>
+        </a:p>
+      </dgm:t>
+    </dgm:pt>
+    <dgm:pt modelId="{8C9A5568-E2F3-494B-98F3-E238B432C09A}" type="sibTrans" cxnId="{C78EE020-0EB0-4ADE-9235-DD1D8ACC487F}">
+      <dgm:prSet/>
+      <dgm:spPr/>
+      <dgm:t>
+        <a:bodyPr/>
+        <a:lstStyle/>
+        <a:p>
+          <a:endParaRPr lang="en-US"/>
         </a:p>
       </dgm:t>
     </dgm:pt>
@@ -1581,31 +1870,41 @@
   </dgm:ptLst>
   <dgm:cxnLst>
     <dgm:cxn modelId="{8348A601-4C3C-463F-99B5-0EA0C8528B56}" srcId="{913D4115-1CBF-4A4D-B035-2F79BEDF6FA3}" destId="{0B6DDC59-ABD6-432C-9F9A-ED5DD613A998}" srcOrd="2" destOrd="0" parTransId="{638BA488-7857-4464-A5C0-53F2044169AF}" sibTransId="{43EAE7F2-A9F5-4E1A-B407-EB7B3031580B}"/>
-    <dgm:cxn modelId="{7D14A412-C815-44F8-9CDB-7161396F9C8C}" type="presOf" srcId="{8E56C901-D70A-4D7E-BE66-15C4A505FF0E}" destId="{E3E30049-A251-45C9-AE2F-4FA2D126F56F}" srcOrd="0" destOrd="1" presId="urn:microsoft.com/office/officeart/2005/8/layout/vList2"/>
-    <dgm:cxn modelId="{0E254A33-016A-4BF5-B72D-F6316F308F8A}" type="presOf" srcId="{56FDE740-39C8-4E4C-9CC8-9219B9C173A5}" destId="{721F2A30-F70B-4A12-8F1D-83DCD6E63122}" srcOrd="0" destOrd="1" presId="urn:microsoft.com/office/officeart/2005/8/layout/vList2"/>
+    <dgm:cxn modelId="{70065106-93CA-402F-9D85-7CF1EB595694}" type="presOf" srcId="{40ADD3C3-7D0C-413B-B0F7-904280B939B0}" destId="{4592F7BE-4F99-410D-A17B-ABF905BDC7A6}" srcOrd="0" destOrd="5" presId="urn:microsoft.com/office/officeart/2005/8/layout/vList2"/>
+    <dgm:cxn modelId="{7D14A412-C815-44F8-9CDB-7161396F9C8C}" type="presOf" srcId="{8E56C901-D70A-4D7E-BE66-15C4A505FF0E}" destId="{E3E30049-A251-45C9-AE2F-4FA2D126F56F}" srcOrd="0" destOrd="2" presId="urn:microsoft.com/office/officeart/2005/8/layout/vList2"/>
+    <dgm:cxn modelId="{C78EE020-0EB0-4ADE-9235-DD1D8ACC487F}" srcId="{F34BE3BB-A63F-461C-93A4-C18CAD99FF4C}" destId="{C6AF65D7-BEA5-4D3A-A6EF-7995FEF6FB14}" srcOrd="4" destOrd="0" parTransId="{B4B4C531-AD72-41F9-970E-6A4E5CD814EB}" sibTransId="{8C9A5568-E2F3-494B-98F3-E238B432C09A}"/>
+    <dgm:cxn modelId="{0E254A33-016A-4BF5-B72D-F6316F308F8A}" type="presOf" srcId="{56FDE740-39C8-4E4C-9CC8-9219B9C173A5}" destId="{721F2A30-F70B-4A12-8F1D-83DCD6E63122}" srcOrd="0" destOrd="2" presId="urn:microsoft.com/office/officeart/2005/8/layout/vList2"/>
     <dgm:cxn modelId="{42770F37-BEAE-46C6-8664-AF84FD8B765E}" type="presOf" srcId="{C874BA1E-EAD2-4EAF-95CB-D4FD43256171}" destId="{CB4F0FFF-9907-4E14-9E68-142DA98AC1C3}" srcOrd="0" destOrd="0" presId="urn:microsoft.com/office/officeart/2005/8/layout/vList2"/>
     <dgm:cxn modelId="{041BA13A-8973-4C9D-8C6A-74658DBF3E7B}" type="presOf" srcId="{0B6DDC59-ABD6-432C-9F9A-ED5DD613A998}" destId="{53455EB7-2B2F-4BFF-B42F-7FC7AC45FB50}" srcOrd="0" destOrd="0" presId="urn:microsoft.com/office/officeart/2005/8/layout/vList2"/>
-    <dgm:cxn modelId="{EF1C913C-528D-449E-9629-F90BDE5E04FE}" srcId="{C874BA1E-EAD2-4EAF-95CB-D4FD43256171}" destId="{7A3E2BCC-7F48-48BD-BEA2-EABADCDA75AD}" srcOrd="1" destOrd="0" parTransId="{23689304-B168-423F-8BE9-EAB9548E3717}" sibTransId="{49342182-6AB4-4552-BCFC-E679C30E806A}"/>
-    <dgm:cxn modelId="{E3A41A3F-2B87-46A8-A454-8473BC480FEA}" type="presOf" srcId="{2480B818-4240-49DA-B15A-87B16C294497}" destId="{4592F7BE-4F99-410D-A17B-ABF905BDC7A6}" srcOrd="0" destOrd="3" presId="urn:microsoft.com/office/officeart/2005/8/layout/vList2"/>
-    <dgm:cxn modelId="{5341585D-B663-4F26-A734-A7A791B35BE9}" type="presOf" srcId="{5E60006A-18B4-4329-B378-4C36C13BB07B}" destId="{4592F7BE-4F99-410D-A17B-ABF905BDC7A6}" srcOrd="0" destOrd="2" presId="urn:microsoft.com/office/officeart/2005/8/layout/vList2"/>
-    <dgm:cxn modelId="{FFE24B62-FADB-4027-B824-8D3E53FDB76D}" srcId="{C874BA1E-EAD2-4EAF-95CB-D4FD43256171}" destId="{464FACF1-DEB2-463D-BFEE-382A56450EDB}" srcOrd="0" destOrd="0" parTransId="{9A22D341-54EF-4D3B-97DC-046D92C4ABD7}" sibTransId="{2D443DBA-5052-44E7-BA57-0A420CAC9F43}"/>
+    <dgm:cxn modelId="{EF1C913C-528D-449E-9629-F90BDE5E04FE}" srcId="{C874BA1E-EAD2-4EAF-95CB-D4FD43256171}" destId="{7A3E2BCC-7F48-48BD-BEA2-EABADCDA75AD}" srcOrd="2" destOrd="0" parTransId="{23689304-B168-423F-8BE9-EAB9548E3717}" sibTransId="{49342182-6AB4-4552-BCFC-E679C30E806A}"/>
+    <dgm:cxn modelId="{E3A41A3F-2B87-46A8-A454-8473BC480FEA}" type="presOf" srcId="{2480B818-4240-49DA-B15A-87B16C294497}" destId="{4592F7BE-4F99-410D-A17B-ABF905BDC7A6}" srcOrd="0" destOrd="4" presId="urn:microsoft.com/office/officeart/2005/8/layout/vList2"/>
+    <dgm:cxn modelId="{5341585D-B663-4F26-A734-A7A791B35BE9}" type="presOf" srcId="{5E60006A-18B4-4329-B378-4C36C13BB07B}" destId="{4592F7BE-4F99-410D-A17B-ABF905BDC7A6}" srcOrd="0" destOrd="3" presId="urn:microsoft.com/office/officeart/2005/8/layout/vList2"/>
+    <dgm:cxn modelId="{FFE24B62-FADB-4027-B824-8D3E53FDB76D}" srcId="{C874BA1E-EAD2-4EAF-95CB-D4FD43256171}" destId="{464FACF1-DEB2-463D-BFEE-382A56450EDB}" srcOrd="1" destOrd="0" parTransId="{9A22D341-54EF-4D3B-97DC-046D92C4ABD7}" sibTransId="{2D443DBA-5052-44E7-BA57-0A420CAC9F43}"/>
     <dgm:cxn modelId="{C54ABD43-625F-497E-BA66-DAD42357D9A4}" type="presOf" srcId="{913D4115-1CBF-4A4D-B035-2F79BEDF6FA3}" destId="{FC9941A5-D98A-49FE-9474-90FC5138A46E}" srcOrd="0" destOrd="0" presId="urn:microsoft.com/office/officeart/2005/8/layout/vList2"/>
-    <dgm:cxn modelId="{36FD3A6D-6F9B-442F-8317-524786B0271D}" type="presOf" srcId="{464FACF1-DEB2-463D-BFEE-382A56450EDB}" destId="{4592F7BE-4F99-410D-A17B-ABF905BDC7A6}" srcOrd="0" destOrd="0" presId="urn:microsoft.com/office/officeart/2005/8/layout/vList2"/>
+    <dgm:cxn modelId="{36FD3A6D-6F9B-442F-8317-524786B0271D}" type="presOf" srcId="{464FACF1-DEB2-463D-BFEE-382A56450EDB}" destId="{4592F7BE-4F99-410D-A17B-ABF905BDC7A6}" srcOrd="0" destOrd="1" presId="urn:microsoft.com/office/officeart/2005/8/layout/vList2"/>
     <dgm:cxn modelId="{2A149372-2F8B-4F8B-B404-2B1E6D514EF2}" srcId="{913D4115-1CBF-4A4D-B035-2F79BEDF6FA3}" destId="{F34BE3BB-A63F-461C-93A4-C18CAD99FF4C}" srcOrd="0" destOrd="0" parTransId="{327300BB-0068-4708-9281-6560021C40A2}" sibTransId="{C84A697E-0350-4BC4-97D0-51E3C54EBD8A}"/>
     <dgm:cxn modelId="{3BC62E53-83A0-4A39-A37E-BE76E1FBDEB1}" srcId="{913D4115-1CBF-4A4D-B035-2F79BEDF6FA3}" destId="{C874BA1E-EAD2-4EAF-95CB-D4FD43256171}" srcOrd="1" destOrd="0" parTransId="{EAE9392E-5A67-4D62-9360-AA502207D1F3}" sibTransId="{704233AB-5BC9-4441-B058-DA925EBD5A30}"/>
-    <dgm:cxn modelId="{9B5A2856-E9DF-4B0D-B7D6-316C31DA5A1E}" srcId="{C874BA1E-EAD2-4EAF-95CB-D4FD43256171}" destId="{5E60006A-18B4-4329-B378-4C36C13BB07B}" srcOrd="2" destOrd="0" parTransId="{C7B154C3-EE23-4F30-A513-A02AF3A53693}" sibTransId="{FF54D2AC-7E6E-4BA6-BE09-22FC36F46DD2}"/>
-    <dgm:cxn modelId="{344B1384-2FD4-4509-9924-898BAE4E4964}" srcId="{F34BE3BB-A63F-461C-93A4-C18CAD99FF4C}" destId="{9E1F2767-234E-4A9B-9923-0B54F8CA5B80}" srcOrd="0" destOrd="0" parTransId="{EA80DE3B-BFCD-4C61-B2E2-FC17CF6DB57B}" sibTransId="{B6AB27E0-4064-43EA-8176-27124B20250E}"/>
-    <dgm:cxn modelId="{AE44998A-1B06-43BE-BA68-907289A2EAA5}" srcId="{F34BE3BB-A63F-461C-93A4-C18CAD99FF4C}" destId="{27643B6E-19B5-4D9D-BC54-B883374048F6}" srcOrd="2" destOrd="0" parTransId="{65E86393-507D-4BE2-913A-5B4D24DCED74}" sibTransId="{39A7B624-3B22-42BB-8D9C-A190669E5325}"/>
-    <dgm:cxn modelId="{8EDAED97-CB07-4242-AEF7-F77F10C77D4E}" type="presOf" srcId="{9E1F2767-234E-4A9B-9923-0B54F8CA5B80}" destId="{721F2A30-F70B-4A12-8F1D-83DCD6E63122}" srcOrd="0" destOrd="0" presId="urn:microsoft.com/office/officeart/2005/8/layout/vList2"/>
-    <dgm:cxn modelId="{27666E98-CD91-4B41-8657-12A20CE00FC6}" srcId="{F34BE3BB-A63F-461C-93A4-C18CAD99FF4C}" destId="{56FDE740-39C8-4E4C-9CC8-9219B9C173A5}" srcOrd="1" destOrd="0" parTransId="{CB739B32-84AE-47F3-A3BE-484182EDFC5C}" sibTransId="{760A9D42-4FD9-4A24-80AC-364B96B08EB2}"/>
-    <dgm:cxn modelId="{F77689A4-B0BC-4CF5-8E40-0B89363EF72E}" type="presOf" srcId="{15C84A9C-AA06-4A48-8330-8F61DB37EA20}" destId="{E3E30049-A251-45C9-AE2F-4FA2D126F56F}" srcOrd="0" destOrd="2" presId="urn:microsoft.com/office/officeart/2005/8/layout/vList2"/>
-    <dgm:cxn modelId="{5DAEA2A8-CC62-41BD-9B85-57DE7E36E6D4}" srcId="{0B6DDC59-ABD6-432C-9F9A-ED5DD613A998}" destId="{8E56C901-D70A-4D7E-BE66-15C4A505FF0E}" srcOrd="1" destOrd="0" parTransId="{4ED93176-08C0-40C7-B25C-2EE21FF3AAF1}" sibTransId="{7CCD8748-2BAB-42AC-95B5-DD32CDF6D8DF}"/>
-    <dgm:cxn modelId="{FAC8A2AC-5471-4337-948B-57F0067E004E}" srcId="{0B6DDC59-ABD6-432C-9F9A-ED5DD613A998}" destId="{B49D7AC0-0A55-4E40-980D-2A2FCEE7B7EA}" srcOrd="0" destOrd="0" parTransId="{53DD319E-F845-4C4C-A4C3-D637B11272EE}" sibTransId="{A34AB19F-1E2A-4B60-AFFB-1C3A3C7F448F}"/>
-    <dgm:cxn modelId="{4EA453D1-F066-4BB9-ABAF-23500BE214C9}" type="presOf" srcId="{7A3E2BCC-7F48-48BD-BEA2-EABADCDA75AD}" destId="{4592F7BE-4F99-410D-A17B-ABF905BDC7A6}" srcOrd="0" destOrd="1" presId="urn:microsoft.com/office/officeart/2005/8/layout/vList2"/>
-    <dgm:cxn modelId="{B9AB01D3-D318-497B-BC9B-63870EF839B4}" srcId="{0B6DDC59-ABD6-432C-9F9A-ED5DD613A998}" destId="{15C84A9C-AA06-4A48-8330-8F61DB37EA20}" srcOrd="2" destOrd="0" parTransId="{CE1C7E20-1976-4FDB-9EF4-708A17A68295}" sibTransId="{F1FB4A95-2884-4BD2-B4ED-58DF5BF11753}"/>
-    <dgm:cxn modelId="{9CA6AFD9-E8C2-463D-8B91-3B4E7CE9EB8C}" srcId="{C874BA1E-EAD2-4EAF-95CB-D4FD43256171}" destId="{2480B818-4240-49DA-B15A-87B16C294497}" srcOrd="3" destOrd="0" parTransId="{5446C783-DA8D-48AE-A106-B68592630D0B}" sibTransId="{66045D6A-B113-4A80-B251-49994C6013B5}"/>
-    <dgm:cxn modelId="{22595CF2-61A7-4491-BCE8-736A1B31B6A9}" type="presOf" srcId="{27643B6E-19B5-4D9D-BC54-B883374048F6}" destId="{721F2A30-F70B-4A12-8F1D-83DCD6E63122}" srcOrd="0" destOrd="2" presId="urn:microsoft.com/office/officeart/2005/8/layout/vList2"/>
-    <dgm:cxn modelId="{8E3CE3F2-59B7-4D67-B3B5-EAAE76CC7602}" type="presOf" srcId="{B49D7AC0-0A55-4E40-980D-2A2FCEE7B7EA}" destId="{E3E30049-A251-45C9-AE2F-4FA2D126F56F}" srcOrd="0" destOrd="0" presId="urn:microsoft.com/office/officeart/2005/8/layout/vList2"/>
+    <dgm:cxn modelId="{7E2F5855-F468-4492-B44B-190353DACDE1}" type="presOf" srcId="{DF83886C-6534-4DCB-A889-AC88FEB1C3D4}" destId="{721F2A30-F70B-4A12-8F1D-83DCD6E63122}" srcOrd="0" destOrd="0" presId="urn:microsoft.com/office/officeart/2005/8/layout/vList2"/>
+    <dgm:cxn modelId="{9B5A2856-E9DF-4B0D-B7D6-316C31DA5A1E}" srcId="{C874BA1E-EAD2-4EAF-95CB-D4FD43256171}" destId="{5E60006A-18B4-4329-B378-4C36C13BB07B}" srcOrd="3" destOrd="0" parTransId="{C7B154C3-EE23-4F30-A513-A02AF3A53693}" sibTransId="{FF54D2AC-7E6E-4BA6-BE09-22FC36F46DD2}"/>
+    <dgm:cxn modelId="{407A3E57-6E91-46CA-886A-61FFB9329B0A}" srcId="{F34BE3BB-A63F-461C-93A4-C18CAD99FF4C}" destId="{DF83886C-6534-4DCB-A889-AC88FEB1C3D4}" srcOrd="0" destOrd="0" parTransId="{946CE79E-8FEB-4994-B839-1BBB994C7199}" sibTransId="{00612608-1A34-4E7F-B0C6-AB075E47DA53}"/>
+    <dgm:cxn modelId="{344B1384-2FD4-4509-9924-898BAE4E4964}" srcId="{F34BE3BB-A63F-461C-93A4-C18CAD99FF4C}" destId="{9E1F2767-234E-4A9B-9923-0B54F8CA5B80}" srcOrd="1" destOrd="0" parTransId="{EA80DE3B-BFCD-4C61-B2E2-FC17CF6DB57B}" sibTransId="{B6AB27E0-4064-43EA-8176-27124B20250E}"/>
+    <dgm:cxn modelId="{AE44998A-1B06-43BE-BA68-907289A2EAA5}" srcId="{F34BE3BB-A63F-461C-93A4-C18CAD99FF4C}" destId="{27643B6E-19B5-4D9D-BC54-B883374048F6}" srcOrd="3" destOrd="0" parTransId="{65E86393-507D-4BE2-913A-5B4D24DCED74}" sibTransId="{39A7B624-3B22-42BB-8D9C-A190669E5325}"/>
+    <dgm:cxn modelId="{8EDAED97-CB07-4242-AEF7-F77F10C77D4E}" type="presOf" srcId="{9E1F2767-234E-4A9B-9923-0B54F8CA5B80}" destId="{721F2A30-F70B-4A12-8F1D-83DCD6E63122}" srcOrd="0" destOrd="1" presId="urn:microsoft.com/office/officeart/2005/8/layout/vList2"/>
+    <dgm:cxn modelId="{27666E98-CD91-4B41-8657-12A20CE00FC6}" srcId="{F34BE3BB-A63F-461C-93A4-C18CAD99FF4C}" destId="{56FDE740-39C8-4E4C-9CC8-9219B9C173A5}" srcOrd="2" destOrd="0" parTransId="{CB739B32-84AE-47F3-A3BE-484182EDFC5C}" sibTransId="{760A9D42-4FD9-4A24-80AC-364B96B08EB2}"/>
+    <dgm:cxn modelId="{DDEBD9A1-C50E-427C-8984-23F171B36307}" srcId="{C874BA1E-EAD2-4EAF-95CB-D4FD43256171}" destId="{E304B436-F638-4309-B10B-DE026837F3DF}" srcOrd="0" destOrd="0" parTransId="{448D53A0-5EA5-400E-87D8-20725B599786}" sibTransId="{8BDFA505-9EE4-4F14-B75D-D29117445685}"/>
+    <dgm:cxn modelId="{F77689A4-B0BC-4CF5-8E40-0B89363EF72E}" type="presOf" srcId="{15C84A9C-AA06-4A48-8330-8F61DB37EA20}" destId="{E3E30049-A251-45C9-AE2F-4FA2D126F56F}" srcOrd="0" destOrd="3" presId="urn:microsoft.com/office/officeart/2005/8/layout/vList2"/>
+    <dgm:cxn modelId="{5DAEA2A8-CC62-41BD-9B85-57DE7E36E6D4}" srcId="{0B6DDC59-ABD6-432C-9F9A-ED5DD613A998}" destId="{8E56C901-D70A-4D7E-BE66-15C4A505FF0E}" srcOrd="2" destOrd="0" parTransId="{4ED93176-08C0-40C7-B25C-2EE21FF3AAF1}" sibTransId="{7CCD8748-2BAB-42AC-95B5-DD32CDF6D8DF}"/>
+    <dgm:cxn modelId="{FAC8A2AC-5471-4337-948B-57F0067E004E}" srcId="{0B6DDC59-ABD6-432C-9F9A-ED5DD613A998}" destId="{B49D7AC0-0A55-4E40-980D-2A2FCEE7B7EA}" srcOrd="1" destOrd="0" parTransId="{53DD319E-F845-4C4C-A4C3-D637B11272EE}" sibTransId="{A34AB19F-1E2A-4B60-AFFB-1C3A3C7F448F}"/>
+    <dgm:cxn modelId="{4B7F59B3-9DD3-4448-9A30-FF6324467ADE}" srcId="{C874BA1E-EAD2-4EAF-95CB-D4FD43256171}" destId="{40ADD3C3-7D0C-413B-B0F7-904280B939B0}" srcOrd="5" destOrd="0" parTransId="{B086FD6F-4C8E-43C7-B2B1-2AE225612D6F}" sibTransId="{43D36BB5-BB1B-492E-A54B-64A2D342F76E}"/>
+    <dgm:cxn modelId="{4EA453D1-F066-4BB9-ABAF-23500BE214C9}" type="presOf" srcId="{7A3E2BCC-7F48-48BD-BEA2-EABADCDA75AD}" destId="{4592F7BE-4F99-410D-A17B-ABF905BDC7A6}" srcOrd="0" destOrd="2" presId="urn:microsoft.com/office/officeart/2005/8/layout/vList2"/>
+    <dgm:cxn modelId="{B9AB01D3-D318-497B-BC9B-63870EF839B4}" srcId="{0B6DDC59-ABD6-432C-9F9A-ED5DD613A998}" destId="{15C84A9C-AA06-4A48-8330-8F61DB37EA20}" srcOrd="3" destOrd="0" parTransId="{CE1C7E20-1976-4FDB-9EF4-708A17A68295}" sibTransId="{F1FB4A95-2884-4BD2-B4ED-58DF5BF11753}"/>
+    <dgm:cxn modelId="{F7AA47D7-DAC3-4C82-BA5B-96FF9C0A9CC1}" type="presOf" srcId="{C6AF65D7-BEA5-4D3A-A6EF-7995FEF6FB14}" destId="{721F2A30-F70B-4A12-8F1D-83DCD6E63122}" srcOrd="0" destOrd="4" presId="urn:microsoft.com/office/officeart/2005/8/layout/vList2"/>
+    <dgm:cxn modelId="{9CA6AFD9-E8C2-463D-8B91-3B4E7CE9EB8C}" srcId="{C874BA1E-EAD2-4EAF-95CB-D4FD43256171}" destId="{2480B818-4240-49DA-B15A-87B16C294497}" srcOrd="4" destOrd="0" parTransId="{5446C783-DA8D-48AE-A106-B68592630D0B}" sibTransId="{66045D6A-B113-4A80-B251-49994C6013B5}"/>
+    <dgm:cxn modelId="{765169E9-9BA9-4177-BAF0-D8320E4D558B}" type="presOf" srcId="{E304B436-F638-4309-B10B-DE026837F3DF}" destId="{4592F7BE-4F99-410D-A17B-ABF905BDC7A6}" srcOrd="0" destOrd="0" presId="urn:microsoft.com/office/officeart/2005/8/layout/vList2"/>
+    <dgm:cxn modelId="{EEBBE8EC-0E1B-4E48-A3EF-1217E822D7AE}" type="presOf" srcId="{1D99EA36-6CB0-4619-B789-A403FBFE3F77}" destId="{E3E30049-A251-45C9-AE2F-4FA2D126F56F}" srcOrd="0" destOrd="0" presId="urn:microsoft.com/office/officeart/2005/8/layout/vList2"/>
+    <dgm:cxn modelId="{9106BFEF-D725-4D8B-B532-F3D1CBE38A48}" srcId="{0B6DDC59-ABD6-432C-9F9A-ED5DD613A998}" destId="{1D99EA36-6CB0-4619-B789-A403FBFE3F77}" srcOrd="0" destOrd="0" parTransId="{06488EFE-9BBE-4FFC-8706-0B09A0B67E72}" sibTransId="{0580C57A-C7DA-44B5-B309-0F106445386C}"/>
+    <dgm:cxn modelId="{22595CF2-61A7-4491-BCE8-736A1B31B6A9}" type="presOf" srcId="{27643B6E-19B5-4D9D-BC54-B883374048F6}" destId="{721F2A30-F70B-4A12-8F1D-83DCD6E63122}" srcOrd="0" destOrd="3" presId="urn:microsoft.com/office/officeart/2005/8/layout/vList2"/>
+    <dgm:cxn modelId="{8E3CE3F2-59B7-4D67-B3B5-EAAE76CC7602}" type="presOf" srcId="{B49D7AC0-0A55-4E40-980D-2A2FCEE7B7EA}" destId="{E3E30049-A251-45C9-AE2F-4FA2D126F56F}" srcOrd="0" destOrd="1" presId="urn:microsoft.com/office/officeart/2005/8/layout/vList2"/>
     <dgm:cxn modelId="{1F4600F9-95C3-4962-A9DA-E263BE54590C}" type="presOf" srcId="{F34BE3BB-A63F-461C-93A4-C18CAD99FF4C}" destId="{D8C579B7-212B-4189-B65B-F7C7B98F4581}" srcOrd="0" destOrd="0" presId="urn:microsoft.com/office/officeart/2005/8/layout/vList2"/>
     <dgm:cxn modelId="{98CD121E-7A4C-4CE0-9DD8-86E01FE21125}" type="presParOf" srcId="{FC9941A5-D98A-49FE-9474-90FC5138A46E}" destId="{D8C579B7-212B-4189-B65B-F7C7B98F4581}" srcOrd="0" destOrd="0" presId="urn:microsoft.com/office/officeart/2005/8/layout/vList2"/>
     <dgm:cxn modelId="{42028E9A-D4C6-4C2D-8FB1-66DC4A741CC8}" type="presParOf" srcId="{FC9941A5-D98A-49FE-9474-90FC5138A46E}" destId="{721F2A30-F70B-4A12-8F1D-83DCD6E63122}" srcOrd="1" destOrd="0" presId="urn:microsoft.com/office/officeart/2005/8/layout/vList2"/>
@@ -1618,7 +1917,7 @@
   <dgm:whole/>
   <dgm:extLst>
     <a:ext uri="http://schemas.microsoft.com/office/drawing/2008/diagram">
-      <dsp:dataModelExt xmlns:dsp="http://schemas.microsoft.com/office/drawing/2008/diagram" relId="rId16" minVer="http://schemas.openxmlformats.org/drawingml/2006/diagram"/>
+      <dsp:dataModelExt xmlns:dsp="http://schemas.microsoft.com/office/drawing/2008/diagram" relId="rId15" minVer="http://schemas.openxmlformats.org/drawingml/2006/diagram"/>
     </a:ext>
   </dgm:extLst>
 </dgm:dataModel>
@@ -1639,8 +1938,8 @@
       </dsp:nvSpPr>
       <dsp:spPr>
         <a:xfrm>
-          <a:off x="0" y="51871"/>
-          <a:ext cx="9624955" cy="702000"/>
+          <a:off x="0" y="131591"/>
+          <a:ext cx="8584104" cy="772200"/>
         </a:xfrm>
         <a:prstGeom prst="roundRect">
           <a:avLst/>
@@ -1713,12 +2012,12 @@
         </a:fontRef>
       </dsp:style>
       <dsp:txBody>
-        <a:bodyPr spcFirstLastPara="0" vert="horz" wrap="square" lIns="114300" tIns="114300" rIns="114300" bIns="114300" numCol="1" spcCol="1270" anchor="ctr" anchorCtr="0">
+        <a:bodyPr spcFirstLastPara="0" vert="horz" wrap="square" lIns="125730" tIns="125730" rIns="125730" bIns="125730" numCol="1" spcCol="1270" anchor="ctr" anchorCtr="0">
           <a:noAutofit/>
         </a:bodyPr>
         <a:lstStyle/>
         <a:p>
-          <a:pPr marL="0" lvl="0" indent="0" algn="l" defTabSz="1333500">
+          <a:pPr marL="0" lvl="0" indent="0" algn="l" defTabSz="1466850">
             <a:lnSpc>
               <a:spcPct val="90000"/>
             </a:lnSpc>
@@ -1731,15 +2030,27 @@
             <a:buNone/>
           </a:pPr>
           <a:r>
-            <a:rPr lang="en-US" altLang="zh-CN" sz="3000" kern="1200" dirty="0"/>
+            <a:rPr lang="en-US" altLang="zh-CN" sz="3300" kern="1200">
+              <a:solidFill>
+                <a:schemeClr val="tx2"/>
+              </a:solidFill>
+              <a:latin typeface="Helvetica" panose="020B0604020202020204" pitchFamily="34" charset="0"/>
+              <a:cs typeface="Helvetica" panose="020B0604020202020204" pitchFamily="34" charset="0"/>
+            </a:rPr>
             <a:t>Peak picking &amp; alignment</a:t>
           </a:r>
-          <a:endParaRPr lang="zh-CN" altLang="en-US" sz="3000" kern="1200" dirty="0"/>
+          <a:endParaRPr lang="zh-CN" altLang="en-US" sz="3300" kern="1200" dirty="0">
+            <a:solidFill>
+              <a:schemeClr val="tx2"/>
+            </a:solidFill>
+            <a:latin typeface="Helvetica" panose="020B0604020202020204" pitchFamily="34" charset="0"/>
+            <a:cs typeface="Helvetica" panose="020B0604020202020204" pitchFamily="34" charset="0"/>
+          </a:endParaRPr>
         </a:p>
       </dsp:txBody>
       <dsp:txXfrm>
-        <a:off x="34269" y="86140"/>
-        <a:ext cx="9556417" cy="633462"/>
+        <a:off x="37696" y="169287"/>
+        <a:ext cx="8508712" cy="696808"/>
       </dsp:txXfrm>
     </dsp:sp>
     <dsp:sp modelId="{721F2A30-F70B-4A12-8F1D-83DCD6E63122}">
@@ -1749,8 +2060,8 @@
       </dsp:nvSpPr>
       <dsp:spPr>
         <a:xfrm>
-          <a:off x="0" y="753871"/>
-          <a:ext cx="9624955" cy="1117800"/>
+          <a:off x="0" y="903791"/>
+          <a:ext cx="8584104" cy="2015145"/>
         </a:xfrm>
         <a:prstGeom prst="rect">
           <a:avLst/>
@@ -1774,12 +2085,30 @@
         <a:fontRef idx="minor"/>
       </dsp:style>
       <dsp:txBody>
-        <a:bodyPr spcFirstLastPara="0" vert="horz" wrap="square" lIns="305592" tIns="38100" rIns="213360" bIns="38100" numCol="1" spcCol="1270" anchor="t" anchorCtr="0">
+        <a:bodyPr spcFirstLastPara="0" vert="horz" wrap="square" lIns="272545" tIns="31750" rIns="177800" bIns="31750" numCol="1" spcCol="1270" anchor="t" anchorCtr="0">
           <a:noAutofit/>
         </a:bodyPr>
         <a:lstStyle/>
         <a:p>
-          <a:pPr marL="228600" lvl="1" indent="-228600" algn="l" defTabSz="1022350">
+          <a:pPr marL="228600" lvl="1" indent="-228600" algn="l" defTabSz="1066800">
+            <a:lnSpc>
+              <a:spcPct val="90000"/>
+            </a:lnSpc>
+            <a:spcBef>
+              <a:spcPct val="0"/>
+            </a:spcBef>
+            <a:spcAft>
+              <a:spcPct val="20000"/>
+            </a:spcAft>
+            <a:buChar char="•"/>
+          </a:pPr>
+          <a:endParaRPr lang="zh-CN" altLang="en-US" sz="2400" kern="1200" dirty="0">
+            <a:latin typeface="Helvetica" panose="020B0604020202020204" pitchFamily="34" charset="0"/>
+            <a:cs typeface="Helvetica" panose="020B0604020202020204" pitchFamily="34" charset="0"/>
+          </a:endParaRPr>
+        </a:p>
+        <a:p>
+          <a:pPr marL="228600" lvl="1" indent="-228600" algn="l" defTabSz="1111250">
             <a:lnSpc>
               <a:spcPct val="90000"/>
             </a:lnSpc>
@@ -1792,21 +2121,33 @@
             <a:buChar char="•"/>
           </a:pPr>
           <a:r>
-            <a:rPr lang="en-US" altLang="zh-CN" sz="2300" kern="1200" dirty="0"/>
+            <a:rPr lang="en-US" altLang="zh-CN" sz="2500" kern="1200" dirty="0">
+              <a:latin typeface="Helvetica" panose="020B0604020202020204" pitchFamily="34" charset="0"/>
+              <a:cs typeface="Helvetica" panose="020B0604020202020204" pitchFamily="34" charset="0"/>
+            </a:rPr>
             <a:t>Import data from .</a:t>
           </a:r>
           <a:r>
-            <a:rPr lang="en-US" altLang="zh-CN" sz="2300" kern="1200" dirty="0" err="1"/>
+            <a:rPr lang="en-US" altLang="zh-CN" sz="2500" kern="1200" dirty="0" err="1">
+              <a:latin typeface="Helvetica" panose="020B0604020202020204" pitchFamily="34" charset="0"/>
+              <a:cs typeface="Helvetica" panose="020B0604020202020204" pitchFamily="34" charset="0"/>
+            </a:rPr>
             <a:t>mzml</a:t>
           </a:r>
           <a:r>
-            <a:rPr lang="en-US" altLang="zh-CN" sz="2300" kern="1200" dirty="0"/>
+            <a:rPr lang="en-US" altLang="zh-CN" sz="2500" kern="1200" dirty="0">
+              <a:latin typeface="Helvetica" panose="020B0604020202020204" pitchFamily="34" charset="0"/>
+              <a:cs typeface="Helvetica" panose="020B0604020202020204" pitchFamily="34" charset="0"/>
+            </a:rPr>
             <a:t> file</a:t>
           </a:r>
-          <a:endParaRPr lang="zh-CN" altLang="en-US" sz="2300" kern="1200" dirty="0"/>
+          <a:endParaRPr lang="zh-CN" altLang="en-US" sz="2500" kern="1200" dirty="0">
+            <a:latin typeface="Helvetica" panose="020B0604020202020204" pitchFamily="34" charset="0"/>
+            <a:cs typeface="Helvetica" panose="020B0604020202020204" pitchFamily="34" charset="0"/>
+          </a:endParaRPr>
         </a:p>
         <a:p>
-          <a:pPr marL="228600" lvl="1" indent="-228600" algn="l" defTabSz="1022350">
+          <a:pPr marL="228600" lvl="1" indent="-228600" algn="l" defTabSz="1111250">
             <a:lnSpc>
               <a:spcPct val="90000"/>
             </a:lnSpc>
@@ -1819,13 +2160,19 @@
             <a:buChar char="•"/>
           </a:pPr>
           <a:r>
-            <a:rPr lang="en-US" altLang="zh-CN" sz="2300" kern="1200" dirty="0"/>
+            <a:rPr lang="en-US" altLang="zh-CN" sz="2500" kern="1200" dirty="0">
+              <a:latin typeface="Helvetica" panose="020B0604020202020204" pitchFamily="34" charset="0"/>
+              <a:cs typeface="Helvetica" panose="020B0604020202020204" pitchFamily="34" charset="0"/>
+            </a:rPr>
             <a:t>Detect and integrate peaks, assessing by trained model</a:t>
           </a:r>
-          <a:endParaRPr lang="zh-CN" altLang="en-US" sz="2300" kern="1200" dirty="0"/>
+          <a:endParaRPr lang="zh-CN" altLang="en-US" sz="2500" kern="1200" dirty="0">
+            <a:latin typeface="Helvetica" panose="020B0604020202020204" pitchFamily="34" charset="0"/>
+            <a:cs typeface="Helvetica" panose="020B0604020202020204" pitchFamily="34" charset="0"/>
+          </a:endParaRPr>
         </a:p>
         <a:p>
-          <a:pPr marL="228600" lvl="1" indent="-228600" algn="l" defTabSz="1022350">
+          <a:pPr marL="228600" lvl="1" indent="-228600" algn="l" defTabSz="1111250">
             <a:lnSpc>
               <a:spcPct val="90000"/>
             </a:lnSpc>
@@ -1838,15 +2185,39 @@
             <a:buChar char="•"/>
           </a:pPr>
           <a:r>
-            <a:rPr lang="en-US" altLang="zh-CN" sz="2300" kern="1200" dirty="0"/>
+            <a:rPr lang="en-US" altLang="zh-CN" sz="2500" kern="1200" dirty="0">
+              <a:latin typeface="Helvetica" panose="020B0604020202020204" pitchFamily="34" charset="0"/>
+              <a:cs typeface="Helvetica" panose="020B0604020202020204" pitchFamily="34" charset="0"/>
+            </a:rPr>
             <a:t>Alignment across different samples</a:t>
           </a:r>
-          <a:endParaRPr lang="zh-CN" altLang="en-US" sz="2300" kern="1200" dirty="0"/>
+          <a:endParaRPr lang="zh-CN" altLang="en-US" sz="2500" kern="1200" dirty="0">
+            <a:latin typeface="Helvetica" panose="020B0604020202020204" pitchFamily="34" charset="0"/>
+            <a:cs typeface="Helvetica" panose="020B0604020202020204" pitchFamily="34" charset="0"/>
+          </a:endParaRPr>
+        </a:p>
+        <a:p>
+          <a:pPr marL="228600" lvl="1" indent="-228600" algn="l" defTabSz="1111250">
+            <a:lnSpc>
+              <a:spcPct val="90000"/>
+            </a:lnSpc>
+            <a:spcBef>
+              <a:spcPct val="0"/>
+            </a:spcBef>
+            <a:spcAft>
+              <a:spcPct val="20000"/>
+            </a:spcAft>
+            <a:buChar char="•"/>
+          </a:pPr>
+          <a:endParaRPr lang="zh-CN" altLang="en-US" sz="2500" kern="1200" dirty="0">
+            <a:latin typeface="Helvetica" panose="020B0604020202020204" pitchFamily="34" charset="0"/>
+            <a:cs typeface="Helvetica" panose="020B0604020202020204" pitchFamily="34" charset="0"/>
+          </a:endParaRPr>
         </a:p>
       </dsp:txBody>
       <dsp:txXfrm>
-        <a:off x="0" y="753871"/>
-        <a:ext cx="9624955" cy="1117800"/>
+        <a:off x="0" y="903791"/>
+        <a:ext cx="8584104" cy="2015145"/>
       </dsp:txXfrm>
     </dsp:sp>
     <dsp:sp modelId="{CB4F0FFF-9907-4E14-9E68-142DA98AC1C3}">
@@ -1856,8 +2227,8 @@
       </dsp:nvSpPr>
       <dsp:spPr>
         <a:xfrm>
-          <a:off x="0" y="1871671"/>
-          <a:ext cx="9624955" cy="702000"/>
+          <a:off x="0" y="2918936"/>
+          <a:ext cx="8584104" cy="772200"/>
         </a:xfrm>
         <a:prstGeom prst="roundRect">
           <a:avLst/>
@@ -1930,12 +2301,12 @@
         </a:fontRef>
       </dsp:style>
       <dsp:txBody>
-        <a:bodyPr spcFirstLastPara="0" vert="horz" wrap="square" lIns="114300" tIns="114300" rIns="114300" bIns="114300" numCol="1" spcCol="1270" anchor="ctr" anchorCtr="0">
+        <a:bodyPr spcFirstLastPara="0" vert="horz" wrap="square" lIns="125730" tIns="125730" rIns="125730" bIns="125730" numCol="1" spcCol="1270" anchor="ctr" anchorCtr="0">
           <a:noAutofit/>
         </a:bodyPr>
         <a:lstStyle/>
         <a:p>
-          <a:pPr marL="0" lvl="0" indent="0" algn="l" defTabSz="1333500">
+          <a:pPr marL="0" lvl="0" indent="0" algn="l" defTabSz="1466850">
             <a:lnSpc>
               <a:spcPct val="90000"/>
             </a:lnSpc>
@@ -1948,15 +2319,27 @@
             <a:buNone/>
           </a:pPr>
           <a:r>
-            <a:rPr lang="en-US" altLang="zh-CN" sz="3000" kern="1200" dirty="0"/>
+            <a:rPr lang="en-US" altLang="zh-CN" sz="3300" kern="1200" dirty="0">
+              <a:solidFill>
+                <a:schemeClr val="tx2"/>
+              </a:solidFill>
+              <a:latin typeface="Helvetica" panose="020B0604020202020204" pitchFamily="34" charset="0"/>
+              <a:cs typeface="Helvetica" panose="020B0604020202020204" pitchFamily="34" charset="0"/>
+            </a:rPr>
             <a:t>HRMS data analysis – clustering &amp;modeling</a:t>
           </a:r>
-          <a:endParaRPr lang="zh-CN" altLang="en-US" sz="3000" kern="1200" dirty="0"/>
+          <a:endParaRPr lang="zh-CN" altLang="en-US" sz="3300" kern="1200" dirty="0">
+            <a:solidFill>
+              <a:schemeClr val="tx2"/>
+            </a:solidFill>
+            <a:latin typeface="Helvetica" panose="020B0604020202020204" pitchFamily="34" charset="0"/>
+            <a:cs typeface="Helvetica" panose="020B0604020202020204" pitchFamily="34" charset="0"/>
+          </a:endParaRPr>
         </a:p>
       </dsp:txBody>
       <dsp:txXfrm>
-        <a:off x="34269" y="1905940"/>
-        <a:ext cx="9556417" cy="633462"/>
+        <a:off x="37696" y="2956632"/>
+        <a:ext cx="8508712" cy="696808"/>
       </dsp:txXfrm>
     </dsp:sp>
     <dsp:sp modelId="{4592F7BE-4F99-410D-A17B-ABF905BDC7A6}">
@@ -1966,8 +2349,8 @@
       </dsp:nvSpPr>
       <dsp:spPr>
         <a:xfrm>
-          <a:off x="0" y="2573671"/>
-          <a:ext cx="9624955" cy="1800900"/>
+          <a:off x="0" y="3691136"/>
+          <a:ext cx="8584104" cy="2732400"/>
         </a:xfrm>
         <a:prstGeom prst="rect">
           <a:avLst/>
@@ -1991,12 +2374,30 @@
         <a:fontRef idx="minor"/>
       </dsp:style>
       <dsp:txBody>
-        <a:bodyPr spcFirstLastPara="0" vert="horz" wrap="square" lIns="305592" tIns="38100" rIns="213360" bIns="38100" numCol="1" spcCol="1270" anchor="t" anchorCtr="0">
+        <a:bodyPr spcFirstLastPara="0" vert="horz" wrap="square" lIns="272545" tIns="31750" rIns="177800" bIns="31750" numCol="1" spcCol="1270" anchor="t" anchorCtr="0">
           <a:noAutofit/>
         </a:bodyPr>
         <a:lstStyle/>
         <a:p>
-          <a:pPr marL="228600" lvl="1" indent="-228600" algn="l" defTabSz="1022350">
+          <a:pPr marL="228600" lvl="1" indent="-228600" algn="l" defTabSz="1111250">
+            <a:lnSpc>
+              <a:spcPct val="90000"/>
+            </a:lnSpc>
+            <a:spcBef>
+              <a:spcPct val="0"/>
+            </a:spcBef>
+            <a:spcAft>
+              <a:spcPct val="20000"/>
+            </a:spcAft>
+            <a:buChar char="•"/>
+          </a:pPr>
+          <a:endParaRPr lang="zh-CN" altLang="en-US" sz="2500" kern="1200" dirty="0">
+            <a:latin typeface="Helvetica" panose="020B0604020202020204" pitchFamily="34" charset="0"/>
+            <a:cs typeface="Helvetica" panose="020B0604020202020204" pitchFamily="34" charset="0"/>
+          </a:endParaRPr>
+        </a:p>
+        <a:p>
+          <a:pPr marL="228600" lvl="1" indent="-228600" algn="l" defTabSz="1111250">
             <a:lnSpc>
               <a:spcPct val="90000"/>
             </a:lnSpc>
@@ -2009,13 +2410,19 @@
             <a:buChar char="•"/>
           </a:pPr>
           <a:r>
-            <a:rPr lang="en-US" altLang="zh-CN" sz="2300" kern="1200" dirty="0"/>
+            <a:rPr lang="en-US" altLang="zh-CN" sz="2500" kern="1200" dirty="0">
+              <a:latin typeface="Helvetica" panose="020B0604020202020204" pitchFamily="34" charset="0"/>
+              <a:cs typeface="Helvetica" panose="020B0604020202020204" pitchFamily="34" charset="0"/>
+            </a:rPr>
             <a:t>Clustering of different chemical features based on machine learning algorithms</a:t>
           </a:r>
-          <a:endParaRPr lang="zh-CN" altLang="en-US" sz="2300" kern="1200" dirty="0"/>
+          <a:endParaRPr lang="zh-CN" altLang="en-US" sz="2500" kern="1200" dirty="0">
+            <a:latin typeface="Helvetica" panose="020B0604020202020204" pitchFamily="34" charset="0"/>
+            <a:cs typeface="Helvetica" panose="020B0604020202020204" pitchFamily="34" charset="0"/>
+          </a:endParaRPr>
         </a:p>
         <a:p>
-          <a:pPr marL="228600" lvl="1" indent="-228600" algn="l" defTabSz="1022350">
+          <a:pPr marL="228600" lvl="1" indent="-228600" algn="l" defTabSz="1111250">
             <a:lnSpc>
               <a:spcPct val="90000"/>
             </a:lnSpc>
@@ -2028,13 +2435,19 @@
             <a:buChar char="•"/>
           </a:pPr>
           <a:r>
-            <a:rPr lang="en-US" altLang="zh-CN" sz="2300" kern="1200" dirty="0"/>
+            <a:rPr lang="en-US" altLang="zh-CN" sz="2500" kern="1200" dirty="0">
+              <a:latin typeface="Helvetica" panose="020B0604020202020204" pitchFamily="34" charset="0"/>
+              <a:cs typeface="Helvetica" panose="020B0604020202020204" pitchFamily="34" charset="0"/>
+            </a:rPr>
             <a:t>Noise removal, cluster labeling</a:t>
           </a:r>
-          <a:endParaRPr lang="zh-CN" altLang="en-US" sz="2300" kern="1200" dirty="0"/>
+          <a:endParaRPr lang="zh-CN" altLang="en-US" sz="2500" kern="1200" dirty="0">
+            <a:latin typeface="Helvetica" panose="020B0604020202020204" pitchFamily="34" charset="0"/>
+            <a:cs typeface="Helvetica" panose="020B0604020202020204" pitchFamily="34" charset="0"/>
+          </a:endParaRPr>
         </a:p>
         <a:p>
-          <a:pPr marL="228600" lvl="1" indent="-228600" algn="l" defTabSz="1022350">
+          <a:pPr marL="228600" lvl="1" indent="-228600" algn="l" defTabSz="1111250">
             <a:lnSpc>
               <a:spcPct val="90000"/>
             </a:lnSpc>
@@ -2047,13 +2460,19 @@
             <a:buChar char="•"/>
           </a:pPr>
           <a:r>
-            <a:rPr lang="en-US" altLang="zh-CN" sz="2300" kern="1200" dirty="0"/>
+            <a:rPr lang="en-US" altLang="zh-CN" sz="2500" kern="1200" dirty="0">
+              <a:latin typeface="Helvetica" panose="020B0604020202020204" pitchFamily="34" charset="0"/>
+              <a:cs typeface="Helvetica" panose="020B0604020202020204" pitchFamily="34" charset="0"/>
+            </a:rPr>
             <a:t>Modeling &amp; prediction based on dilution series samples</a:t>
           </a:r>
-          <a:endParaRPr lang="zh-CN" altLang="en-US" sz="2300" kern="1200" dirty="0"/>
+          <a:endParaRPr lang="zh-CN" altLang="en-US" sz="2500" kern="1200" dirty="0">
+            <a:latin typeface="Helvetica" panose="020B0604020202020204" pitchFamily="34" charset="0"/>
+            <a:cs typeface="Helvetica" panose="020B0604020202020204" pitchFamily="34" charset="0"/>
+          </a:endParaRPr>
         </a:p>
         <a:p>
-          <a:pPr marL="228600" lvl="1" indent="-228600" algn="l" defTabSz="1022350">
+          <a:pPr marL="228600" lvl="1" indent="-228600" algn="l" defTabSz="1111250">
             <a:lnSpc>
               <a:spcPct val="90000"/>
             </a:lnSpc>
@@ -2066,15 +2485,39 @@
             <a:buChar char="•"/>
           </a:pPr>
           <a:r>
-            <a:rPr lang="en-US" altLang="zh-CN" sz="2300" kern="1200" dirty="0"/>
+            <a:rPr lang="en-US" altLang="zh-CN" sz="2500" kern="1200" dirty="0">
+              <a:latin typeface="Helvetica" panose="020B0604020202020204" pitchFamily="34" charset="0"/>
+              <a:cs typeface="Helvetica" panose="020B0604020202020204" pitchFamily="34" charset="0"/>
+            </a:rPr>
             <a:t>Quick source tracking tool</a:t>
           </a:r>
-          <a:endParaRPr lang="zh-CN" altLang="en-US" sz="2300" kern="1200" dirty="0"/>
+          <a:endParaRPr lang="zh-CN" altLang="en-US" sz="2500" kern="1200" dirty="0">
+            <a:latin typeface="Helvetica" panose="020B0604020202020204" pitchFamily="34" charset="0"/>
+            <a:cs typeface="Helvetica" panose="020B0604020202020204" pitchFamily="34" charset="0"/>
+          </a:endParaRPr>
+        </a:p>
+        <a:p>
+          <a:pPr marL="228600" lvl="1" indent="-228600" algn="l" defTabSz="1111250">
+            <a:lnSpc>
+              <a:spcPct val="90000"/>
+            </a:lnSpc>
+            <a:spcBef>
+              <a:spcPct val="0"/>
+            </a:spcBef>
+            <a:spcAft>
+              <a:spcPct val="20000"/>
+            </a:spcAft>
+            <a:buChar char="•"/>
+          </a:pPr>
+          <a:endParaRPr lang="zh-CN" altLang="en-US" sz="2500" kern="1200" dirty="0">
+            <a:latin typeface="Helvetica" panose="020B0604020202020204" pitchFamily="34" charset="0"/>
+            <a:cs typeface="Helvetica" panose="020B0604020202020204" pitchFamily="34" charset="0"/>
+          </a:endParaRPr>
         </a:p>
       </dsp:txBody>
       <dsp:txXfrm>
-        <a:off x="0" y="2573671"/>
-        <a:ext cx="9624955" cy="1800900"/>
+        <a:off x="0" y="3691136"/>
+        <a:ext cx="8584104" cy="2732400"/>
       </dsp:txXfrm>
     </dsp:sp>
     <dsp:sp modelId="{53455EB7-2B2F-4BFF-B42F-7FC7AC45FB50}">
@@ -2084,8 +2527,8 @@
       </dsp:nvSpPr>
       <dsp:spPr>
         <a:xfrm>
-          <a:off x="0" y="4374571"/>
-          <a:ext cx="9624955" cy="702000"/>
+          <a:off x="0" y="6423536"/>
+          <a:ext cx="8584104" cy="772200"/>
         </a:xfrm>
         <a:prstGeom prst="roundRect">
           <a:avLst/>
@@ -2158,12 +2601,12 @@
         </a:fontRef>
       </dsp:style>
       <dsp:txBody>
-        <a:bodyPr spcFirstLastPara="0" vert="horz" wrap="square" lIns="114300" tIns="114300" rIns="114300" bIns="114300" numCol="1" spcCol="1270" anchor="ctr" anchorCtr="0">
+        <a:bodyPr spcFirstLastPara="0" vert="horz" wrap="square" lIns="125730" tIns="125730" rIns="125730" bIns="125730" numCol="1" spcCol="1270" anchor="ctr" anchorCtr="0">
           <a:noAutofit/>
         </a:bodyPr>
         <a:lstStyle/>
         <a:p>
-          <a:pPr marL="0" lvl="0" indent="0" algn="l" defTabSz="1333500">
+          <a:pPr marL="0" lvl="0" indent="0" algn="l" defTabSz="1466850">
             <a:lnSpc>
               <a:spcPct val="90000"/>
             </a:lnSpc>
@@ -2176,15 +2619,27 @@
             <a:buNone/>
           </a:pPr>
           <a:r>
-            <a:rPr lang="en-US" altLang="zh-CN" sz="3000" kern="1200" dirty="0"/>
+            <a:rPr lang="en-US" altLang="zh-CN" sz="3300" kern="1200">
+              <a:solidFill>
+                <a:schemeClr val="tx2"/>
+              </a:solidFill>
+              <a:latin typeface="Helvetica" panose="020B0604020202020204" pitchFamily="34" charset="0"/>
+              <a:cs typeface="Helvetica" panose="020B0604020202020204" pitchFamily="34" charset="0"/>
+            </a:rPr>
             <a:t>Visualization &amp; database searching</a:t>
           </a:r>
-          <a:endParaRPr lang="zh-CN" altLang="en-US" sz="3000" kern="1200" dirty="0"/>
+          <a:endParaRPr lang="zh-CN" altLang="en-US" sz="3300" kern="1200" dirty="0">
+            <a:solidFill>
+              <a:schemeClr val="tx2"/>
+            </a:solidFill>
+            <a:latin typeface="Helvetica" panose="020B0604020202020204" pitchFamily="34" charset="0"/>
+            <a:cs typeface="Helvetica" panose="020B0604020202020204" pitchFamily="34" charset="0"/>
+          </a:endParaRPr>
         </a:p>
       </dsp:txBody>
       <dsp:txXfrm>
-        <a:off x="34269" y="4408840"/>
-        <a:ext cx="9556417" cy="633462"/>
+        <a:off x="37696" y="6461232"/>
+        <a:ext cx="8508712" cy="696808"/>
       </dsp:txXfrm>
     </dsp:sp>
     <dsp:sp modelId="{E3E30049-A251-45C9-AE2F-4FA2D126F56F}">
@@ -2194,8 +2649,8 @@
       </dsp:nvSpPr>
       <dsp:spPr>
         <a:xfrm>
-          <a:off x="0" y="5076571"/>
-          <a:ext cx="9624955" cy="1117800"/>
+          <a:off x="0" y="7195736"/>
+          <a:ext cx="8584104" cy="1605285"/>
         </a:xfrm>
         <a:prstGeom prst="rect">
           <a:avLst/>
@@ -2219,12 +2674,30 @@
         <a:fontRef idx="minor"/>
       </dsp:style>
       <dsp:txBody>
-        <a:bodyPr spcFirstLastPara="0" vert="horz" wrap="square" lIns="305592" tIns="38100" rIns="213360" bIns="38100" numCol="1" spcCol="1270" anchor="t" anchorCtr="0">
+        <a:bodyPr spcFirstLastPara="0" vert="horz" wrap="square" lIns="272545" tIns="31750" rIns="177800" bIns="31750" numCol="1" spcCol="1270" anchor="t" anchorCtr="0">
           <a:noAutofit/>
         </a:bodyPr>
         <a:lstStyle/>
         <a:p>
-          <a:pPr marL="228600" lvl="1" indent="-228600" algn="l" defTabSz="1022350">
+          <a:pPr marL="228600" lvl="1" indent="-228600" algn="l" defTabSz="1111250">
+            <a:lnSpc>
+              <a:spcPct val="90000"/>
+            </a:lnSpc>
+            <a:spcBef>
+              <a:spcPct val="0"/>
+            </a:spcBef>
+            <a:spcAft>
+              <a:spcPct val="20000"/>
+            </a:spcAft>
+            <a:buChar char="•"/>
+          </a:pPr>
+          <a:endParaRPr lang="zh-CN" altLang="en-US" sz="2500" kern="1200" dirty="0">
+            <a:latin typeface="Helvetica" panose="020B0604020202020204" pitchFamily="34" charset="0"/>
+            <a:cs typeface="Helvetica" panose="020B0604020202020204" pitchFamily="34" charset="0"/>
+          </a:endParaRPr>
+        </a:p>
+        <a:p>
+          <a:pPr marL="228600" lvl="1" indent="-228600" algn="l" defTabSz="1111250">
             <a:lnSpc>
               <a:spcPct val="90000"/>
             </a:lnSpc>
@@ -2237,13 +2710,19 @@
             <a:buChar char="•"/>
           </a:pPr>
           <a:r>
-            <a:rPr lang="en-US" altLang="zh-CN" sz="2300" kern="1200" dirty="0"/>
+            <a:rPr lang="en-US" altLang="zh-CN" sz="2500" kern="1200" dirty="0">
+              <a:latin typeface="Helvetica" panose="020B0604020202020204" pitchFamily="34" charset="0"/>
+              <a:cs typeface="Helvetica" panose="020B0604020202020204" pitchFamily="34" charset="0"/>
+            </a:rPr>
             <a:t>Basic plots for HRMS data</a:t>
           </a:r>
-          <a:endParaRPr lang="zh-CN" altLang="en-US" sz="2300" kern="1200" dirty="0"/>
+          <a:endParaRPr lang="zh-CN" altLang="en-US" sz="2500" kern="1200" dirty="0">
+            <a:latin typeface="Helvetica" panose="020B0604020202020204" pitchFamily="34" charset="0"/>
+            <a:cs typeface="Helvetica" panose="020B0604020202020204" pitchFamily="34" charset="0"/>
+          </a:endParaRPr>
         </a:p>
         <a:p>
-          <a:pPr marL="228600" lvl="1" indent="-228600" algn="l" defTabSz="1022350">
+          <a:pPr marL="228600" lvl="1" indent="-228600" algn="l" defTabSz="1111250">
             <a:lnSpc>
               <a:spcPct val="90000"/>
             </a:lnSpc>
@@ -2256,13 +2735,19 @@
             <a:buChar char="•"/>
           </a:pPr>
           <a:r>
-            <a:rPr lang="en-US" altLang="zh-CN" sz="2300" kern="1200" dirty="0"/>
+            <a:rPr lang="en-US" altLang="zh-CN" sz="2500" kern="1200" dirty="0">
+              <a:latin typeface="Helvetica" panose="020B0604020202020204" pitchFamily="34" charset="0"/>
+              <a:cs typeface="Helvetica" panose="020B0604020202020204" pitchFamily="34" charset="0"/>
+            </a:rPr>
             <a:t>Interactive plot upon user selection</a:t>
           </a:r>
-          <a:endParaRPr lang="zh-CN" altLang="en-US" sz="2300" kern="1200" dirty="0"/>
+          <a:endParaRPr lang="zh-CN" altLang="en-US" sz="2500" kern="1200" dirty="0">
+            <a:latin typeface="Helvetica" panose="020B0604020202020204" pitchFamily="34" charset="0"/>
+            <a:cs typeface="Helvetica" panose="020B0604020202020204" pitchFamily="34" charset="0"/>
+          </a:endParaRPr>
         </a:p>
         <a:p>
-          <a:pPr marL="228600" lvl="1" indent="-228600" algn="l" defTabSz="1022350">
+          <a:pPr marL="228600" lvl="1" indent="-228600" algn="l" defTabSz="1111250">
             <a:lnSpc>
               <a:spcPct val="90000"/>
             </a:lnSpc>
@@ -2275,15 +2760,21 @@
             <a:buChar char="•"/>
           </a:pPr>
           <a:r>
-            <a:rPr lang="en-US" altLang="zh-CN" sz="2300" kern="1200" dirty="0"/>
+            <a:rPr lang="en-US" altLang="zh-CN" sz="2500" kern="1200" dirty="0">
+              <a:latin typeface="Helvetica" panose="020B0604020202020204" pitchFamily="34" charset="0"/>
+              <a:cs typeface="Helvetica" panose="020B0604020202020204" pitchFamily="34" charset="0"/>
+            </a:rPr>
             <a:t>Online database search for advanced analysis</a:t>
           </a:r>
-          <a:endParaRPr lang="zh-CN" altLang="en-US" sz="2300" kern="1200" dirty="0"/>
+          <a:endParaRPr lang="zh-CN" altLang="en-US" sz="2500" kern="1200" dirty="0">
+            <a:latin typeface="Helvetica" panose="020B0604020202020204" pitchFamily="34" charset="0"/>
+            <a:cs typeface="Helvetica" panose="020B0604020202020204" pitchFamily="34" charset="0"/>
+          </a:endParaRPr>
         </a:p>
       </dsp:txBody>
       <dsp:txXfrm>
-        <a:off x="0" y="5076571"/>
-        <a:ext cx="9624955" cy="1117800"/>
+        <a:off x="0" y="7195736"/>
+        <a:ext cx="8584104" cy="1605285"/>
       </dsp:txXfrm>
     </dsp:sp>
   </dsp:spTree>
@@ -4055,6 +4546,11 @@
         </p:txBody>
       </p:sp>
     </p:spTree>
+    <p:extLst>
+      <p:ext uri="{BB962C8B-B14F-4D97-AF65-F5344CB8AC3E}">
+        <p14:creationId xmlns:p14="http://schemas.microsoft.com/office/powerpoint/2010/main" val="1854008821"/>
+      </p:ext>
+    </p:extLst>
   </p:cSld>
   <p:clrMapOvr>
     <a:masterClrMapping/>
@@ -9644,14 +10140,6 @@
 <file path=ppt/slides/slide1.xml><?xml version="1.0" encoding="utf-8"?>
 <p:sld xmlns:a="http://schemas.openxmlformats.org/drawingml/2006/main" xmlns:r="http://schemas.openxmlformats.org/officeDocument/2006/relationships" xmlns:p="http://schemas.openxmlformats.org/presentationml/2006/main">
   <p:cSld>
-    <p:bg>
-      <p:bgPr>
-        <a:solidFill>
-          <a:schemeClr val="accent1"/>
-        </a:solidFill>
-        <a:effectLst/>
-      </p:bgPr>
-    </p:bg>
     <p:spTree>
       <p:nvGrpSpPr>
         <p:cNvPr id="1" name="Shape 77"/>
@@ -9668,6 +10156,58 @@
       </p:grpSpPr>
       <p:sp>
         <p:nvSpPr>
+          <p:cNvPr id="6" name="Rectangle 5">
+            <a:extLst>
+              <a:ext uri="{FF2B5EF4-FFF2-40B4-BE49-F238E27FC236}">
+                <a16:creationId xmlns:a16="http://schemas.microsoft.com/office/drawing/2014/main" id="{2F6354BA-D188-4229-A021-70F4FC58DBD7}"/>
+              </a:ext>
+            </a:extLst>
+          </p:cNvPr>
+          <p:cNvSpPr/>
+          <p:nvPr/>
+        </p:nvSpPr>
+        <p:spPr>
+          <a:xfrm>
+            <a:off x="-10327" y="6098675"/>
+            <a:ext cx="32928727" cy="15902609"/>
+          </a:xfrm>
+          <a:prstGeom prst="rect">
+            <a:avLst/>
+          </a:prstGeom>
+          <a:ln>
+            <a:noFill/>
+          </a:ln>
+        </p:spPr>
+        <p:style>
+          <a:lnRef idx="2">
+            <a:schemeClr val="accent1">
+              <a:shade val="50000"/>
+            </a:schemeClr>
+          </a:lnRef>
+          <a:fillRef idx="1">
+            <a:schemeClr val="accent1"/>
+          </a:fillRef>
+          <a:effectRef idx="0">
+            <a:schemeClr val="accent1"/>
+          </a:effectRef>
+          <a:fontRef idx="minor">
+            <a:schemeClr val="lt1"/>
+          </a:fontRef>
+        </p:style>
+        <p:txBody>
+          <a:bodyPr rtlCol="0" anchor="ctr"/>
+          <a:lstStyle/>
+          <a:p>
+            <a:pPr algn="ctr"/>
+            <a:endParaRPr lang="zh-CN" altLang="en-US">
+              <a:latin typeface="Helvetica" panose="020B0604020202020204" pitchFamily="34" charset="0"/>
+              <a:cs typeface="Helvetica" panose="020B0604020202020204" pitchFamily="34" charset="0"/>
+            </a:endParaRPr>
+          </a:p>
+        </p:txBody>
+      </p:sp>
+      <p:sp>
+        <p:nvSpPr>
           <p:cNvPr id="37" name="Google Shape;86;p14">
             <a:extLst>
               <a:ext uri="{FF2B5EF4-FFF2-40B4-BE49-F238E27FC236}">
@@ -9680,8 +10220,8 @@
         </p:nvSpPr>
         <p:spPr>
           <a:xfrm>
-            <a:off x="10872299" y="12988242"/>
-            <a:ext cx="10544901" cy="8754485"/>
+            <a:off x="9466985" y="15733185"/>
+            <a:ext cx="13373965" cy="6009543"/>
           </a:xfrm>
           <a:prstGeom prst="rect">
             <a:avLst/>
@@ -9691,7 +10231,7 @@
           </a:solidFill>
           <a:ln w="9525" cap="flat" cmpd="sng">
             <a:solidFill>
-              <a:schemeClr val="tx1"/>
+              <a:schemeClr val="tx2"/>
             </a:solidFill>
             <a:prstDash val="solid"/>
             <a:round/>
@@ -9714,7 +10254,10 @@
               </a:spcAft>
               <a:buNone/>
             </a:pPr>
-            <a:endParaRPr/>
+            <a:endParaRPr>
+              <a:latin typeface="Helvetica" panose="020B0604020202020204" pitchFamily="34" charset="0"/>
+              <a:cs typeface="Helvetica" panose="020B0604020202020204" pitchFamily="34" charset="0"/>
+            </a:endParaRPr>
           </a:p>
         </p:txBody>
       </p:sp>
@@ -9732,7 +10275,7 @@
         </p:nvSpPr>
         <p:spPr>
           <a:xfrm>
-            <a:off x="27112686" y="18811146"/>
+            <a:off x="27063258" y="18811146"/>
             <a:ext cx="5598764" cy="2931582"/>
           </a:xfrm>
           <a:prstGeom prst="rect">
@@ -9768,7 +10311,10 @@
           <a:lstStyle/>
           <a:p>
             <a:pPr algn="ctr"/>
-            <a:endParaRPr lang="zh-CN" altLang="en-US"/>
+            <a:endParaRPr lang="zh-CN" altLang="en-US">
+              <a:latin typeface="Helvetica" panose="020B0604020202020204" pitchFamily="34" charset="0"/>
+              <a:cs typeface="Helvetica" panose="020B0604020202020204" pitchFamily="34" charset="0"/>
+            </a:endParaRPr>
           </a:p>
         </p:txBody>
       </p:sp>
@@ -9786,8 +10332,8 @@
         </p:nvSpPr>
         <p:spPr>
           <a:xfrm>
-            <a:off x="21522300" y="18811146"/>
-            <a:ext cx="5485286" cy="2931582"/>
+            <a:off x="22931144" y="18811146"/>
+            <a:ext cx="4027014" cy="2931582"/>
           </a:xfrm>
           <a:prstGeom prst="rect">
             <a:avLst/>
@@ -9797,7 +10343,7 @@
           </a:solidFill>
           <a:ln>
             <a:solidFill>
-              <a:schemeClr val="tx1"/>
+              <a:schemeClr val="tx2"/>
             </a:solidFill>
           </a:ln>
         </p:spPr>
@@ -9822,7 +10368,10 @@
           <a:lstStyle/>
           <a:p>
             <a:pPr algn="ctr"/>
-            <a:endParaRPr lang="zh-CN" altLang="en-US"/>
+            <a:endParaRPr lang="zh-CN" altLang="en-US">
+              <a:latin typeface="Helvetica" panose="020B0604020202020204" pitchFamily="34" charset="0"/>
+              <a:cs typeface="Helvetica" panose="020B0604020202020204" pitchFamily="34" charset="0"/>
+            </a:endParaRPr>
           </a:p>
         </p:txBody>
       </p:sp>
@@ -9840,8 +10389,8 @@
         </p:nvSpPr>
         <p:spPr>
           <a:xfrm>
-            <a:off x="206950" y="7431314"/>
-            <a:ext cx="10560050" cy="9867682"/>
+            <a:off x="218335" y="6259766"/>
+            <a:ext cx="9143550" cy="15482962"/>
           </a:xfrm>
           <a:prstGeom prst="rect">
             <a:avLst/>
@@ -9851,7 +10400,7 @@
           </a:solidFill>
           <a:ln>
             <a:solidFill>
-              <a:schemeClr val="tx1"/>
+              <a:schemeClr val="tx2"/>
             </a:solidFill>
           </a:ln>
           <a:effectLst>
@@ -9877,7 +10426,13 @@
           <a:lstStyle/>
           <a:p>
             <a:pPr algn="ctr"/>
-            <a:endParaRPr lang="zh-CN" altLang="en-US"/>
+            <a:endParaRPr lang="zh-CN" altLang="en-US">
+              <a:solidFill>
+                <a:schemeClr val="tx2"/>
+              </a:solidFill>
+              <a:latin typeface="Helvetica" panose="020B0604020202020204" pitchFamily="34" charset="0"/>
+              <a:cs typeface="Helvetica" panose="020B0604020202020204" pitchFamily="34" charset="0"/>
+            </a:endParaRPr>
           </a:p>
         </p:txBody>
       </p:sp>
@@ -9893,7 +10448,7 @@
         </p:nvSpPr>
         <p:spPr>
           <a:xfrm>
-            <a:off x="8998925" y="787400"/>
+            <a:off x="10500300" y="395820"/>
             <a:ext cx="22418100" cy="2461800"/>
           </a:xfrm>
           <a:prstGeom prst="rect">
@@ -9915,7 +10470,10 @@
               </a:spcAft>
               <a:buNone/>
             </a:pPr>
-            <a:endParaRPr sz="4600" dirty="0"/>
+            <a:endParaRPr sz="4600" dirty="0">
+              <a:latin typeface="Helvetica" panose="020B0604020202020204" pitchFamily="34" charset="0"/>
+              <a:cs typeface="Helvetica" panose="020B0604020202020204" pitchFamily="34" charset="0"/>
+            </a:endParaRPr>
           </a:p>
           <a:p>
             <a:pPr marL="0" lvl="0" indent="0" algn="l" rtl="0">
@@ -9930,7 +10488,10 @@
               </a:spcAft>
               <a:buNone/>
             </a:pPr>
-            <a:endParaRPr sz="2500" dirty="0"/>
+            <a:endParaRPr sz="2500" dirty="0">
+              <a:latin typeface="Helvetica" panose="020B0604020202020204" pitchFamily="34" charset="0"/>
+              <a:cs typeface="Helvetica" panose="020B0604020202020204" pitchFamily="34" charset="0"/>
+            </a:endParaRPr>
           </a:p>
           <a:p>
             <a:pPr marL="0" lvl="0" indent="0" algn="l" rtl="0">
@@ -9943,22 +10504,51 @@
               <a:spcAft>
                 <a:spcPts val="0"/>
               </a:spcAft>
+              <a:buClr>
+                <a:schemeClr val="dk1"/>
+              </a:buClr>
+              <a:buSzPts val="3900"/>
+              <a:buFont typeface="Arial"/>
               <a:buNone/>
             </a:pPr>
             <a:r>
-              <a:rPr lang="zh-CN" sz="2300" u="sng" dirty="0">
-                <a:solidFill>
-                  <a:schemeClr val="hlink"/>
-                </a:solidFill>
-                <a:latin typeface="Arial"/>
-                <a:ea typeface="Arial"/>
-                <a:cs typeface="Arial"/>
-                <a:sym typeface="Arial"/>
-                <a:hlinkClick r:id="rId3"/>
+              <a:rPr lang="zh-CN" sz="2500" dirty="0">
+                <a:latin typeface="Helvetica" panose="020B0604020202020204" pitchFamily="34" charset="0"/>
+                <a:cs typeface="Helvetica" panose="020B0604020202020204" pitchFamily="34" charset="0"/>
               </a:rPr>
-              <a:t>https://pypi.org/project/mass-suite/</a:t>
+              <a:t>Project Sponsor: Edward Kolodziej (University of Washington, Center of Urban water)</a:t>
             </a:r>
-            <a:endParaRPr sz="3700" dirty="0"/>
+            <a:br>
+              <a:rPr lang="en-US" altLang="zh-CN" sz="2500" dirty="0">
+                <a:latin typeface="Helvetica" panose="020B0604020202020204" pitchFamily="34" charset="0"/>
+                <a:cs typeface="Helvetica" panose="020B0604020202020204" pitchFamily="34" charset="0"/>
+              </a:rPr>
+            </a:br>
+            <a:r>
+              <a:rPr lang="en-US" altLang="zh-CN" sz="2500" dirty="0">
+                <a:latin typeface="Helvetica" panose="020B0604020202020204" pitchFamily="34" charset="0"/>
+                <a:cs typeface="Helvetica" panose="020B0604020202020204" pitchFamily="34" charset="0"/>
+              </a:rPr>
+              <a:t>Project Advisor: Edward </a:t>
+            </a:r>
+            <a:r>
+              <a:rPr lang="en-US" altLang="zh-CN" sz="2500" dirty="0" err="1">
+                <a:latin typeface="Helvetica" panose="020B0604020202020204" pitchFamily="34" charset="0"/>
+                <a:cs typeface="Helvetica" panose="020B0604020202020204" pitchFamily="34" charset="0"/>
+              </a:rPr>
+              <a:t>Kolodziej</a:t>
+            </a:r>
+            <a:r>
+              <a:rPr lang="en-US" altLang="zh-CN" sz="2500" dirty="0">
+                <a:latin typeface="Helvetica" panose="020B0604020202020204" pitchFamily="34" charset="0"/>
+                <a:cs typeface="Helvetica" panose="020B0604020202020204" pitchFamily="34" charset="0"/>
+              </a:rPr>
+              <a:t>, David Beck (University of Washington)</a:t>
+            </a:r>
+            <a:endParaRPr sz="2500" dirty="0">
+              <a:latin typeface="Helvetica" panose="020B0604020202020204" pitchFamily="34" charset="0"/>
+              <a:cs typeface="Helvetica" panose="020B0604020202020204" pitchFamily="34" charset="0"/>
+            </a:endParaRPr>
           </a:p>
           <a:p>
             <a:pPr marL="0" lvl="0" indent="0" algn="l" rtl="0">
@@ -9971,9 +10561,24 @@
               <a:spcAft>
                 <a:spcPts val="0"/>
               </a:spcAft>
+              <a:buClr>
+                <a:schemeClr val="dk1"/>
+              </a:buClr>
+              <a:buSzPts val="3900"/>
+              <a:buFont typeface="Arial"/>
               <a:buNone/>
             </a:pPr>
-            <a:endParaRPr sz="2500" dirty="0"/>
+            <a:r>
+              <a:rPr lang="zh-CN" sz="2500" dirty="0">
+                <a:latin typeface="Helvetica" panose="020B0604020202020204" pitchFamily="34" charset="0"/>
+                <a:cs typeface="Helvetica" panose="020B0604020202020204" pitchFamily="34" charset="0"/>
+              </a:rPr>
+              <a:t>Project Team: Ximin Hu (Civil &amp; Environmental Engineering), Derek Mar (Materials Science &amp; Engineering), </a:t>
+            </a:r>
+            <a:endParaRPr sz="2500" dirty="0">
+              <a:latin typeface="Helvetica" panose="020B0604020202020204" pitchFamily="34" charset="0"/>
+              <a:cs typeface="Helvetica" panose="020B0604020202020204" pitchFamily="34" charset="0"/>
+            </a:endParaRPr>
           </a:p>
           <a:p>
             <a:pPr marL="0" lvl="0" indent="0" algn="l" rtl="0">
@@ -9994,73 +10599,16 @@
               <a:buNone/>
             </a:pPr>
             <a:r>
-              <a:rPr lang="zh-CN" sz="2500" dirty="0"/>
-              <a:t>Project Sponsor: Edward Kolodziej (University of Washington, Center of Urban water)</a:t>
-            </a:r>
-            <a:br>
-              <a:rPr lang="en-US" altLang="zh-CN" sz="2500" dirty="0"/>
-            </a:br>
-            <a:r>
-              <a:rPr lang="en-US" altLang="zh-CN" sz="2500" dirty="0"/>
-              <a:t>Project Advisor: Edward </a:t>
-            </a:r>
-            <a:r>
-              <a:rPr lang="en-US" altLang="zh-CN" sz="2500" dirty="0" err="1"/>
-              <a:t>Kolodziej</a:t>
-            </a:r>
-            <a:r>
-              <a:rPr lang="en-US" altLang="zh-CN" sz="2500" dirty="0"/>
-              <a:t>, David Beck (University of Washington)</a:t>
-            </a:r>
-            <a:endParaRPr sz="2500" dirty="0"/>
-          </a:p>
-          <a:p>
-            <a:pPr marL="0" lvl="0" indent="0" algn="l" rtl="0">
-              <a:lnSpc>
-                <a:spcPct val="115000"/>
-              </a:lnSpc>
-              <a:spcBef>
-                <a:spcPts val="0"/>
-              </a:spcBef>
-              <a:spcAft>
-                <a:spcPts val="0"/>
-              </a:spcAft>
-              <a:buClr>
-                <a:schemeClr val="dk1"/>
-              </a:buClr>
-              <a:buSzPts val="3900"/>
-              <a:buFont typeface="Arial"/>
-              <a:buNone/>
-            </a:pPr>
-            <a:r>
-              <a:rPr lang="zh-CN" sz="2500" dirty="0"/>
-              <a:t>Project Team: Ximin Hu (Civil &amp; Environmental Engineering), Derek Mar (Materials Science &amp; Engineering), </a:t>
-            </a:r>
-            <a:endParaRPr sz="2500" dirty="0"/>
-          </a:p>
-          <a:p>
-            <a:pPr marL="0" lvl="0" indent="0" algn="l" rtl="0">
-              <a:lnSpc>
-                <a:spcPct val="115000"/>
-              </a:lnSpc>
-              <a:spcBef>
-                <a:spcPts val="0"/>
-              </a:spcBef>
-              <a:spcAft>
-                <a:spcPts val="0"/>
-              </a:spcAft>
-              <a:buClr>
-                <a:schemeClr val="dk1"/>
-              </a:buClr>
-              <a:buSzPts val="3900"/>
-              <a:buFont typeface="Arial"/>
-              <a:buNone/>
-            </a:pPr>
-            <a:r>
-              <a:rPr lang="zh-CN" sz="2500" dirty="0"/>
+              <a:rPr lang="zh-CN" sz="2500" dirty="0">
+                <a:latin typeface="Helvetica" panose="020B0604020202020204" pitchFamily="34" charset="0"/>
+                <a:cs typeface="Helvetica" panose="020B0604020202020204" pitchFamily="34" charset="0"/>
+              </a:rPr>
               <a:t>Nozomi Suzuki (Materials Science &amp; Engineering), Bowei Zhang (Materials Science &amp; Engineering)</a:t>
             </a:r>
-            <a:endParaRPr sz="3200" dirty="0"/>
+            <a:endParaRPr sz="3200" dirty="0">
+              <a:latin typeface="Helvetica" panose="020B0604020202020204" pitchFamily="34" charset="0"/>
+              <a:cs typeface="Helvetica" panose="020B0604020202020204" pitchFamily="34" charset="0"/>
+            </a:endParaRPr>
           </a:p>
         </p:txBody>
       </p:sp>
@@ -10076,7 +10624,7 @@
         </p:nvSpPr>
         <p:spPr>
           <a:xfrm>
-            <a:off x="-6" y="2844472"/>
+            <a:off x="-10327" y="1845033"/>
             <a:ext cx="30675000" cy="1287300"/>
           </a:xfrm>
           <a:prstGeom prst="rect">
@@ -10103,6 +10651,8 @@
                 <a:solidFill>
                   <a:srgbClr val="FFFFFF"/>
                 </a:solidFill>
+                <a:latin typeface="Helvetica" panose="020B0604020202020204" pitchFamily="34" charset="0"/>
+                <a:cs typeface="Helvetica" panose="020B0604020202020204" pitchFamily="34" charset="0"/>
               </a:rPr>
               <a:t>Project Background:</a:t>
             </a:r>
@@ -10110,6 +10660,8 @@
               <a:solidFill>
                 <a:srgbClr val="FFFFFF"/>
               </a:solidFill>
+              <a:latin typeface="Helvetica" panose="020B0604020202020204" pitchFamily="34" charset="0"/>
+              <a:cs typeface="Helvetica" panose="020B0604020202020204" pitchFamily="34" charset="0"/>
             </a:endParaRPr>
           </a:p>
         </p:txBody>
@@ -10126,8 +10678,8 @@
         </p:nvSpPr>
         <p:spPr>
           <a:xfrm>
-            <a:off x="1122050" y="4131775"/>
-            <a:ext cx="30675000" cy="2954700"/>
+            <a:off x="0" y="2928745"/>
+            <a:ext cx="32918400" cy="2954700"/>
           </a:xfrm>
           <a:prstGeom prst="rect">
             <a:avLst/>
@@ -10139,51 +10691,35 @@
           </a:bodyPr>
           <a:lstStyle/>
           <a:p>
-            <a:pPr marL="0" lvl="0" indent="0" algn="l" rtl="0">
+            <a:pPr marL="0" lvl="0" indent="0">
               <a:lnSpc>
                 <a:spcPct val="115000"/>
               </a:lnSpc>
-              <a:spcBef>
-                <a:spcPts val="0"/>
-              </a:spcBef>
-              <a:spcAft>
-                <a:spcPts val="0"/>
-              </a:spcAft>
-              <a:buNone/>
             </a:pPr>
             <a:r>
               <a:rPr lang="zh-CN" sz="2900" dirty="0">
                 <a:solidFill>
                   <a:srgbClr val="FFFFFF"/>
                 </a:solidFill>
+                <a:latin typeface="Helvetica" panose="020B0604020202020204" pitchFamily="34" charset="0"/>
+                <a:cs typeface="Helvetica" panose="020B0604020202020204" pitchFamily="34" charset="0"/>
               </a:rPr>
               <a:t>Mass-suite is a python based open source package that is designed to utilize High Resolution Mass Spectrometry (HRMS) data for water quality assessment. The analysis of HRMS data for water quality assessment is still in its infancy, with many basic aspects of data reduction, analysis, and interpretation still lightly developed.  Here, our package will allow users flexible and various options to process the HRMS data: from basic functions to advanced data analysis, such as dilution rate prediction and source tracking analysis that is not currently covered with current software. Furthermore, it is developed in a modularized concept so that the user can use different combinations of parts of our code to accomplish their tasks. By providing this package, we hope to open up a new space for HRMS data analysis, resulting in more rapid and detailed research in this area.</a:t>
+            </a:r>
+            <a:r>
+              <a:rPr lang="en-US" sz="3200" dirty="0">
+                <a:latin typeface="Helvetica" panose="020B0604020202020204" pitchFamily="34" charset="0"/>
+                <a:ea typeface="Helvetica" charset="0"/>
+                <a:cs typeface="Helvetica" panose="020B0604020202020204" pitchFamily="34" charset="0"/>
+              </a:rPr>
+              <a:t> </a:t>
             </a:r>
             <a:endParaRPr sz="2900" dirty="0">
               <a:solidFill>
                 <a:srgbClr val="FFFFFF"/>
               </a:solidFill>
-            </a:endParaRPr>
-          </a:p>
-          <a:p>
-            <a:pPr marL="0" lvl="0" indent="0" algn="l" rtl="0">
-              <a:spcBef>
-                <a:spcPts val="0"/>
-              </a:spcBef>
-              <a:spcAft>
-                <a:spcPts val="0"/>
-              </a:spcAft>
-              <a:buClr>
-                <a:schemeClr val="dk1"/>
-              </a:buClr>
-              <a:buSzPts val="3900"/>
-              <a:buFont typeface="Arial"/>
-              <a:buNone/>
-            </a:pPr>
-            <a:endParaRPr sz="2900" dirty="0">
-              <a:solidFill>
-                <a:srgbClr val="FFFFFF"/>
-              </a:solidFill>
+              <a:latin typeface="Helvetica" panose="020B0604020202020204" pitchFamily="34" charset="0"/>
+              <a:cs typeface="Helvetica" panose="020B0604020202020204" pitchFamily="34" charset="0"/>
             </a:endParaRPr>
           </a:p>
         </p:txBody>
@@ -10200,8 +10736,8 @@
         </p:nvSpPr>
         <p:spPr>
           <a:xfrm>
-            <a:off x="206950" y="7011825"/>
-            <a:ext cx="6689150" cy="1287300"/>
+            <a:off x="75166" y="6098675"/>
+            <a:ext cx="6689150" cy="1569655"/>
           </a:xfrm>
           <a:prstGeom prst="rect">
             <a:avLst/>
@@ -10223,17 +10759,31 @@
               <a:buNone/>
             </a:pPr>
             <a:r>
-              <a:rPr lang="zh-CN" sz="6400" dirty="0">
-                <a:solidFill>
-                  <a:schemeClr val="lt2"/>
-                </a:solidFill>
+              <a:rPr lang="zh-CN" sz="6000" dirty="0">
+                <a:solidFill>
+                  <a:schemeClr val="tx1"/>
+                </a:solidFill>
+                <a:latin typeface="Helvetica" panose="020B0604020202020204" pitchFamily="34" charset="0"/>
+                <a:cs typeface="Helvetica" panose="020B0604020202020204" pitchFamily="34" charset="0"/>
               </a:rPr>
               <a:t>Overview</a:t>
             </a:r>
+            <a:r>
+              <a:rPr lang="en-US" altLang="zh-CN" sz="6000" dirty="0">
+                <a:solidFill>
+                  <a:schemeClr val="tx1"/>
+                </a:solidFill>
+                <a:latin typeface="Helvetica" panose="020B0604020202020204" pitchFamily="34" charset="0"/>
+                <a:cs typeface="Helvetica" panose="020B0604020202020204" pitchFamily="34" charset="0"/>
+              </a:rPr>
+              <a:t>:</a:t>
+            </a:r>
             <a:endParaRPr sz="6000" dirty="0">
               <a:solidFill>
-                <a:schemeClr val="lt2"/>
+                <a:schemeClr val="tx1"/>
               </a:solidFill>
+              <a:latin typeface="Helvetica" panose="020B0604020202020204" pitchFamily="34" charset="0"/>
+              <a:cs typeface="Helvetica" panose="020B0604020202020204" pitchFamily="34" charset="0"/>
             </a:endParaRPr>
           </a:p>
         </p:txBody>
@@ -10245,7 +10795,7 @@
           <p:nvPr/>
         </p:nvPicPr>
         <p:blipFill>
-          <a:blip r:embed="rId4">
+          <a:blip r:embed="rId3">
             <a:alphaModFix/>
           </a:blip>
           <a:stretch>
@@ -10254,7 +10804,7 @@
         </p:blipFill>
         <p:spPr>
           <a:xfrm>
-            <a:off x="388800" y="395625"/>
+            <a:off x="691816" y="307796"/>
             <a:ext cx="6072500" cy="1797800"/>
           </a:xfrm>
           <a:prstGeom prst="rect">
@@ -10273,7 +10823,7 @@
           <p:nvPr/>
         </p:nvPicPr>
         <p:blipFill>
-          <a:blip r:embed="rId5">
+          <a:blip r:embed="rId4">
             <a:alphaModFix/>
           </a:blip>
           <a:stretch>
@@ -10301,7 +10851,7 @@
           <p:nvPr/>
         </p:nvPicPr>
         <p:blipFill>
-          <a:blip r:embed="rId6">
+          <a:blip r:embed="rId5">
             <a:alphaModFix/>
           </a:blip>
           <a:stretch>
@@ -10330,8 +10880,8 @@
         </p:nvSpPr>
         <p:spPr>
           <a:xfrm>
-            <a:off x="388800" y="14533650"/>
-            <a:ext cx="10050600" cy="2765346"/>
+            <a:off x="477386" y="17496749"/>
+            <a:ext cx="8979402" cy="2765346"/>
           </a:xfrm>
           <a:prstGeom prst="rect">
             <a:avLst/>
@@ -10364,24 +10914,38 @@
               <a:buNone/>
             </a:pPr>
             <a:r>
-              <a:rPr lang="en-US" sz="2200" dirty="0">
+              <a:rPr lang="en-US" sz="2800" b="1" dirty="0">
                 <a:solidFill>
                   <a:schemeClr val="lt2"/>
                 </a:solidFill>
-                <a:latin typeface="Old Standard TT"/>
+                <a:latin typeface="Helvetica" panose="020B0604020202020204" pitchFamily="34" charset="0"/>
                 <a:ea typeface="Old Standard TT"/>
-                <a:cs typeface="Old Standard TT"/>
+                <a:cs typeface="Helvetica" panose="020B0604020202020204" pitchFamily="34" charset="0"/>
                 <a:sym typeface="Old Standard TT"/>
               </a:rPr>
-              <a:t>Key strength</a:t>
+              <a:t>Key strengths:</a:t>
             </a:r>
-            <a:endParaRPr sz="2200" dirty="0">
+          </a:p>
+          <a:p>
+            <a:pPr marL="0" lvl="0" indent="0" algn="l" rtl="0">
+              <a:lnSpc>
+                <a:spcPct val="115000"/>
+              </a:lnSpc>
+              <a:spcBef>
+                <a:spcPts val="0"/>
+              </a:spcBef>
+              <a:spcAft>
+                <a:spcPts val="0"/>
+              </a:spcAft>
+              <a:buNone/>
+            </a:pPr>
+            <a:endParaRPr sz="2800" dirty="0">
               <a:solidFill>
                 <a:schemeClr val="lt2"/>
               </a:solidFill>
-              <a:latin typeface="Old Standard TT"/>
+              <a:latin typeface="Helvetica" panose="020B0604020202020204" pitchFamily="34" charset="0"/>
               <a:ea typeface="Old Standard TT"/>
-              <a:cs typeface="Old Standard TT"/>
+              <a:cs typeface="Helvetica" panose="020B0604020202020204" pitchFamily="34" charset="0"/>
               <a:sym typeface="Old Standard TT"/>
             </a:endParaRPr>
           </a:p>
@@ -10404,28 +10968,16 @@
               <a:buChar char="●"/>
             </a:pPr>
             <a:r>
-              <a:rPr lang="zh-CN" sz="2200" dirty="0">
-                <a:solidFill>
-                  <a:schemeClr val="lt2"/>
-                </a:solidFill>
-                <a:latin typeface="Old Standard TT"/>
+              <a:rPr lang="en-US" altLang="zh-CN" sz="2300" dirty="0">
+                <a:solidFill>
+                  <a:schemeClr val="tx1"/>
+                </a:solidFill>
+                <a:latin typeface="Helvetica" panose="020B0604020202020204" pitchFamily="34" charset="0"/>
                 <a:ea typeface="Old Standard TT"/>
-                <a:cs typeface="Old Standard TT"/>
+                <a:cs typeface="Helvetica" panose="020B0604020202020204" pitchFamily="34" charset="0"/>
                 <a:sym typeface="Old Standard TT"/>
               </a:rPr>
-              <a:t>Prior to modeling, the signals from MS are sorted, and aligned</a:t>
-            </a:r>
-            <a:r>
-              <a:rPr lang="en-US" altLang="zh-CN" sz="2200" dirty="0">
-                <a:solidFill>
-                  <a:schemeClr val="lt2"/>
-                </a:solidFill>
-                <a:latin typeface="Old Standard TT"/>
-                <a:ea typeface="Old Standard TT"/>
-                <a:cs typeface="Old Standard TT"/>
-                <a:sym typeface="Old Standard TT"/>
-              </a:rPr>
-              <a:t> for data cleaning and clustering</a:t>
+              <a:t>Prior to modeling, the signals from MS are sorted, and aligned for data cleaning and clustering</a:t>
             </a:r>
           </a:p>
           <a:p>
@@ -10447,48 +10999,24 @@
               <a:buChar char="●"/>
             </a:pPr>
             <a:r>
-              <a:rPr lang="zh-CN" sz="2200" dirty="0">
-                <a:solidFill>
-                  <a:schemeClr val="lt2"/>
-                </a:solidFill>
-                <a:latin typeface="Old Standard TT"/>
+              <a:rPr lang="en-US" altLang="zh-CN" sz="2300" dirty="0">
+                <a:solidFill>
+                  <a:schemeClr val="tx1"/>
+                </a:solidFill>
+                <a:latin typeface="Helvetica" panose="020B0604020202020204" pitchFamily="34" charset="0"/>
                 <a:ea typeface="Old Standard TT"/>
-                <a:cs typeface="Old Standard TT"/>
+                <a:cs typeface="Helvetica" panose="020B0604020202020204" pitchFamily="34" charset="0"/>
                 <a:sym typeface="Old Standard TT"/>
               </a:rPr>
-              <a:t>Using </a:t>
+              <a:t>Using the clustered data, models can be created to accomplish the goal of source and dilution tracking</a:t>
             </a:r>
-            <a:r>
-              <a:rPr lang="en-US" altLang="zh-CN" sz="2200" dirty="0">
-                <a:solidFill>
-                  <a:schemeClr val="lt2"/>
-                </a:solidFill>
-                <a:latin typeface="Old Standard TT"/>
-                <a:ea typeface="Old Standard TT"/>
-                <a:cs typeface="Old Standard TT"/>
-                <a:sym typeface="Old Standard TT"/>
-              </a:rPr>
-              <a:t>the clustered data, </a:t>
-            </a:r>
-            <a:r>
-              <a:rPr lang="zh-CN" sz="2200" dirty="0">
-                <a:solidFill>
-                  <a:schemeClr val="lt2"/>
-                </a:solidFill>
-                <a:latin typeface="Old Standard TT"/>
-                <a:ea typeface="Old Standard TT"/>
-                <a:cs typeface="Old Standard TT"/>
-                <a:sym typeface="Old Standard TT"/>
-              </a:rPr>
-              <a:t>models can be created to accomplish the goal of source and dilution tracking</a:t>
-            </a:r>
-            <a:endParaRPr sz="2200" dirty="0">
+            <a:endParaRPr lang="en-US" sz="2300" dirty="0">
               <a:solidFill>
-                <a:schemeClr val="lt2"/>
+                <a:schemeClr val="tx1"/>
               </a:solidFill>
-              <a:latin typeface="Old Standard TT"/>
+              <a:latin typeface="Helvetica" panose="020B0604020202020204" pitchFamily="34" charset="0"/>
               <a:ea typeface="Old Standard TT"/>
-              <a:cs typeface="Old Standard TT"/>
+              <a:cs typeface="Helvetica" panose="020B0604020202020204" pitchFamily="34" charset="0"/>
               <a:sym typeface="Old Standard TT"/>
             </a:endParaRPr>
           </a:p>
@@ -10511,60 +11039,24 @@
               <a:buChar char="●"/>
             </a:pPr>
             <a:r>
-              <a:rPr lang="zh-CN" sz="2200" dirty="0">
-                <a:solidFill>
-                  <a:schemeClr val="lt2"/>
-                </a:solidFill>
-                <a:latin typeface="Old Standard TT"/>
+              <a:rPr lang="en-US" altLang="zh-CN" sz="2300" dirty="0">
+                <a:solidFill>
+                  <a:schemeClr val="tx1"/>
+                </a:solidFill>
+                <a:latin typeface="Helvetica" panose="020B0604020202020204" pitchFamily="34" charset="0"/>
                 <a:ea typeface="Old Standard TT"/>
-                <a:cs typeface="Old Standard TT"/>
+                <a:cs typeface="Helvetica" panose="020B0604020202020204" pitchFamily="34" charset="0"/>
                 <a:sym typeface="Old Standard TT"/>
               </a:rPr>
-              <a:t>Users have </a:t>
+              <a:t>Users have flexible options through out the whole workflow</a:t>
             </a:r>
-            <a:r>
-              <a:rPr lang="en-US" altLang="zh-CN" sz="2200" dirty="0">
-                <a:solidFill>
-                  <a:schemeClr val="lt2"/>
-                </a:solidFill>
-                <a:latin typeface="Old Standard TT"/>
-                <a:ea typeface="Old Standard TT"/>
-                <a:cs typeface="Old Standard TT"/>
-                <a:sym typeface="Old Standard TT"/>
-              </a:rPr>
-              <a:t>flexible</a:t>
-            </a:r>
-            <a:r>
-              <a:rPr lang="zh-CN" sz="2200" dirty="0">
-                <a:solidFill>
-                  <a:schemeClr val="lt2"/>
-                </a:solidFill>
-                <a:latin typeface="Old Standard TT"/>
-                <a:ea typeface="Old Standard TT"/>
-                <a:cs typeface="Old Standard TT"/>
-                <a:sym typeface="Old Standard TT"/>
-              </a:rPr>
-              <a:t> </a:t>
-            </a:r>
-            <a:r>
-              <a:rPr lang="en-US" altLang="zh-CN" sz="2200" dirty="0">
-                <a:solidFill>
-                  <a:schemeClr val="lt2"/>
-                </a:solidFill>
-                <a:latin typeface="Old Standard TT"/>
-                <a:ea typeface="Old Standard TT"/>
-                <a:cs typeface="Old Standard TT"/>
-                <a:sym typeface="Old Standard TT"/>
-              </a:rPr>
-              <a:t>options through out the whole workflow</a:t>
-            </a:r>
-            <a:endParaRPr sz="2200" dirty="0">
+            <a:endParaRPr lang="en-US" sz="2300" dirty="0">
               <a:solidFill>
-                <a:schemeClr val="lt2"/>
+                <a:schemeClr val="tx1"/>
               </a:solidFill>
-              <a:latin typeface="Old Standard TT"/>
+              <a:latin typeface="Helvetica" panose="020B0604020202020204" pitchFamily="34" charset="0"/>
               <a:ea typeface="Old Standard TT"/>
-              <a:cs typeface="Old Standard TT"/>
+              <a:cs typeface="Helvetica" panose="020B0604020202020204" pitchFamily="34" charset="0"/>
               <a:sym typeface="Old Standard TT"/>
             </a:endParaRPr>
           </a:p>
@@ -10587,66 +11079,24 @@
               <a:buChar char="●"/>
             </a:pPr>
             <a:r>
-              <a:rPr lang="en-US" altLang="zh-CN" sz="2200" dirty="0">
-                <a:solidFill>
-                  <a:schemeClr val="lt2"/>
-                </a:solidFill>
-                <a:latin typeface="Old Standard TT"/>
+              <a:rPr lang="en-US" altLang="zh-CN" sz="2300" dirty="0">
+                <a:solidFill>
+                  <a:schemeClr val="tx1"/>
+                </a:solidFill>
+                <a:latin typeface="Helvetica" panose="020B0604020202020204" pitchFamily="34" charset="0"/>
                 <a:ea typeface="Old Standard TT"/>
-                <a:cs typeface="Old Standard TT"/>
+                <a:cs typeface="Helvetica" panose="020B0604020202020204" pitchFamily="34" charset="0"/>
                 <a:sym typeface="Old Standard TT"/>
               </a:rPr>
-              <a:t>Most of the analysis functions </a:t>
+              <a:t>Most of the analysis functions equipped with a result report for validation</a:t>
             </a:r>
-            <a:r>
-              <a:rPr lang="zh-CN" sz="2200" dirty="0">
-                <a:solidFill>
-                  <a:schemeClr val="lt2"/>
-                </a:solidFill>
-                <a:latin typeface="Old Standard TT"/>
-                <a:ea typeface="Old Standard TT"/>
-                <a:cs typeface="Old Standard TT"/>
-                <a:sym typeface="Old Standard TT"/>
-              </a:rPr>
-              <a:t>equipped with a </a:t>
-            </a:r>
-            <a:r>
-              <a:rPr lang="en-US" altLang="zh-CN" sz="2200" dirty="0">
-                <a:solidFill>
-                  <a:schemeClr val="lt2"/>
-                </a:solidFill>
-                <a:latin typeface="Old Standard TT"/>
-                <a:ea typeface="Old Standard TT"/>
-                <a:cs typeface="Old Standard TT"/>
-                <a:sym typeface="Old Standard TT"/>
-              </a:rPr>
-              <a:t>result </a:t>
-            </a:r>
-            <a:r>
-              <a:rPr lang="zh-CN" sz="2200" dirty="0">
-                <a:solidFill>
-                  <a:schemeClr val="lt2"/>
-                </a:solidFill>
-                <a:latin typeface="Old Standard TT"/>
-                <a:ea typeface="Old Standard TT"/>
-                <a:cs typeface="Old Standard TT"/>
-                <a:sym typeface="Old Standard TT"/>
-              </a:rPr>
-              <a:t>report</a:t>
-            </a:r>
-            <a:r>
-              <a:rPr lang="en-US" altLang="zh-CN" sz="2200" dirty="0">
-                <a:solidFill>
-                  <a:schemeClr val="lt2"/>
-                </a:solidFill>
-                <a:latin typeface="Old Standard TT"/>
-                <a:ea typeface="Old Standard TT"/>
-                <a:cs typeface="Old Standard TT"/>
-                <a:sym typeface="Old Standard TT"/>
-              </a:rPr>
-              <a:t> for validation</a:t>
-            </a:r>
-            <a:endParaRPr sz="700" dirty="0"/>
+            <a:endParaRPr lang="en-US" sz="2300" dirty="0">
+              <a:solidFill>
+                <a:schemeClr val="tx1"/>
+              </a:solidFill>
+              <a:latin typeface="Helvetica" panose="020B0604020202020204" pitchFamily="34" charset="0"/>
+              <a:cs typeface="Helvetica" panose="020B0604020202020204" pitchFamily="34" charset="0"/>
+            </a:endParaRPr>
           </a:p>
         </p:txBody>
       </p:sp>
@@ -10658,8 +11108,8 @@
         </p:nvSpPr>
         <p:spPr>
           <a:xfrm>
-            <a:off x="10872299" y="7431315"/>
-            <a:ext cx="10544901" cy="5472058"/>
+            <a:off x="9465025" y="11236000"/>
+            <a:ext cx="13375925" cy="4404802"/>
           </a:xfrm>
           <a:prstGeom prst="rect">
             <a:avLst/>
@@ -10669,7 +11119,7 @@
           </a:solidFill>
           <a:ln w="9525" cap="flat" cmpd="sng">
             <a:solidFill>
-              <a:schemeClr val="tx1"/>
+              <a:schemeClr val="tx2"/>
             </a:solidFill>
             <a:prstDash val="solid"/>
             <a:round/>
@@ -10692,7 +11142,10 @@
               </a:spcAft>
               <a:buNone/>
             </a:pPr>
-            <a:endParaRPr/>
+            <a:endParaRPr>
+              <a:latin typeface="Helvetica" panose="020B0604020202020204" pitchFamily="34" charset="0"/>
+              <a:cs typeface="Helvetica" panose="020B0604020202020204" pitchFamily="34" charset="0"/>
+            </a:endParaRPr>
           </a:p>
         </p:txBody>
       </p:sp>
@@ -10704,8 +11157,8 @@
         </p:nvSpPr>
         <p:spPr>
           <a:xfrm>
-            <a:off x="21522300" y="7431314"/>
-            <a:ext cx="11189150" cy="8108686"/>
+            <a:off x="22931144" y="6259766"/>
+            <a:ext cx="9730878" cy="8501970"/>
           </a:xfrm>
           <a:prstGeom prst="rect">
             <a:avLst/>
@@ -10715,7 +11168,7 @@
           </a:solidFill>
           <a:ln w="9525" cap="flat" cmpd="sng">
             <a:solidFill>
-              <a:schemeClr val="tx1"/>
+              <a:schemeClr val="tx2"/>
             </a:solidFill>
             <a:prstDash val="solid"/>
             <a:round/>
@@ -10738,7 +11191,10 @@
               </a:spcAft>
               <a:buNone/>
             </a:pPr>
-            <a:endParaRPr/>
+            <a:endParaRPr>
+              <a:latin typeface="Helvetica" panose="020B0604020202020204" pitchFamily="34" charset="0"/>
+              <a:cs typeface="Helvetica" panose="020B0604020202020204" pitchFamily="34" charset="0"/>
+            </a:endParaRPr>
           </a:p>
         </p:txBody>
       </p:sp>
@@ -10750,8 +11206,8 @@
         </p:nvSpPr>
         <p:spPr>
           <a:xfrm>
-            <a:off x="21522300" y="7431314"/>
-            <a:ext cx="10806600" cy="2624561"/>
+            <a:off x="23032995" y="6334022"/>
+            <a:ext cx="9629026" cy="3796109"/>
           </a:xfrm>
           <a:prstGeom prst="rect">
             <a:avLst/>
@@ -10777,18 +11233,24 @@
               <a:buNone/>
             </a:pPr>
             <a:r>
-              <a:rPr lang="zh-CN" sz="4300">
-                <a:latin typeface="Old Standard TT"/>
+              <a:rPr lang="zh-CN" sz="4300" dirty="0">
+                <a:solidFill>
+                  <a:schemeClr val="tx1"/>
+                </a:solidFill>
+                <a:latin typeface="Helvetica" panose="020B0604020202020204" pitchFamily="34" charset="0"/>
                 <a:ea typeface="Old Standard TT"/>
-                <a:cs typeface="Old Standard TT"/>
+                <a:cs typeface="Helvetica" panose="020B0604020202020204" pitchFamily="34" charset="0"/>
                 <a:sym typeface="Old Standard TT"/>
               </a:rPr>
               <a:t>Mass-Suite Features and Advantages:</a:t>
             </a:r>
-            <a:endParaRPr sz="4300">
-              <a:latin typeface="Old Standard TT"/>
+            <a:endParaRPr sz="4300" dirty="0">
+              <a:solidFill>
+                <a:schemeClr val="tx1"/>
+              </a:solidFill>
+              <a:latin typeface="Helvetica" panose="020B0604020202020204" pitchFamily="34" charset="0"/>
               <a:ea typeface="Old Standard TT"/>
-              <a:cs typeface="Old Standard TT"/>
+              <a:cs typeface="Helvetica" panose="020B0604020202020204" pitchFamily="34" charset="0"/>
               <a:sym typeface="Old Standard TT"/>
             </a:endParaRPr>
           </a:p>
@@ -10802,8 +11264,8 @@
         </p:nvSpPr>
         <p:spPr>
           <a:xfrm>
-            <a:off x="21522300" y="15724272"/>
-            <a:ext cx="11189150" cy="2967503"/>
+            <a:off x="22931144" y="14837689"/>
+            <a:ext cx="9730877" cy="3882662"/>
           </a:xfrm>
           <a:prstGeom prst="rect">
             <a:avLst/>
@@ -10813,7 +11275,7 @@
           </a:solidFill>
           <a:ln w="9525" cap="flat" cmpd="sng">
             <a:solidFill>
-              <a:schemeClr val="tx1"/>
+              <a:schemeClr val="tx2"/>
             </a:solidFill>
             <a:prstDash val="solid"/>
             <a:round/>
@@ -10836,7 +11298,10 @@
               </a:spcAft>
               <a:buNone/>
             </a:pPr>
-            <a:endParaRPr/>
+            <a:endParaRPr>
+              <a:latin typeface="Helvetica" panose="020B0604020202020204" pitchFamily="34" charset="0"/>
+              <a:cs typeface="Helvetica" panose="020B0604020202020204" pitchFamily="34" charset="0"/>
+            </a:endParaRPr>
           </a:p>
         </p:txBody>
       </p:sp>
@@ -10848,8 +11313,8 @@
         </p:nvSpPr>
         <p:spPr>
           <a:xfrm>
-            <a:off x="21720650" y="15899963"/>
-            <a:ext cx="5832000" cy="2461800"/>
+            <a:off x="23034284" y="14922827"/>
+            <a:ext cx="8057947" cy="2461800"/>
           </a:xfrm>
           <a:prstGeom prst="rect">
             <a:avLst/>
@@ -10876,17 +11341,47 @@
             </a:pPr>
             <a:r>
               <a:rPr lang="zh-CN" sz="4300" dirty="0">
-                <a:latin typeface="Old Standard TT"/>
+                <a:solidFill>
+                  <a:schemeClr val="tx1"/>
+                </a:solidFill>
+                <a:latin typeface="Helvetica" panose="020B0604020202020204" pitchFamily="34" charset="0"/>
                 <a:ea typeface="Old Standard TT"/>
-                <a:cs typeface="Old Standard TT"/>
+                <a:cs typeface="Helvetica" panose="020B0604020202020204" pitchFamily="34" charset="0"/>
                 <a:sym typeface="Old Standard TT"/>
               </a:rPr>
-              <a:t>Future Dev:</a:t>
+              <a:t>Future Dev</a:t>
+            </a:r>
+            <a:r>
+              <a:rPr lang="en-US" altLang="zh-CN" sz="4300" dirty="0" err="1">
+                <a:solidFill>
+                  <a:schemeClr val="tx1"/>
+                </a:solidFill>
+                <a:latin typeface="Helvetica" panose="020B0604020202020204" pitchFamily="34" charset="0"/>
+                <a:ea typeface="Old Standard TT"/>
+                <a:cs typeface="Helvetica" panose="020B0604020202020204" pitchFamily="34" charset="0"/>
+                <a:sym typeface="Old Standard TT"/>
+              </a:rPr>
+              <a:t>elopments</a:t>
+            </a:r>
+            <a:r>
+              <a:rPr lang="zh-CN" sz="4300" dirty="0">
+                <a:solidFill>
+                  <a:schemeClr val="tx1"/>
+                </a:solidFill>
+                <a:latin typeface="Helvetica" panose="020B0604020202020204" pitchFamily="34" charset="0"/>
+                <a:ea typeface="Old Standard TT"/>
+                <a:cs typeface="Helvetica" panose="020B0604020202020204" pitchFamily="34" charset="0"/>
+                <a:sym typeface="Old Standard TT"/>
+              </a:rPr>
+              <a:t>:</a:t>
             </a:r>
             <a:endParaRPr sz="4300" dirty="0">
-              <a:latin typeface="Old Standard TT"/>
+              <a:solidFill>
+                <a:schemeClr val="tx1"/>
+              </a:solidFill>
+              <a:latin typeface="Helvetica" panose="020B0604020202020204" pitchFamily="34" charset="0"/>
               <a:ea typeface="Old Standard TT"/>
-              <a:cs typeface="Old Standard TT"/>
+              <a:cs typeface="Helvetica" panose="020B0604020202020204" pitchFamily="34" charset="0"/>
               <a:sym typeface="Old Standard TT"/>
             </a:endParaRPr>
           </a:p>
@@ -10900,8 +11395,250 @@
         </p:nvSpPr>
         <p:spPr>
           <a:xfrm>
-            <a:off x="27112686" y="18796304"/>
+            <a:off x="27063258" y="18796304"/>
             <a:ext cx="5598764" cy="2931582"/>
+          </a:xfrm>
+          <a:prstGeom prst="rect">
+            <a:avLst/>
+          </a:prstGeom>
+          <a:noFill/>
+          <a:ln>
+            <a:solidFill>
+              <a:schemeClr val="tx2"/>
+            </a:solidFill>
+          </a:ln>
+        </p:spPr>
+        <p:txBody>
+          <a:bodyPr spcFirstLastPara="1" wrap="square" lIns="91425" tIns="91425" rIns="91425" bIns="91425" anchor="t" anchorCtr="0">
+            <a:noAutofit/>
+          </a:bodyPr>
+          <a:lstStyle/>
+          <a:p>
+            <a:pPr marL="0" lvl="0" indent="0" algn="l" rtl="0">
+              <a:spcBef>
+                <a:spcPts val="0"/>
+              </a:spcBef>
+              <a:spcAft>
+                <a:spcPts val="0"/>
+              </a:spcAft>
+              <a:buNone/>
+            </a:pPr>
+            <a:r>
+              <a:rPr lang="zh-CN" sz="2000" dirty="0">
+                <a:solidFill>
+                  <a:schemeClr val="tx2"/>
+                </a:solidFill>
+                <a:latin typeface="Helvetica" panose="020B0604020202020204" pitchFamily="34" charset="0"/>
+                <a:ea typeface="Old Standard TT"/>
+                <a:cs typeface="Helvetica" panose="020B0604020202020204" pitchFamily="34" charset="0"/>
+                <a:sym typeface="Old Standard TT"/>
+              </a:rPr>
+              <a:t>Acknowledgements: </a:t>
+            </a:r>
+            <a:endParaRPr sz="2000" dirty="0">
+              <a:solidFill>
+                <a:schemeClr val="tx2"/>
+              </a:solidFill>
+              <a:latin typeface="Helvetica" panose="020B0604020202020204" pitchFamily="34" charset="0"/>
+              <a:ea typeface="Old Standard TT"/>
+              <a:cs typeface="Helvetica" panose="020B0604020202020204" pitchFamily="34" charset="0"/>
+              <a:sym typeface="Old Standard TT"/>
+            </a:endParaRPr>
+          </a:p>
+          <a:p>
+            <a:pPr lvl="0"/>
+            <a:r>
+              <a:rPr lang="en-US" altLang="zh-CN" sz="1600" dirty="0">
+                <a:solidFill>
+                  <a:schemeClr val="tx1"/>
+                </a:solidFill>
+                <a:latin typeface="Helvetica" panose="020B0604020202020204" pitchFamily="34" charset="0"/>
+                <a:ea typeface="Old Standard TT"/>
+                <a:cs typeface="Helvetica" panose="020B0604020202020204" pitchFamily="34" charset="0"/>
+                <a:sym typeface="Old Standard TT"/>
+              </a:rPr>
+              <a:t>A big shout to Professor Edward </a:t>
+            </a:r>
+            <a:r>
+              <a:rPr lang="en-US" altLang="zh-CN" sz="1600" dirty="0" err="1">
+                <a:solidFill>
+                  <a:schemeClr val="tx1"/>
+                </a:solidFill>
+                <a:latin typeface="Helvetica" panose="020B0604020202020204" pitchFamily="34" charset="0"/>
+                <a:ea typeface="Old Standard TT"/>
+                <a:cs typeface="Helvetica" panose="020B0604020202020204" pitchFamily="34" charset="0"/>
+                <a:sym typeface="Old Standard TT"/>
+              </a:rPr>
+              <a:t>Kolodziej</a:t>
+            </a:r>
+            <a:r>
+              <a:rPr lang="en-US" altLang="zh-CN" sz="1600" dirty="0">
+                <a:solidFill>
+                  <a:schemeClr val="tx1"/>
+                </a:solidFill>
+                <a:latin typeface="Helvetica" panose="020B0604020202020204" pitchFamily="34" charset="0"/>
+                <a:ea typeface="Old Standard TT"/>
+                <a:cs typeface="Helvetica" panose="020B0604020202020204" pitchFamily="34" charset="0"/>
+                <a:sym typeface="Old Standard TT"/>
+              </a:rPr>
+              <a:t>, Professor David Beck, Katherine Peter, and the Center of Urban Water for all their help during the development of this package.</a:t>
+            </a:r>
+          </a:p>
+          <a:p>
+            <a:endParaRPr lang="en-US" altLang="zh-CN" sz="1600" b="1" dirty="0">
+              <a:solidFill>
+                <a:schemeClr val="tx1"/>
+              </a:solidFill>
+              <a:latin typeface="Helvetica" panose="020B0604020202020204" pitchFamily="34" charset="0"/>
+              <a:cs typeface="Helvetica" panose="020B0604020202020204" pitchFamily="34" charset="0"/>
+            </a:endParaRPr>
+          </a:p>
+          <a:p>
+            <a:r>
+              <a:rPr lang="en-US" altLang="zh-CN" sz="1600" b="1" dirty="0">
+                <a:solidFill>
+                  <a:schemeClr val="tx2"/>
+                </a:solidFill>
+                <a:latin typeface="Helvetica" panose="020B0604020202020204" pitchFamily="34" charset="0"/>
+                <a:cs typeface="Helvetica" panose="020B0604020202020204" pitchFamily="34" charset="0"/>
+              </a:rPr>
+              <a:t>Data Reference: </a:t>
+            </a:r>
+            <a:r>
+              <a:rPr lang="en-US" altLang="zh-CN" sz="1600" dirty="0">
+                <a:solidFill>
+                  <a:schemeClr val="tx1"/>
+                </a:solidFill>
+                <a:latin typeface="Helvetica" panose="020B0604020202020204" pitchFamily="34" charset="0"/>
+                <a:cs typeface="Helvetica" panose="020B0604020202020204" pitchFamily="34" charset="0"/>
+              </a:rPr>
+              <a:t>Application of Nontarget High Resolution Mass Spectrometry Data to Quantitative Source Apportionment, Katherine T. Peter, Christopher Wu, </a:t>
+            </a:r>
+            <a:r>
+              <a:rPr lang="en-US" altLang="zh-CN" sz="1600" dirty="0" err="1">
+                <a:solidFill>
+                  <a:schemeClr val="tx1"/>
+                </a:solidFill>
+                <a:latin typeface="Helvetica" panose="020B0604020202020204" pitchFamily="34" charset="0"/>
+                <a:cs typeface="Helvetica" panose="020B0604020202020204" pitchFamily="34" charset="0"/>
+              </a:rPr>
+              <a:t>Zhenyu</a:t>
+            </a:r>
+            <a:r>
+              <a:rPr lang="en-US" altLang="zh-CN" sz="1600" dirty="0">
+                <a:solidFill>
+                  <a:schemeClr val="tx1"/>
+                </a:solidFill>
+                <a:latin typeface="Helvetica" panose="020B0604020202020204" pitchFamily="34" charset="0"/>
+                <a:cs typeface="Helvetica" panose="020B0604020202020204" pitchFamily="34" charset="0"/>
+              </a:rPr>
+              <a:t> Tian, and Edward P. </a:t>
+            </a:r>
+            <a:r>
+              <a:rPr lang="en-US" altLang="zh-CN" sz="1600" dirty="0" err="1">
+                <a:solidFill>
+                  <a:schemeClr val="tx1"/>
+                </a:solidFill>
+                <a:latin typeface="Helvetica" panose="020B0604020202020204" pitchFamily="34" charset="0"/>
+                <a:cs typeface="Helvetica" panose="020B0604020202020204" pitchFamily="34" charset="0"/>
+              </a:rPr>
+              <a:t>Kolodziej</a:t>
+            </a:r>
+            <a:r>
+              <a:rPr lang="en-US" altLang="zh-CN" sz="1600" dirty="0">
+                <a:solidFill>
+                  <a:schemeClr val="tx1"/>
+                </a:solidFill>
+                <a:latin typeface="Helvetica" panose="020B0604020202020204" pitchFamily="34" charset="0"/>
+                <a:cs typeface="Helvetica" panose="020B0604020202020204" pitchFamily="34" charset="0"/>
+              </a:rPr>
+              <a:t>, </a:t>
+            </a:r>
+            <a:r>
+              <a:rPr lang="en-US" altLang="zh-CN" sz="1600" i="1" dirty="0">
+                <a:solidFill>
+                  <a:schemeClr val="tx1"/>
+                </a:solidFill>
+                <a:latin typeface="Helvetica" panose="020B0604020202020204" pitchFamily="34" charset="0"/>
+                <a:cs typeface="Helvetica" panose="020B0604020202020204" pitchFamily="34" charset="0"/>
+              </a:rPr>
+              <a:t>Environmental Science &amp; Technology</a:t>
+            </a:r>
+            <a:r>
+              <a:rPr lang="en-US" altLang="zh-CN" sz="1600" dirty="0">
+                <a:solidFill>
+                  <a:schemeClr val="tx1"/>
+                </a:solidFill>
+                <a:latin typeface="Helvetica" panose="020B0604020202020204" pitchFamily="34" charset="0"/>
+                <a:cs typeface="Helvetica" panose="020B0604020202020204" pitchFamily="34" charset="0"/>
+              </a:rPr>
+              <a:t> </a:t>
+            </a:r>
+            <a:r>
+              <a:rPr lang="en-US" altLang="zh-CN" sz="1600" b="1" dirty="0">
+                <a:solidFill>
+                  <a:schemeClr val="tx1"/>
+                </a:solidFill>
+                <a:latin typeface="Helvetica" panose="020B0604020202020204" pitchFamily="34" charset="0"/>
+                <a:cs typeface="Helvetica" panose="020B0604020202020204" pitchFamily="34" charset="0"/>
+              </a:rPr>
+              <a:t>2019</a:t>
+            </a:r>
+            <a:r>
+              <a:rPr lang="en-US" altLang="zh-CN" sz="1600" dirty="0">
+                <a:solidFill>
+                  <a:schemeClr val="tx1"/>
+                </a:solidFill>
+                <a:latin typeface="Helvetica" panose="020B0604020202020204" pitchFamily="34" charset="0"/>
+                <a:cs typeface="Helvetica" panose="020B0604020202020204" pitchFamily="34" charset="0"/>
+              </a:rPr>
+              <a:t> </a:t>
+            </a:r>
+            <a:r>
+              <a:rPr lang="en-US" altLang="zh-CN" sz="1600" i="1" dirty="0">
+                <a:solidFill>
+                  <a:schemeClr val="tx1"/>
+                </a:solidFill>
+                <a:latin typeface="Helvetica" panose="020B0604020202020204" pitchFamily="34" charset="0"/>
+                <a:cs typeface="Helvetica" panose="020B0604020202020204" pitchFamily="34" charset="0"/>
+              </a:rPr>
+              <a:t>53</a:t>
+            </a:r>
+            <a:r>
+              <a:rPr lang="en-US" altLang="zh-CN" sz="1600" dirty="0">
+                <a:solidFill>
+                  <a:schemeClr val="tx1"/>
+                </a:solidFill>
+                <a:latin typeface="Helvetica" panose="020B0604020202020204" pitchFamily="34" charset="0"/>
+                <a:cs typeface="Helvetica" panose="020B0604020202020204" pitchFamily="34" charset="0"/>
+              </a:rPr>
+              <a:t> (21), 12257-12268, DOI: 10.1021/acs.est.9b04481</a:t>
+            </a:r>
+          </a:p>
+          <a:p>
+            <a:pPr lvl="0"/>
+            <a:endParaRPr lang="en-US" altLang="zh-CN" sz="1600" dirty="0">
+              <a:solidFill>
+                <a:schemeClr val="lt2"/>
+              </a:solidFill>
+              <a:latin typeface="Helvetica" panose="020B0604020202020204" pitchFamily="34" charset="0"/>
+              <a:ea typeface="Old Standard TT"/>
+              <a:cs typeface="Helvetica" panose="020B0604020202020204" pitchFamily="34" charset="0"/>
+              <a:sym typeface="Old Standard TT"/>
+            </a:endParaRPr>
+          </a:p>
+        </p:txBody>
+      </p:sp>
+      <p:sp>
+        <p:nvSpPr>
+          <p:cNvPr id="95" name="Google Shape;95;p14"/>
+          <p:cNvSpPr txBox="1"/>
+          <p:nvPr/>
+        </p:nvSpPr>
+        <p:spPr>
+          <a:xfrm>
+            <a:off x="23032995" y="18811146"/>
+            <a:ext cx="3773885" cy="2517234"/>
           </a:xfrm>
           <a:prstGeom prst="rect">
             <a:avLst/>
@@ -10927,183 +11664,24 @@
               <a:buNone/>
             </a:pPr>
             <a:r>
-              <a:rPr lang="zh-CN" sz="2400" dirty="0">
-                <a:latin typeface="Old Standard TT"/>
+              <a:rPr lang="zh-CN" sz="2800" dirty="0">
+                <a:solidFill>
+                  <a:schemeClr val="tx1"/>
+                </a:solidFill>
+                <a:latin typeface="Helvetica" panose="020B0604020202020204" pitchFamily="34" charset="0"/>
                 <a:ea typeface="Old Standard TT"/>
-                <a:cs typeface="Old Standard TT"/>
-                <a:sym typeface="Old Standard TT"/>
-              </a:rPr>
-              <a:t>Acknowledgements: </a:t>
-            </a:r>
-            <a:endParaRPr sz="2400" dirty="0">
-              <a:latin typeface="Old Standard TT"/>
-              <a:ea typeface="Old Standard TT"/>
-              <a:cs typeface="Old Standard TT"/>
-              <a:sym typeface="Old Standard TT"/>
-            </a:endParaRPr>
-          </a:p>
-          <a:p>
-            <a:pPr lvl="0"/>
-            <a:r>
-              <a:rPr lang="en-US" altLang="zh-CN" sz="1800" dirty="0">
-                <a:solidFill>
-                  <a:schemeClr val="lt2"/>
-                </a:solidFill>
-                <a:latin typeface="Old Standard TT"/>
-                <a:ea typeface="Old Standard TT"/>
-                <a:cs typeface="Old Standard TT"/>
-                <a:sym typeface="Old Standard TT"/>
-              </a:rPr>
-              <a:t>A big shout to Professor Dave Beck, Professor Edward </a:t>
-            </a:r>
-            <a:r>
-              <a:rPr lang="en-US" altLang="zh-CN" sz="1800" dirty="0" err="1">
-                <a:solidFill>
-                  <a:schemeClr val="lt2"/>
-                </a:solidFill>
-                <a:latin typeface="Old Standard TT"/>
-                <a:ea typeface="Old Standard TT"/>
-                <a:cs typeface="Old Standard TT"/>
-                <a:sym typeface="Old Standard TT"/>
-              </a:rPr>
-              <a:t>Kolodziej</a:t>
-            </a:r>
-            <a:r>
-              <a:rPr lang="en-US" altLang="zh-CN" sz="1800" dirty="0">
-                <a:solidFill>
-                  <a:schemeClr val="lt2"/>
-                </a:solidFill>
-                <a:latin typeface="Old Standard TT"/>
-                <a:ea typeface="Old Standard TT"/>
-                <a:cs typeface="Old Standard TT"/>
-                <a:sym typeface="Old Standard TT"/>
-              </a:rPr>
-              <a:t>, Katherine Peter, and the Center of Urban Water for all their help during the development of this package.</a:t>
-            </a:r>
-          </a:p>
-          <a:p>
-            <a:pPr lvl="0"/>
-            <a:endParaRPr lang="en-US" altLang="zh-CN" sz="1800" dirty="0">
-              <a:solidFill>
-                <a:schemeClr val="lt2"/>
-              </a:solidFill>
-              <a:latin typeface="Old Standard TT"/>
-              <a:ea typeface="Old Standard TT"/>
-              <a:cs typeface="Old Standard TT"/>
-              <a:sym typeface="Old Standard TT"/>
-            </a:endParaRPr>
-          </a:p>
-          <a:p>
-            <a:r>
-              <a:rPr lang="en-US" altLang="zh-CN" b="1" dirty="0"/>
-              <a:t>Data Reference: Application of Nontarget High Resolution Mass Spectrometry Data to Quantitative Source Apportionment, </a:t>
-            </a:r>
-            <a:r>
-              <a:rPr lang="en-US" altLang="zh-CN" dirty="0"/>
-              <a:t>Katherine T. Peter, Christopher Wu, </a:t>
-            </a:r>
-            <a:r>
-              <a:rPr lang="en-US" altLang="zh-CN" dirty="0" err="1"/>
-              <a:t>Zhenyu</a:t>
-            </a:r>
-            <a:r>
-              <a:rPr lang="en-US" altLang="zh-CN" dirty="0"/>
-              <a:t> Tian, and Edward P. </a:t>
-            </a:r>
-            <a:r>
-              <a:rPr lang="en-US" altLang="zh-CN" dirty="0" err="1"/>
-              <a:t>Kolodziej</a:t>
-            </a:r>
-            <a:r>
-              <a:rPr lang="en-US" altLang="zh-CN" dirty="0"/>
-              <a:t>, </a:t>
-            </a:r>
-            <a:r>
-              <a:rPr lang="en-US" altLang="zh-CN" i="1" dirty="0"/>
-              <a:t>Environmental Science &amp; Technology</a:t>
-            </a:r>
-            <a:r>
-              <a:rPr lang="en-US" altLang="zh-CN" dirty="0"/>
-              <a:t> </a:t>
-            </a:r>
-            <a:r>
-              <a:rPr lang="en-US" altLang="zh-CN" b="1" dirty="0"/>
-              <a:t>2019</a:t>
-            </a:r>
-            <a:r>
-              <a:rPr lang="en-US" altLang="zh-CN" dirty="0"/>
-              <a:t> </a:t>
-            </a:r>
-            <a:r>
-              <a:rPr lang="en-US" altLang="zh-CN" i="1" dirty="0"/>
-              <a:t>53</a:t>
-            </a:r>
-            <a:r>
-              <a:rPr lang="en-US" altLang="zh-CN" dirty="0"/>
-              <a:t> (21), 12257-12268, DOI: 10.1021/acs.est.9b04481</a:t>
-            </a:r>
-          </a:p>
-          <a:p>
-            <a:pPr lvl="0"/>
-            <a:endParaRPr lang="en-US" altLang="zh-CN" sz="1800" dirty="0">
-              <a:solidFill>
-                <a:schemeClr val="lt2"/>
-              </a:solidFill>
-              <a:latin typeface="Old Standard TT"/>
-              <a:ea typeface="Old Standard TT"/>
-              <a:cs typeface="Old Standard TT"/>
-              <a:sym typeface="Old Standard TT"/>
-            </a:endParaRPr>
-          </a:p>
-        </p:txBody>
-      </p:sp>
-      <p:sp>
-        <p:nvSpPr>
-          <p:cNvPr id="95" name="Google Shape;95;p14"/>
-          <p:cNvSpPr txBox="1"/>
-          <p:nvPr/>
-        </p:nvSpPr>
-        <p:spPr>
-          <a:xfrm>
-            <a:off x="21522300" y="18811146"/>
-            <a:ext cx="5809353" cy="2862390"/>
-          </a:xfrm>
-          <a:prstGeom prst="rect">
-            <a:avLst/>
-          </a:prstGeom>
-          <a:noFill/>
-          <a:ln>
-            <a:noFill/>
-          </a:ln>
-        </p:spPr>
-        <p:txBody>
-          <a:bodyPr spcFirstLastPara="1" wrap="square" lIns="91425" tIns="91425" rIns="91425" bIns="91425" anchor="t" anchorCtr="0">
-            <a:noAutofit/>
-          </a:bodyPr>
-          <a:lstStyle/>
-          <a:p>
-            <a:pPr marL="0" lvl="0" indent="0" algn="l" rtl="0">
-              <a:spcBef>
-                <a:spcPts val="0"/>
-              </a:spcBef>
-              <a:spcAft>
-                <a:spcPts val="0"/>
-              </a:spcAft>
-              <a:buNone/>
-            </a:pPr>
-            <a:r>
-              <a:rPr lang="zh-CN" sz="2400" dirty="0">
-                <a:latin typeface="Old Standard TT"/>
-                <a:ea typeface="Old Standard TT"/>
-                <a:cs typeface="Old Standard TT"/>
+                <a:cs typeface="Helvetica" panose="020B0604020202020204" pitchFamily="34" charset="0"/>
                 <a:sym typeface="Old Standard TT"/>
               </a:rPr>
               <a:t>Contact Information: </a:t>
             </a:r>
-            <a:endParaRPr sz="2400" dirty="0">
-              <a:latin typeface="Old Standard TT"/>
+            <a:endParaRPr sz="2800" dirty="0">
+              <a:solidFill>
+                <a:schemeClr val="tx1"/>
+              </a:solidFill>
+              <a:latin typeface="Helvetica" panose="020B0604020202020204" pitchFamily="34" charset="0"/>
               <a:ea typeface="Old Standard TT"/>
-              <a:cs typeface="Old Standard TT"/>
+              <a:cs typeface="Helvetica" panose="020B0604020202020204" pitchFamily="34" charset="0"/>
               <a:sym typeface="Old Standard TT"/>
             </a:endParaRPr>
           </a:p>
@@ -11117,74 +11695,13 @@
               </a:spcAft>
               <a:buNone/>
             </a:pPr>
-            <a:r>
-              <a:rPr lang="zh-CN" sz="2400" dirty="0">
-                <a:solidFill>
-                  <a:schemeClr val="lt2"/>
-                </a:solidFill>
-                <a:latin typeface="Old Standard TT"/>
-                <a:ea typeface="Old Standard TT"/>
-                <a:cs typeface="Old Standard TT"/>
-                <a:sym typeface="Old Standard TT"/>
-              </a:rPr>
-              <a:t>github: </a:t>
-            </a:r>
-            <a:r>
-              <a:rPr lang="zh-CN" sz="2400" u="sng" dirty="0">
-                <a:solidFill>
-                  <a:schemeClr val="hlink"/>
-                </a:solidFill>
-                <a:latin typeface="Old Standard TT"/>
-                <a:ea typeface="Old Standard TT"/>
-                <a:cs typeface="Old Standard TT"/>
-                <a:sym typeface="Old Standard TT"/>
-                <a:hlinkClick r:id="rId7"/>
-              </a:rPr>
-              <a:t>https://github.com/XiminHu/mass-suite</a:t>
-            </a:r>
-            <a:r>
-              <a:rPr lang="zh-CN" sz="2400" dirty="0">
-                <a:solidFill>
-                  <a:schemeClr val="dk1"/>
-                </a:solidFill>
-                <a:latin typeface="Old Standard TT"/>
-                <a:ea typeface="Old Standard TT"/>
-                <a:cs typeface="Old Standard TT"/>
-                <a:sym typeface="Old Standard TT"/>
-              </a:rPr>
-              <a:t>  </a:t>
-            </a:r>
-            <a:r>
-              <a:rPr lang="zh-CN" sz="2400" dirty="0">
-                <a:solidFill>
-                  <a:schemeClr val="lt2"/>
-                </a:solidFill>
-                <a:latin typeface="Old Standard TT"/>
-                <a:ea typeface="Old Standard TT"/>
-                <a:cs typeface="Old Standard TT"/>
-                <a:sym typeface="Old Standard TT"/>
-              </a:rPr>
-              <a:t>email:</a:t>
-            </a:r>
-            <a:r>
-              <a:rPr lang="zh-CN" sz="2400" dirty="0">
-                <a:solidFill>
-                  <a:schemeClr val="dk1"/>
-                </a:solidFill>
-                <a:latin typeface="Old Standard TT"/>
-                <a:ea typeface="Old Standard TT"/>
-                <a:cs typeface="Old Standard TT"/>
-                <a:sym typeface="Old Standard TT"/>
-              </a:rPr>
-              <a:t>  </a:t>
-            </a:r>
             <a:endParaRPr lang="en-US" altLang="zh-CN" sz="2400" dirty="0">
               <a:solidFill>
-                <a:schemeClr val="dk1"/>
+                <a:schemeClr val="tx2"/>
               </a:solidFill>
-              <a:latin typeface="Old Standard TT"/>
+              <a:latin typeface="Helvetica" panose="020B0604020202020204" pitchFamily="34" charset="0"/>
               <a:ea typeface="Old Standard TT"/>
-              <a:cs typeface="Old Standard TT"/>
+              <a:cs typeface="Helvetica" panose="020B0604020202020204" pitchFamily="34" charset="0"/>
               <a:sym typeface="Old Standard TT"/>
             </a:endParaRPr>
           </a:p>
@@ -11199,39 +11716,163 @@
               <a:buNone/>
             </a:pPr>
             <a:r>
-              <a:rPr lang="zh-CN" sz="2400" dirty="0">
-                <a:solidFill>
-                  <a:schemeClr val="dk1"/>
-                </a:solidFill>
-                <a:latin typeface="Old Standard TT"/>
+              <a:rPr lang="zh-CN" sz="2300" dirty="0">
+                <a:solidFill>
+                  <a:schemeClr val="tx2"/>
+                </a:solidFill>
+                <a:latin typeface="Helvetica" panose="020B0604020202020204" pitchFamily="34" charset="0"/>
                 <a:ea typeface="Old Standard TT"/>
-                <a:cs typeface="Old Standard TT"/>
+                <a:cs typeface="Helvetica" panose="020B0604020202020204" pitchFamily="34" charset="0"/>
                 <a:sym typeface="Old Standard TT"/>
-                <a:hlinkClick r:id="rId8"/>
+              </a:rPr>
+              <a:t>github: </a:t>
+            </a:r>
+            <a:endParaRPr lang="en-US" altLang="zh-CN" sz="2300" dirty="0">
+              <a:solidFill>
+                <a:schemeClr val="tx2"/>
+              </a:solidFill>
+              <a:latin typeface="Helvetica" panose="020B0604020202020204" pitchFamily="34" charset="0"/>
+              <a:ea typeface="Old Standard TT"/>
+              <a:cs typeface="Helvetica" panose="020B0604020202020204" pitchFamily="34" charset="0"/>
+              <a:sym typeface="Old Standard TT"/>
+            </a:endParaRPr>
+          </a:p>
+          <a:p>
+            <a:pPr marL="0" lvl="0" indent="0" algn="l" rtl="0">
+              <a:spcBef>
+                <a:spcPts val="0"/>
+              </a:spcBef>
+              <a:spcAft>
+                <a:spcPts val="0"/>
+              </a:spcAft>
+              <a:buNone/>
+            </a:pPr>
+            <a:r>
+              <a:rPr lang="zh-CN" sz="2300" u="sng" dirty="0">
+                <a:solidFill>
+                  <a:schemeClr val="tx1"/>
+                </a:solidFill>
+                <a:latin typeface="Helvetica" panose="020B0604020202020204" pitchFamily="34" charset="0"/>
+                <a:ea typeface="Old Standard TT"/>
+                <a:cs typeface="Helvetica" panose="020B0604020202020204" pitchFamily="34" charset="0"/>
+                <a:sym typeface="Old Standard TT"/>
+                <a:hlinkClick r:id="rId6">
+                  <a:extLst>
+                    <a:ext uri="{A12FA001-AC4F-418D-AE19-62706E023703}">
+                      <ahyp:hlinkClr xmlns:ahyp="http://schemas.microsoft.com/office/drawing/2018/hyperlinkcolor" val="tx"/>
+                    </a:ext>
+                  </a:extLst>
+                </a:hlinkClick>
+              </a:rPr>
+              <a:t>https://github.com/XiminHu/mass-suite</a:t>
+            </a:r>
+            <a:r>
+              <a:rPr lang="zh-CN" sz="2300" dirty="0">
+                <a:solidFill>
+                  <a:schemeClr val="tx1"/>
+                </a:solidFill>
+                <a:latin typeface="Helvetica" panose="020B0604020202020204" pitchFamily="34" charset="0"/>
+                <a:ea typeface="Old Standard TT"/>
+                <a:cs typeface="Helvetica" panose="020B0604020202020204" pitchFamily="34" charset="0"/>
+                <a:sym typeface="Old Standard TT"/>
+              </a:rPr>
+              <a:t>  </a:t>
+            </a:r>
+            <a:endParaRPr lang="en-US" altLang="zh-CN" sz="2300" dirty="0">
+              <a:solidFill>
+                <a:schemeClr val="tx1"/>
+              </a:solidFill>
+              <a:latin typeface="Helvetica" panose="020B0604020202020204" pitchFamily="34" charset="0"/>
+              <a:ea typeface="Old Standard TT"/>
+              <a:cs typeface="Helvetica" panose="020B0604020202020204" pitchFamily="34" charset="0"/>
+              <a:sym typeface="Old Standard TT"/>
+            </a:endParaRPr>
+          </a:p>
+          <a:p>
+            <a:pPr marL="0" lvl="0" indent="0" algn="l" rtl="0">
+              <a:spcBef>
+                <a:spcPts val="0"/>
+              </a:spcBef>
+              <a:spcAft>
+                <a:spcPts val="0"/>
+              </a:spcAft>
+              <a:buNone/>
+            </a:pPr>
+            <a:r>
+              <a:rPr lang="zh-CN" sz="2300" dirty="0">
+                <a:solidFill>
+                  <a:schemeClr val="tx2"/>
+                </a:solidFill>
+                <a:latin typeface="Helvetica" panose="020B0604020202020204" pitchFamily="34" charset="0"/>
+                <a:ea typeface="Old Standard TT"/>
+                <a:cs typeface="Helvetica" panose="020B0604020202020204" pitchFamily="34" charset="0"/>
+                <a:sym typeface="Old Standard TT"/>
+              </a:rPr>
+              <a:t>email:  </a:t>
+            </a:r>
+            <a:endParaRPr lang="en-US" altLang="zh-CN" sz="2300" dirty="0">
+              <a:solidFill>
+                <a:schemeClr val="tx2"/>
+              </a:solidFill>
+              <a:latin typeface="Helvetica" panose="020B0604020202020204" pitchFamily="34" charset="0"/>
+              <a:ea typeface="Old Standard TT"/>
+              <a:cs typeface="Helvetica" panose="020B0604020202020204" pitchFamily="34" charset="0"/>
+              <a:sym typeface="Old Standard TT"/>
+            </a:endParaRPr>
+          </a:p>
+          <a:p>
+            <a:pPr marL="0" lvl="0" indent="0" algn="l" rtl="0">
+              <a:spcBef>
+                <a:spcPts val="0"/>
+              </a:spcBef>
+              <a:spcAft>
+                <a:spcPts val="0"/>
+              </a:spcAft>
+              <a:buNone/>
+            </a:pPr>
+            <a:r>
+              <a:rPr lang="zh-CN" sz="2300" dirty="0">
+                <a:solidFill>
+                  <a:schemeClr val="tx1"/>
+                </a:solidFill>
+                <a:latin typeface="Helvetica" panose="020B0604020202020204" pitchFamily="34" charset="0"/>
+                <a:ea typeface="Old Standard TT"/>
+                <a:cs typeface="Helvetica" panose="020B0604020202020204" pitchFamily="34" charset="0"/>
+                <a:sym typeface="Old Standard TT"/>
+                <a:hlinkClick r:id="rId7">
+                  <a:extLst>
+                    <a:ext uri="{A12FA001-AC4F-418D-AE19-62706E023703}">
+                      <ahyp:hlinkClr xmlns:ahyp="http://schemas.microsoft.com/office/drawing/2018/hyperlinkcolor" val="tx"/>
+                    </a:ext>
+                  </a:extLst>
+                </a:hlinkClick>
               </a:rPr>
               <a:t>xhu66@uw.edu</a:t>
             </a:r>
-            <a:endParaRPr lang="en-US" altLang="zh-CN" sz="2400" dirty="0">
+            <a:endParaRPr lang="en-US" altLang="zh-CN" sz="2300" dirty="0">
               <a:solidFill>
-                <a:schemeClr val="dk1"/>
+                <a:schemeClr val="tx1"/>
               </a:solidFill>
-              <a:latin typeface="Old Standard TT"/>
+              <a:latin typeface="Helvetica" panose="020B0604020202020204" pitchFamily="34" charset="0"/>
               <a:ea typeface="Old Standard TT"/>
-              <a:cs typeface="Old Standard TT"/>
+              <a:cs typeface="Helvetica" panose="020B0604020202020204" pitchFamily="34" charset="0"/>
               <a:sym typeface="Old Standard TT"/>
             </a:endParaRPr>
           </a:p>
           <a:p>
             <a:br>
-              <a:rPr lang="en-US" altLang="zh-CN" sz="2400" dirty="0"/>
+              <a:rPr lang="en-US" altLang="zh-CN" sz="2400" dirty="0">
+                <a:latin typeface="Helvetica" panose="020B0604020202020204" pitchFamily="34" charset="0"/>
+                <a:cs typeface="Helvetica" panose="020B0604020202020204" pitchFamily="34" charset="0"/>
+              </a:rPr>
             </a:br>
             <a:endParaRPr sz="2400" dirty="0">
               <a:solidFill>
                 <a:schemeClr val="dk1"/>
               </a:solidFill>
-              <a:latin typeface="Old Standard TT"/>
+              <a:latin typeface="Helvetica" panose="020B0604020202020204" pitchFamily="34" charset="0"/>
               <a:ea typeface="Old Standard TT"/>
-              <a:cs typeface="Old Standard TT"/>
+              <a:cs typeface="Helvetica" panose="020B0604020202020204" pitchFamily="34" charset="0"/>
               <a:sym typeface="Old Standard TT"/>
             </a:endParaRPr>
           </a:p>
@@ -11247,17 +11888,17 @@
             </a:pPr>
             <a:r>
               <a:rPr lang="zh-CN" sz="2400" dirty="0">
-                <a:latin typeface="Old Standard TT"/>
+                <a:latin typeface="Helvetica" panose="020B0604020202020204" pitchFamily="34" charset="0"/>
                 <a:ea typeface="Old Standard TT"/>
-                <a:cs typeface="Old Standard TT"/>
+                <a:cs typeface="Helvetica" panose="020B0604020202020204" pitchFamily="34" charset="0"/>
                 <a:sym typeface="Old Standard TT"/>
               </a:rPr>
               <a:t> </a:t>
             </a:r>
             <a:endParaRPr sz="2400" dirty="0">
-              <a:latin typeface="Old Standard TT"/>
+              <a:latin typeface="Helvetica" panose="020B0604020202020204" pitchFamily="34" charset="0"/>
               <a:ea typeface="Old Standard TT"/>
-              <a:cs typeface="Old Standard TT"/>
+              <a:cs typeface="Helvetica" panose="020B0604020202020204" pitchFamily="34" charset="0"/>
               <a:sym typeface="Old Standard TT"/>
             </a:endParaRPr>
           </a:p>
@@ -11275,8 +11916,8 @@
         </p:nvSpPr>
         <p:spPr>
           <a:xfrm>
-            <a:off x="10893575" y="10632804"/>
-            <a:ext cx="10217100" cy="2461800"/>
+            <a:off x="9239934" y="11914493"/>
+            <a:ext cx="6217132" cy="3852424"/>
           </a:xfrm>
           <a:prstGeom prst="rect">
             <a:avLst/>
@@ -11305,17 +11946,21 @@
               <a:buChar char="●"/>
             </a:pPr>
             <a:r>
-              <a:rPr lang="zh-CN" sz="2200" dirty="0">
-                <a:solidFill>
-                  <a:schemeClr val="lt2"/>
-                </a:solidFill>
+              <a:rPr lang="zh-CN" sz="2300" dirty="0">
+                <a:solidFill>
+                  <a:schemeClr val="tx1"/>
+                </a:solidFill>
+                <a:latin typeface="Helvetica" panose="020B0604020202020204" pitchFamily="34" charset="0"/>
+                <a:cs typeface="Helvetica" panose="020B0604020202020204" pitchFamily="34" charset="0"/>
               </a:rPr>
               <a:t>Different chemicals’ intensity behaves differently across dilutions</a:t>
             </a:r>
-            <a:endParaRPr sz="2200" dirty="0">
+            <a:endParaRPr sz="2300" dirty="0">
               <a:solidFill>
-                <a:schemeClr val="lt2"/>
+                <a:schemeClr val="tx1"/>
               </a:solidFill>
+              <a:latin typeface="Helvetica" panose="020B0604020202020204" pitchFamily="34" charset="0"/>
+              <a:cs typeface="Helvetica" panose="020B0604020202020204" pitchFamily="34" charset="0"/>
             </a:endParaRPr>
           </a:p>
           <a:p>
@@ -11336,17 +11981,21 @@
               <a:buChar char="●"/>
             </a:pPr>
             <a:r>
-              <a:rPr lang="zh-CN" sz="2200" dirty="0">
-                <a:solidFill>
-                  <a:schemeClr val="lt2"/>
-                </a:solidFill>
+              <a:rPr lang="zh-CN" sz="2300" dirty="0">
+                <a:solidFill>
+                  <a:schemeClr val="tx1"/>
+                </a:solidFill>
+                <a:latin typeface="Helvetica" panose="020B0604020202020204" pitchFamily="34" charset="0"/>
+                <a:cs typeface="Helvetica" panose="020B0604020202020204" pitchFamily="34" charset="0"/>
               </a:rPr>
               <a:t>This is called the Matrix Effect</a:t>
             </a:r>
-            <a:endParaRPr sz="2200" dirty="0">
+            <a:endParaRPr sz="2300" dirty="0">
               <a:solidFill>
-                <a:schemeClr val="lt2"/>
+                <a:schemeClr val="tx1"/>
               </a:solidFill>
+              <a:latin typeface="Helvetica" panose="020B0604020202020204" pitchFamily="34" charset="0"/>
+              <a:cs typeface="Helvetica" panose="020B0604020202020204" pitchFamily="34" charset="0"/>
             </a:endParaRPr>
           </a:p>
           <a:p>
@@ -11367,17 +12016,21 @@
               <a:buChar char="●"/>
             </a:pPr>
             <a:r>
-              <a:rPr lang="zh-CN" sz="2200" dirty="0">
-                <a:solidFill>
-                  <a:schemeClr val="lt2"/>
-                </a:solidFill>
+              <a:rPr lang="zh-CN" sz="2300" dirty="0">
+                <a:solidFill>
+                  <a:schemeClr val="tx1"/>
+                </a:solidFill>
+                <a:latin typeface="Helvetica" panose="020B0604020202020204" pitchFamily="34" charset="0"/>
+                <a:cs typeface="Helvetica" panose="020B0604020202020204" pitchFamily="34" charset="0"/>
               </a:rPr>
               <a:t>We need to cluster chemicals into different groups to predict the dilution levels</a:t>
             </a:r>
-            <a:endParaRPr sz="2200" dirty="0">
+            <a:endParaRPr sz="2300" dirty="0">
               <a:solidFill>
-                <a:schemeClr val="lt2"/>
+                <a:schemeClr val="tx1"/>
               </a:solidFill>
+              <a:latin typeface="Helvetica" panose="020B0604020202020204" pitchFamily="34" charset="0"/>
+              <a:cs typeface="Helvetica" panose="020B0604020202020204" pitchFamily="34" charset="0"/>
             </a:endParaRPr>
           </a:p>
           <a:p>
@@ -11398,17 +12051,21 @@
               <a:buChar char="●"/>
             </a:pPr>
             <a:r>
-              <a:rPr lang="zh-CN" sz="2200" dirty="0">
-                <a:solidFill>
-                  <a:schemeClr val="lt2"/>
-                </a:solidFill>
+              <a:rPr lang="zh-CN" sz="2300" dirty="0">
+                <a:solidFill>
+                  <a:schemeClr val="tx1"/>
+                </a:solidFill>
+                <a:latin typeface="Helvetica" panose="020B0604020202020204" pitchFamily="34" charset="0"/>
+                <a:cs typeface="Helvetica" panose="020B0604020202020204" pitchFamily="34" charset="0"/>
               </a:rPr>
               <a:t>We are able to see resulting clusters in the images above</a:t>
             </a:r>
-            <a:endParaRPr sz="2200" dirty="0">
+            <a:endParaRPr sz="2300" dirty="0">
               <a:solidFill>
-                <a:schemeClr val="lt2"/>
+                <a:schemeClr val="tx1"/>
               </a:solidFill>
+              <a:latin typeface="Helvetica" panose="020B0604020202020204" pitchFamily="34" charset="0"/>
+              <a:cs typeface="Helvetica" panose="020B0604020202020204" pitchFamily="34" charset="0"/>
             </a:endParaRPr>
           </a:p>
         </p:txBody>
@@ -11420,7 +12077,7 @@
           <p:nvPr/>
         </p:nvPicPr>
         <p:blipFill>
-          <a:blip r:embed="rId9">
+          <a:blip r:embed="rId8">
             <a:alphaModFix/>
           </a:blip>
           <a:stretch>
@@ -11429,8 +12086,8 @@
         </p:blipFill>
         <p:spPr>
           <a:xfrm>
-            <a:off x="16246114" y="13403523"/>
-            <a:ext cx="3631600" cy="2496109"/>
+            <a:off x="19145446" y="18647544"/>
+            <a:ext cx="3513653" cy="2583753"/>
           </a:xfrm>
           <a:prstGeom prst="rect">
             <a:avLst/>
@@ -11453,8 +12110,8 @@
         </p:nvSpPr>
         <p:spPr>
           <a:xfrm>
-            <a:off x="10650195" y="14043065"/>
-            <a:ext cx="4686475" cy="6751200"/>
+            <a:off x="9290435" y="16831403"/>
+            <a:ext cx="6217132" cy="4733042"/>
           </a:xfrm>
           <a:prstGeom prst="rect">
             <a:avLst/>
@@ -11483,17 +12140,21 @@
               <a:buChar char="●"/>
             </a:pPr>
             <a:r>
-              <a:rPr lang="zh-CN" sz="2200" dirty="0">
-                <a:solidFill>
-                  <a:schemeClr val="lt2"/>
-                </a:solidFill>
+              <a:rPr lang="zh-CN" sz="2300" dirty="0">
+                <a:solidFill>
+                  <a:schemeClr val="tx1"/>
+                </a:solidFill>
+                <a:latin typeface="Helvetica" panose="020B0604020202020204" pitchFamily="34" charset="0"/>
+                <a:cs typeface="Helvetica" panose="020B0604020202020204" pitchFamily="34" charset="0"/>
               </a:rPr>
               <a:t>Once the chemicals are clustered, the dilution can be predicted by training a model based on example data</a:t>
             </a:r>
-            <a:endParaRPr sz="2200" dirty="0">
+            <a:endParaRPr sz="2300" dirty="0">
               <a:solidFill>
-                <a:schemeClr val="lt2"/>
+                <a:schemeClr val="tx1"/>
               </a:solidFill>
+              <a:latin typeface="Helvetica" panose="020B0604020202020204" pitchFamily="34" charset="0"/>
+              <a:cs typeface="Helvetica" panose="020B0604020202020204" pitchFamily="34" charset="0"/>
             </a:endParaRPr>
           </a:p>
           <a:p>
@@ -11514,17 +12175,21 @@
               <a:buChar char="●"/>
             </a:pPr>
             <a:r>
-              <a:rPr lang="zh-CN" sz="2200" dirty="0">
-                <a:solidFill>
-                  <a:schemeClr val="lt2"/>
-                </a:solidFill>
+              <a:rPr lang="zh-CN" sz="2300" dirty="0">
+                <a:solidFill>
+                  <a:schemeClr val="tx1"/>
+                </a:solidFill>
+                <a:latin typeface="Helvetica" panose="020B0604020202020204" pitchFamily="34" charset="0"/>
+                <a:cs typeface="Helvetica" panose="020B0604020202020204" pitchFamily="34" charset="0"/>
               </a:rPr>
               <a:t>As shown in the workflow above, users can choose a best fitting model</a:t>
             </a:r>
-            <a:endParaRPr sz="2200" dirty="0">
+            <a:endParaRPr sz="2300" dirty="0">
               <a:solidFill>
-                <a:schemeClr val="lt2"/>
+                <a:schemeClr val="tx1"/>
               </a:solidFill>
+              <a:latin typeface="Helvetica" panose="020B0604020202020204" pitchFamily="34" charset="0"/>
+              <a:cs typeface="Helvetica" panose="020B0604020202020204" pitchFamily="34" charset="0"/>
             </a:endParaRPr>
           </a:p>
           <a:p>
@@ -11545,17 +12210,69 @@
               <a:buChar char="●"/>
             </a:pPr>
             <a:r>
-              <a:rPr lang="zh-CN" sz="2200" dirty="0">
-                <a:solidFill>
-                  <a:schemeClr val="lt2"/>
-                </a:solidFill>
+              <a:rPr lang="zh-CN" sz="2300" dirty="0">
+                <a:solidFill>
+                  <a:schemeClr val="tx1"/>
+                </a:solidFill>
+                <a:latin typeface="Helvetica" panose="020B0604020202020204" pitchFamily="34" charset="0"/>
+                <a:cs typeface="Helvetica" panose="020B0604020202020204" pitchFamily="34" charset="0"/>
               </a:rPr>
               <a:t>Source identification is currently simplified based on dilution and intensity- it will be later expanded to take into account various modeling techniques</a:t>
             </a:r>
+            <a:endParaRPr lang="en-US" altLang="zh-CN" sz="2300" dirty="0">
+              <a:solidFill>
+                <a:schemeClr val="tx1"/>
+              </a:solidFill>
+              <a:latin typeface="Helvetica" panose="020B0604020202020204" pitchFamily="34" charset="0"/>
+              <a:cs typeface="Helvetica" panose="020B0604020202020204" pitchFamily="34" charset="0"/>
+            </a:endParaRPr>
+          </a:p>
+          <a:p>
+            <a:pPr indent="-368300">
+              <a:lnSpc>
+                <a:spcPct val="115000"/>
+              </a:lnSpc>
+              <a:buClr>
+                <a:schemeClr val="lt2"/>
+              </a:buClr>
+              <a:buSzPts val="2200"/>
+              <a:buFont typeface="Old Standard TT"/>
+              <a:buChar char="●"/>
+            </a:pPr>
+            <a:r>
+              <a:rPr lang="en-US" sz="2300" dirty="0">
+                <a:solidFill>
+                  <a:schemeClr val="tx1"/>
+                </a:solidFill>
+                <a:latin typeface="Helvetica" panose="020B0604020202020204" pitchFamily="34" charset="0"/>
+                <a:cs typeface="Helvetica" panose="020B0604020202020204" pitchFamily="34" charset="0"/>
+              </a:rPr>
+              <a:t>And more..</a:t>
+            </a:r>
+          </a:p>
+          <a:p>
+            <a:pPr marL="457200" lvl="0" indent="-368300" algn="l" rtl="0">
+              <a:lnSpc>
+                <a:spcPct val="115000"/>
+              </a:lnSpc>
+              <a:spcBef>
+                <a:spcPts val="0"/>
+              </a:spcBef>
+              <a:spcAft>
+                <a:spcPts val="0"/>
+              </a:spcAft>
+              <a:buClr>
+                <a:schemeClr val="lt2"/>
+              </a:buClr>
+              <a:buSzPts val="2200"/>
+              <a:buChar char="●"/>
+            </a:pPr>
             <a:endParaRPr sz="2200" dirty="0">
               <a:solidFill>
                 <a:schemeClr val="lt2"/>
               </a:solidFill>
+              <a:latin typeface="Helvetica" panose="020B0604020202020204" pitchFamily="34" charset="0"/>
+              <a:cs typeface="Helvetica" panose="020B0604020202020204" pitchFamily="34" charset="0"/>
             </a:endParaRPr>
           </a:p>
         </p:txBody>
@@ -11567,7 +12284,7 @@
           <p:nvPr/>
         </p:nvPicPr>
         <p:blipFill>
-          <a:blip r:embed="rId10">
+          <a:blip r:embed="rId9">
             <a:alphaModFix/>
           </a:blip>
           <a:stretch>
@@ -11576,8 +12293,8 @@
         </p:blipFill>
         <p:spPr>
           <a:xfrm>
-            <a:off x="13390871" y="7834700"/>
-            <a:ext cx="7250994" cy="2954700"/>
+            <a:off x="15017792" y="11673234"/>
+            <a:ext cx="7641307" cy="3615121"/>
           </a:xfrm>
           <a:prstGeom prst="rect">
             <a:avLst/>
@@ -11600,8 +12317,8 @@
         </p:nvSpPr>
         <p:spPr>
           <a:xfrm>
-            <a:off x="21720650" y="8204025"/>
-            <a:ext cx="10990800" cy="6578400"/>
+            <a:off x="22749294" y="6880002"/>
+            <a:ext cx="10401335" cy="6648348"/>
           </a:xfrm>
           <a:prstGeom prst="rect">
             <a:avLst/>
@@ -11630,17 +12347,21 @@
               <a:buChar char="●"/>
             </a:pPr>
             <a:r>
-              <a:rPr lang="zh-CN" sz="2200" dirty="0">
+              <a:rPr lang="zh-CN" sz="2800" b="1" dirty="0">
                 <a:solidFill>
                   <a:schemeClr val="lt2"/>
                 </a:solidFill>
+                <a:latin typeface="Helvetica" panose="020B0604020202020204" pitchFamily="34" charset="0"/>
+                <a:cs typeface="Helvetica" panose="020B0604020202020204" pitchFamily="34" charset="0"/>
               </a:rPr>
               <a:t>General:</a:t>
             </a:r>
-            <a:endParaRPr sz="2200" dirty="0">
+            <a:endParaRPr sz="2800" b="1" dirty="0">
               <a:solidFill>
                 <a:schemeClr val="lt2"/>
               </a:solidFill>
+              <a:latin typeface="Helvetica" panose="020B0604020202020204" pitchFamily="34" charset="0"/>
+              <a:cs typeface="Helvetica" panose="020B0604020202020204" pitchFamily="34" charset="0"/>
             </a:endParaRPr>
           </a:p>
           <a:p>
@@ -11661,33 +12382,41 @@
               <a:buChar char="○"/>
             </a:pPr>
             <a:r>
-              <a:rPr lang="zh-CN" sz="2200" dirty="0">
-                <a:solidFill>
-                  <a:schemeClr val="lt2"/>
-                </a:solidFill>
+              <a:rPr lang="zh-CN" sz="2300" dirty="0">
+                <a:solidFill>
+                  <a:schemeClr val="tx1"/>
+                </a:solidFill>
+                <a:latin typeface="Helvetica" panose="020B0604020202020204" pitchFamily="34" charset="0"/>
+                <a:cs typeface="Helvetica" panose="020B0604020202020204" pitchFamily="34" charset="0"/>
               </a:rPr>
               <a:t>First package on python which provide full workflow from data</a:t>
             </a:r>
             <a:r>
-              <a:rPr lang="en-US" altLang="zh-CN" sz="2200" dirty="0">
-                <a:solidFill>
-                  <a:schemeClr val="lt2"/>
-                </a:solidFill>
+              <a:rPr lang="en-US" altLang="zh-CN" sz="2300" dirty="0">
+                <a:solidFill>
+                  <a:schemeClr val="tx1"/>
+                </a:solidFill>
+                <a:latin typeface="Helvetica" panose="020B0604020202020204" pitchFamily="34" charset="0"/>
+                <a:cs typeface="Helvetica" panose="020B0604020202020204" pitchFamily="34" charset="0"/>
               </a:rPr>
               <a:t> </a:t>
             </a:r>
             <a:r>
-              <a:rPr lang="zh-CN" sz="2200" dirty="0">
-                <a:solidFill>
-                  <a:schemeClr val="lt2"/>
-                </a:solidFill>
+              <a:rPr lang="zh-CN" sz="2300" dirty="0">
+                <a:solidFill>
+                  <a:schemeClr val="tx1"/>
+                </a:solidFill>
+                <a:latin typeface="Helvetica" panose="020B0604020202020204" pitchFamily="34" charset="0"/>
+                <a:cs typeface="Helvetica" panose="020B0604020202020204" pitchFamily="34" charset="0"/>
               </a:rPr>
               <a:t>import to alignment result</a:t>
             </a:r>
-            <a:endParaRPr sz="2200" dirty="0">
+            <a:endParaRPr sz="2300" dirty="0">
               <a:solidFill>
-                <a:schemeClr val="lt2"/>
+                <a:schemeClr val="tx1"/>
               </a:solidFill>
+              <a:latin typeface="Helvetica" panose="020B0604020202020204" pitchFamily="34" charset="0"/>
+              <a:cs typeface="Helvetica" panose="020B0604020202020204" pitchFamily="34" charset="0"/>
             </a:endParaRPr>
           </a:p>
           <a:p>
@@ -11708,33 +12437,41 @@
               <a:buChar char="○"/>
             </a:pPr>
             <a:r>
-              <a:rPr lang="zh-CN" sz="2200" dirty="0">
-                <a:solidFill>
-                  <a:schemeClr val="lt2"/>
-                </a:solidFill>
+              <a:rPr lang="zh-CN" sz="2300" dirty="0">
+                <a:solidFill>
+                  <a:schemeClr val="tx1"/>
+                </a:solidFill>
+                <a:latin typeface="Helvetica" panose="020B0604020202020204" pitchFamily="34" charset="0"/>
+                <a:cs typeface="Helvetica" panose="020B0604020202020204" pitchFamily="34" charset="0"/>
               </a:rPr>
               <a:t>Light memory usage make it possible to be run on personal</a:t>
             </a:r>
             <a:r>
-              <a:rPr lang="en-US" altLang="zh-CN" sz="2200" dirty="0">
-                <a:solidFill>
-                  <a:schemeClr val="lt2"/>
-                </a:solidFill>
+              <a:rPr lang="en-US" altLang="zh-CN" sz="2300" dirty="0">
+                <a:solidFill>
+                  <a:schemeClr val="tx1"/>
+                </a:solidFill>
+                <a:latin typeface="Helvetica" panose="020B0604020202020204" pitchFamily="34" charset="0"/>
+                <a:cs typeface="Helvetica" panose="020B0604020202020204" pitchFamily="34" charset="0"/>
               </a:rPr>
               <a:t> </a:t>
             </a:r>
             <a:r>
-              <a:rPr lang="zh-CN" sz="2200" dirty="0">
-                <a:solidFill>
-                  <a:schemeClr val="lt2"/>
-                </a:solidFill>
+              <a:rPr lang="zh-CN" sz="2300" dirty="0">
+                <a:solidFill>
+                  <a:schemeClr val="tx1"/>
+                </a:solidFill>
+                <a:latin typeface="Helvetica" panose="020B0604020202020204" pitchFamily="34" charset="0"/>
+                <a:cs typeface="Helvetica" panose="020B0604020202020204" pitchFamily="34" charset="0"/>
               </a:rPr>
               <a:t>laptops</a:t>
             </a:r>
-            <a:endParaRPr sz="2200" dirty="0">
+            <a:endParaRPr sz="2300" dirty="0">
               <a:solidFill>
-                <a:schemeClr val="lt2"/>
+                <a:schemeClr val="tx1"/>
               </a:solidFill>
+              <a:latin typeface="Helvetica" panose="020B0604020202020204" pitchFamily="34" charset="0"/>
+              <a:cs typeface="Helvetica" panose="020B0604020202020204" pitchFamily="34" charset="0"/>
             </a:endParaRPr>
           </a:p>
           <a:p>
@@ -11755,17 +12492,21 @@
               <a:buChar char="○"/>
             </a:pPr>
             <a:r>
-              <a:rPr lang="zh-CN" sz="2200" dirty="0">
-                <a:solidFill>
-                  <a:schemeClr val="lt2"/>
-                </a:solidFill>
+              <a:rPr lang="zh-CN" sz="2300" dirty="0">
+                <a:solidFill>
+                  <a:schemeClr val="tx1"/>
+                </a:solidFill>
+                <a:latin typeface="Helvetica" panose="020B0604020202020204" pitchFamily="34" charset="0"/>
+                <a:cs typeface="Helvetica" panose="020B0604020202020204" pitchFamily="34" charset="0"/>
               </a:rPr>
               <a:t>Remote process option</a:t>
             </a:r>
-            <a:endParaRPr sz="2200" dirty="0">
+            <a:endParaRPr sz="2300" dirty="0">
               <a:solidFill>
-                <a:schemeClr val="lt2"/>
+                <a:schemeClr val="tx1"/>
               </a:solidFill>
+              <a:latin typeface="Helvetica" panose="020B0604020202020204" pitchFamily="34" charset="0"/>
+              <a:cs typeface="Helvetica" panose="020B0604020202020204" pitchFamily="34" charset="0"/>
             </a:endParaRPr>
           </a:p>
           <a:p>
@@ -11786,17 +12527,21 @@
               <a:buChar char="○"/>
             </a:pPr>
             <a:r>
-              <a:rPr lang="zh-CN" sz="2200" dirty="0">
-                <a:solidFill>
-                  <a:schemeClr val="lt2"/>
-                </a:solidFill>
+              <a:rPr lang="zh-CN" sz="2300" dirty="0">
+                <a:solidFill>
+                  <a:schemeClr val="tx1"/>
+                </a:solidFill>
+                <a:latin typeface="Helvetica" panose="020B0604020202020204" pitchFamily="34" charset="0"/>
+                <a:cs typeface="Helvetica" panose="020B0604020202020204" pitchFamily="34" charset="0"/>
               </a:rPr>
               <a:t>Modularized setup – always possible for more</a:t>
             </a:r>
-            <a:endParaRPr sz="2200" dirty="0">
+            <a:endParaRPr sz="2300" dirty="0">
               <a:solidFill>
-                <a:schemeClr val="lt2"/>
+                <a:schemeClr val="tx1"/>
               </a:solidFill>
+              <a:latin typeface="Helvetica" panose="020B0604020202020204" pitchFamily="34" charset="0"/>
+              <a:cs typeface="Helvetica" panose="020B0604020202020204" pitchFamily="34" charset="0"/>
             </a:endParaRPr>
           </a:p>
           <a:p>
@@ -11817,17 +12562,21 @@
               <a:buChar char="○"/>
             </a:pPr>
             <a:r>
-              <a:rPr lang="zh-CN" sz="2200" dirty="0">
-                <a:solidFill>
-                  <a:schemeClr val="lt2"/>
-                </a:solidFill>
+              <a:rPr lang="zh-CN" sz="2300" dirty="0">
+                <a:solidFill>
+                  <a:schemeClr val="tx1"/>
+                </a:solidFill>
+                <a:latin typeface="Helvetica" panose="020B0604020202020204" pitchFamily="34" charset="0"/>
+                <a:cs typeface="Helvetica" panose="020B0604020202020204" pitchFamily="34" charset="0"/>
               </a:rPr>
               <a:t>Open source – free to go!</a:t>
             </a:r>
-            <a:endParaRPr sz="2200" dirty="0">
+            <a:endParaRPr sz="2300" dirty="0">
               <a:solidFill>
-                <a:schemeClr val="lt2"/>
+                <a:schemeClr val="tx1"/>
               </a:solidFill>
+              <a:latin typeface="Helvetica" panose="020B0604020202020204" pitchFamily="34" charset="0"/>
+              <a:cs typeface="Helvetica" panose="020B0604020202020204" pitchFamily="34" charset="0"/>
             </a:endParaRPr>
           </a:p>
           <a:p>
@@ -11848,17 +12597,31 @@
               <a:buChar char="●"/>
             </a:pPr>
             <a:r>
-              <a:rPr lang="zh-CN" sz="2200" dirty="0">
+              <a:rPr lang="zh-CN" sz="2800" b="1" dirty="0">
                 <a:solidFill>
                   <a:schemeClr val="lt2"/>
                 </a:solidFill>
+                <a:latin typeface="Helvetica" panose="020B0604020202020204" pitchFamily="34" charset="0"/>
+                <a:cs typeface="Helvetica" panose="020B0604020202020204" pitchFamily="34" charset="0"/>
               </a:rPr>
               <a:t>Peak picking</a:t>
             </a:r>
-            <a:endParaRPr sz="2200" dirty="0">
+            <a:r>
+              <a:rPr lang="en-US" altLang="zh-CN" sz="2800" b="1" dirty="0">
+                <a:solidFill>
+                  <a:schemeClr val="lt2"/>
+                </a:solidFill>
+                <a:latin typeface="Helvetica" panose="020B0604020202020204" pitchFamily="34" charset="0"/>
+                <a:cs typeface="Helvetica" panose="020B0604020202020204" pitchFamily="34" charset="0"/>
+              </a:rPr>
+              <a:t>:</a:t>
+            </a:r>
+            <a:endParaRPr sz="2800" b="1" dirty="0">
               <a:solidFill>
                 <a:schemeClr val="lt2"/>
               </a:solidFill>
+              <a:latin typeface="Helvetica" panose="020B0604020202020204" pitchFamily="34" charset="0"/>
+              <a:cs typeface="Helvetica" panose="020B0604020202020204" pitchFamily="34" charset="0"/>
             </a:endParaRPr>
           </a:p>
           <a:p>
@@ -11879,17 +12642,21 @@
               <a:buChar char="○"/>
             </a:pPr>
             <a:r>
-              <a:rPr lang="zh-CN" sz="2200" dirty="0">
-                <a:solidFill>
-                  <a:schemeClr val="lt2"/>
-                </a:solidFill>
+              <a:rPr lang="zh-CN" sz="2300" dirty="0">
+                <a:solidFill>
+                  <a:schemeClr val="tx1"/>
+                </a:solidFill>
+                <a:latin typeface="Helvetica" panose="020B0604020202020204" pitchFamily="34" charset="0"/>
+                <a:cs typeface="Helvetica" panose="020B0604020202020204" pitchFamily="34" charset="0"/>
               </a:rPr>
               <a:t>Pymzml import enables faster speed</a:t>
             </a:r>
-            <a:endParaRPr sz="2200" dirty="0">
+            <a:endParaRPr sz="2300" dirty="0">
               <a:solidFill>
-                <a:schemeClr val="lt2"/>
+                <a:schemeClr val="tx1"/>
               </a:solidFill>
+              <a:latin typeface="Helvetica" panose="020B0604020202020204" pitchFamily="34" charset="0"/>
+              <a:cs typeface="Helvetica" panose="020B0604020202020204" pitchFamily="34" charset="0"/>
             </a:endParaRPr>
           </a:p>
           <a:p>
@@ -11910,17 +12677,21 @@
               <a:buChar char="○"/>
             </a:pPr>
             <a:r>
-              <a:rPr lang="zh-CN" sz="2200" dirty="0">
-                <a:solidFill>
-                  <a:schemeClr val="lt2"/>
-                </a:solidFill>
+              <a:rPr lang="zh-CN" sz="2300" dirty="0">
+                <a:solidFill>
+                  <a:schemeClr val="tx1"/>
+                </a:solidFill>
+                <a:latin typeface="Helvetica" panose="020B0604020202020204" pitchFamily="34" charset="0"/>
+                <a:cs typeface="Helvetica" panose="020B0604020202020204" pitchFamily="34" charset="0"/>
               </a:rPr>
               <a:t>Peak score to enhance data quality</a:t>
             </a:r>
-            <a:endParaRPr sz="2200" dirty="0">
+            <a:endParaRPr sz="2300" dirty="0">
               <a:solidFill>
-                <a:schemeClr val="lt2"/>
+                <a:schemeClr val="tx1"/>
               </a:solidFill>
+              <a:latin typeface="Helvetica" panose="020B0604020202020204" pitchFamily="34" charset="0"/>
+              <a:cs typeface="Helvetica" panose="020B0604020202020204" pitchFamily="34" charset="0"/>
             </a:endParaRPr>
           </a:p>
           <a:p>
@@ -11941,17 +12712,31 @@
               <a:buChar char="●"/>
             </a:pPr>
             <a:r>
-              <a:rPr lang="zh-CN" sz="2200" dirty="0">
+              <a:rPr lang="zh-CN" sz="2800" b="1" dirty="0">
                 <a:solidFill>
                   <a:schemeClr val="lt2"/>
                 </a:solidFill>
+                <a:latin typeface="Helvetica" panose="020B0604020202020204" pitchFamily="34" charset="0"/>
+                <a:cs typeface="Helvetica" panose="020B0604020202020204" pitchFamily="34" charset="0"/>
               </a:rPr>
               <a:t>Alignment</a:t>
             </a:r>
-            <a:endParaRPr sz="2200" dirty="0">
+            <a:r>
+              <a:rPr lang="en-US" altLang="zh-CN" sz="2800" b="1" dirty="0">
+                <a:solidFill>
+                  <a:schemeClr val="lt2"/>
+                </a:solidFill>
+                <a:latin typeface="Helvetica" panose="020B0604020202020204" pitchFamily="34" charset="0"/>
+                <a:cs typeface="Helvetica" panose="020B0604020202020204" pitchFamily="34" charset="0"/>
+              </a:rPr>
+              <a:t>:</a:t>
+            </a:r>
+            <a:endParaRPr sz="2800" b="1" dirty="0">
               <a:solidFill>
                 <a:schemeClr val="lt2"/>
               </a:solidFill>
+              <a:latin typeface="Helvetica" panose="020B0604020202020204" pitchFamily="34" charset="0"/>
+              <a:cs typeface="Helvetica" panose="020B0604020202020204" pitchFamily="34" charset="0"/>
             </a:endParaRPr>
           </a:p>
           <a:p>
@@ -11972,17 +12757,21 @@
               <a:buChar char="○"/>
             </a:pPr>
             <a:r>
-              <a:rPr lang="en-US" altLang="zh-CN" sz="2200" dirty="0">
-                <a:solidFill>
-                  <a:schemeClr val="lt2"/>
-                </a:solidFill>
+              <a:rPr lang="en-US" altLang="zh-CN" sz="2300" dirty="0">
+                <a:solidFill>
+                  <a:schemeClr val="tx1"/>
+                </a:solidFill>
+                <a:latin typeface="Helvetica" panose="020B0604020202020204" pitchFamily="34" charset="0"/>
+                <a:cs typeface="Helvetica" panose="020B0604020202020204" pitchFamily="34" charset="0"/>
               </a:rPr>
               <a:t>High efficiency</a:t>
             </a:r>
-            <a:endParaRPr sz="2200" dirty="0">
+            <a:endParaRPr sz="2300" dirty="0">
               <a:solidFill>
-                <a:schemeClr val="lt2"/>
+                <a:schemeClr val="tx1"/>
               </a:solidFill>
+              <a:latin typeface="Helvetica" panose="020B0604020202020204" pitchFamily="34" charset="0"/>
+              <a:cs typeface="Helvetica" panose="020B0604020202020204" pitchFamily="34" charset="0"/>
             </a:endParaRPr>
           </a:p>
           <a:p>
@@ -12003,17 +12792,21 @@
               <a:buChar char="○"/>
             </a:pPr>
             <a:r>
-              <a:rPr lang="zh-CN" sz="2200" dirty="0">
-                <a:solidFill>
-                  <a:schemeClr val="lt2"/>
-                </a:solidFill>
+              <a:rPr lang="zh-CN" sz="2300" dirty="0">
+                <a:solidFill>
+                  <a:schemeClr val="tx1"/>
+                </a:solidFill>
+                <a:latin typeface="Helvetica" panose="020B0604020202020204" pitchFamily="34" charset="0"/>
+                <a:cs typeface="Helvetica" panose="020B0604020202020204" pitchFamily="34" charset="0"/>
               </a:rPr>
               <a:t>Flexible settings for users</a:t>
             </a:r>
-            <a:endParaRPr sz="2200" dirty="0">
+            <a:endParaRPr sz="2300" dirty="0">
               <a:solidFill>
-                <a:schemeClr val="lt2"/>
+                <a:schemeClr val="tx1"/>
               </a:solidFill>
+              <a:latin typeface="Helvetica" panose="020B0604020202020204" pitchFamily="34" charset="0"/>
+              <a:cs typeface="Helvetica" panose="020B0604020202020204" pitchFamily="34" charset="0"/>
             </a:endParaRPr>
           </a:p>
           <a:p>
@@ -12034,17 +12827,31 @@
               <a:buChar char="●"/>
             </a:pPr>
             <a:r>
-              <a:rPr lang="zh-CN" sz="2200" dirty="0">
+              <a:rPr lang="zh-CN" sz="2800" b="1" dirty="0">
                 <a:solidFill>
                   <a:schemeClr val="lt2"/>
                 </a:solidFill>
+                <a:latin typeface="Helvetica" panose="020B0604020202020204" pitchFamily="34" charset="0"/>
+                <a:cs typeface="Helvetica" panose="020B0604020202020204" pitchFamily="34" charset="0"/>
               </a:rPr>
               <a:t>Data analysis</a:t>
             </a:r>
-            <a:endParaRPr sz="2200" dirty="0">
+            <a:r>
+              <a:rPr lang="en-US" altLang="zh-CN" sz="2800" b="1" dirty="0">
+                <a:solidFill>
+                  <a:schemeClr val="lt2"/>
+                </a:solidFill>
+                <a:latin typeface="Helvetica" panose="020B0604020202020204" pitchFamily="34" charset="0"/>
+                <a:cs typeface="Helvetica" panose="020B0604020202020204" pitchFamily="34" charset="0"/>
+              </a:rPr>
+              <a:t>:</a:t>
+            </a:r>
+            <a:endParaRPr sz="2800" b="1" dirty="0">
               <a:solidFill>
                 <a:schemeClr val="lt2"/>
               </a:solidFill>
+              <a:latin typeface="Helvetica" panose="020B0604020202020204" pitchFamily="34" charset="0"/>
+              <a:cs typeface="Helvetica" panose="020B0604020202020204" pitchFamily="34" charset="0"/>
             </a:endParaRPr>
           </a:p>
           <a:p>
@@ -12065,17 +12872,21 @@
               <a:buChar char="○"/>
             </a:pPr>
             <a:r>
-              <a:rPr lang="zh-CN" sz="2200" dirty="0">
-                <a:solidFill>
-                  <a:schemeClr val="lt2"/>
-                </a:solidFill>
+              <a:rPr lang="en-US" altLang="zh-CN" sz="2300" dirty="0">
+                <a:solidFill>
+                  <a:schemeClr val="tx1"/>
+                </a:solidFill>
+                <a:latin typeface="Helvetica" panose="020B0604020202020204" pitchFamily="34" charset="0"/>
+                <a:cs typeface="Helvetica" panose="020B0604020202020204" pitchFamily="34" charset="0"/>
               </a:rPr>
               <a:t>Visualization result for assess the analysis quality</a:t>
             </a:r>
-            <a:endParaRPr sz="2200" dirty="0">
+            <a:endParaRPr lang="en-US" sz="2300" dirty="0">
               <a:solidFill>
-                <a:schemeClr val="lt2"/>
+                <a:schemeClr val="tx1"/>
               </a:solidFill>
+              <a:latin typeface="Helvetica" panose="020B0604020202020204" pitchFamily="34" charset="0"/>
+              <a:cs typeface="Helvetica" panose="020B0604020202020204" pitchFamily="34" charset="0"/>
             </a:endParaRPr>
           </a:p>
           <a:p>
@@ -12096,17 +12907,21 @@
               <a:buChar char="○"/>
             </a:pPr>
             <a:r>
-              <a:rPr lang="zh-CN" sz="2200" dirty="0">
-                <a:solidFill>
-                  <a:schemeClr val="lt2"/>
-                </a:solidFill>
+              <a:rPr lang="en-US" altLang="zh-CN" sz="2300" dirty="0">
+                <a:solidFill>
+                  <a:schemeClr val="tx1"/>
+                </a:solidFill>
+                <a:latin typeface="Helvetica" panose="020B0604020202020204" pitchFamily="34" charset="0"/>
+                <a:cs typeface="Helvetica" panose="020B0604020202020204" pitchFamily="34" charset="0"/>
               </a:rPr>
               <a:t>Open end algorithm options to fit different needs</a:t>
             </a:r>
-            <a:endParaRPr sz="2200" dirty="0">
+            <a:endParaRPr lang="en-US" sz="2300" dirty="0">
               <a:solidFill>
-                <a:schemeClr val="lt2"/>
+                <a:schemeClr val="tx1"/>
               </a:solidFill>
+              <a:latin typeface="Helvetica" panose="020B0604020202020204" pitchFamily="34" charset="0"/>
+              <a:cs typeface="Helvetica" panose="020B0604020202020204" pitchFamily="34" charset="0"/>
             </a:endParaRPr>
           </a:p>
           <a:p>
@@ -12127,17 +12942,21 @@
               <a:buChar char="○"/>
             </a:pPr>
             <a:r>
-              <a:rPr lang="zh-CN" sz="2200" dirty="0">
-                <a:solidFill>
-                  <a:schemeClr val="lt2"/>
-                </a:solidFill>
+              <a:rPr lang="en-US" altLang="zh-CN" sz="2300" dirty="0">
+                <a:solidFill>
+                  <a:schemeClr val="tx1"/>
+                </a:solidFill>
+                <a:latin typeface="Helvetica" panose="020B0604020202020204" pitchFamily="34" charset="0"/>
+                <a:cs typeface="Helvetica" panose="020B0604020202020204" pitchFamily="34" charset="0"/>
               </a:rPr>
               <a:t>Handy function to boost up efficiency</a:t>
             </a:r>
-            <a:endParaRPr sz="2200" dirty="0">
+            <a:endParaRPr lang="en-US" sz="2300" dirty="0">
               <a:solidFill>
-                <a:schemeClr val="lt2"/>
+                <a:schemeClr val="tx1"/>
               </a:solidFill>
+              <a:latin typeface="Helvetica" panose="020B0604020202020204" pitchFamily="34" charset="0"/>
+              <a:cs typeface="Helvetica" panose="020B0604020202020204" pitchFamily="34" charset="0"/>
             </a:endParaRPr>
           </a:p>
         </p:txBody>
@@ -12154,8 +12973,8 @@
         </p:nvSpPr>
         <p:spPr>
           <a:xfrm>
-            <a:off x="21720650" y="16637100"/>
-            <a:ext cx="10990800" cy="2087400"/>
+            <a:off x="22749294" y="15712899"/>
+            <a:ext cx="9730877" cy="2461800"/>
           </a:xfrm>
           <a:prstGeom prst="rect">
             <a:avLst/>
@@ -12184,17 +13003,41 @@
               <a:buChar char="●"/>
             </a:pPr>
             <a:r>
-              <a:rPr lang="zh-CN" sz="2200">
-                <a:solidFill>
-                  <a:schemeClr val="lt2"/>
-                </a:solidFill>
+              <a:rPr lang="zh-CN" sz="2300" dirty="0">
+                <a:solidFill>
+                  <a:schemeClr val="tx1"/>
+                </a:solidFill>
+                <a:latin typeface="Helvetica" panose="020B0604020202020204" pitchFamily="34" charset="0"/>
+                <a:cs typeface="Helvetica" panose="020B0604020202020204" pitchFamily="34" charset="0"/>
               </a:rPr>
-              <a:t>Validation of Workflow using more data</a:t>
+              <a:t>Validation of </a:t>
             </a:r>
-            <a:endParaRPr sz="2200">
+            <a:r>
+              <a:rPr lang="en-US" altLang="zh-CN" sz="2300" dirty="0">
+                <a:solidFill>
+                  <a:schemeClr val="tx1"/>
+                </a:solidFill>
+                <a:latin typeface="Helvetica" panose="020B0604020202020204" pitchFamily="34" charset="0"/>
+                <a:cs typeface="Helvetica" panose="020B0604020202020204" pitchFamily="34" charset="0"/>
+              </a:rPr>
+              <a:t>w</a:t>
+            </a:r>
+            <a:r>
+              <a:rPr lang="zh-CN" sz="2300" dirty="0">
+                <a:solidFill>
+                  <a:schemeClr val="tx1"/>
+                </a:solidFill>
+                <a:latin typeface="Helvetica" panose="020B0604020202020204" pitchFamily="34" charset="0"/>
+                <a:cs typeface="Helvetica" panose="020B0604020202020204" pitchFamily="34" charset="0"/>
+              </a:rPr>
+              <a:t>orkflow using more data</a:t>
+            </a:r>
+            <a:endParaRPr sz="2300" dirty="0">
               <a:solidFill>
-                <a:schemeClr val="lt2"/>
+                <a:schemeClr val="tx1"/>
               </a:solidFill>
+              <a:latin typeface="Helvetica" panose="020B0604020202020204" pitchFamily="34" charset="0"/>
+              <a:cs typeface="Helvetica" panose="020B0604020202020204" pitchFamily="34" charset="0"/>
             </a:endParaRPr>
           </a:p>
           <a:p>
@@ -12215,17 +13058,21 @@
               <a:buChar char="●"/>
             </a:pPr>
             <a:r>
-              <a:rPr lang="zh-CN" sz="2200">
-                <a:solidFill>
-                  <a:schemeClr val="lt2"/>
-                </a:solidFill>
+              <a:rPr lang="zh-CN" sz="2300" dirty="0">
+                <a:solidFill>
+                  <a:schemeClr val="tx1"/>
+                </a:solidFill>
+                <a:latin typeface="Helvetica" panose="020B0604020202020204" pitchFamily="34" charset="0"/>
+                <a:cs typeface="Helvetica" panose="020B0604020202020204" pitchFamily="34" charset="0"/>
               </a:rPr>
               <a:t>Understanding chemical commonalities behind clusters</a:t>
             </a:r>
-            <a:endParaRPr sz="2200">
+            <a:endParaRPr sz="2300" dirty="0">
               <a:solidFill>
-                <a:schemeClr val="lt2"/>
+                <a:schemeClr val="tx1"/>
               </a:solidFill>
+              <a:latin typeface="Helvetica" panose="020B0604020202020204" pitchFamily="34" charset="0"/>
+              <a:cs typeface="Helvetica" panose="020B0604020202020204" pitchFamily="34" charset="0"/>
             </a:endParaRPr>
           </a:p>
           <a:p>
@@ -12246,17 +13093,21 @@
               <a:buChar char="●"/>
             </a:pPr>
             <a:r>
-              <a:rPr lang="zh-CN" sz="2200">
-                <a:solidFill>
-                  <a:schemeClr val="lt2"/>
-                </a:solidFill>
+              <a:rPr lang="zh-CN" sz="2300" dirty="0">
+                <a:solidFill>
+                  <a:schemeClr val="tx1"/>
+                </a:solidFill>
+                <a:latin typeface="Helvetica" panose="020B0604020202020204" pitchFamily="34" charset="0"/>
+                <a:cs typeface="Helvetica" panose="020B0604020202020204" pitchFamily="34" charset="0"/>
               </a:rPr>
               <a:t>GUI and/or webtools for supporting non-technical users </a:t>
             </a:r>
-            <a:endParaRPr sz="2200">
+            <a:endParaRPr sz="2300" dirty="0">
               <a:solidFill>
-                <a:schemeClr val="lt2"/>
+                <a:schemeClr val="tx1"/>
               </a:solidFill>
+              <a:latin typeface="Helvetica" panose="020B0604020202020204" pitchFamily="34" charset="0"/>
+              <a:cs typeface="Helvetica" panose="020B0604020202020204" pitchFamily="34" charset="0"/>
             </a:endParaRPr>
           </a:p>
           <a:p>
@@ -12277,17 +13128,21 @@
               <a:buChar char="●"/>
             </a:pPr>
             <a:r>
-              <a:rPr lang="zh-CN" sz="2200">
-                <a:solidFill>
-                  <a:schemeClr val="lt2"/>
-                </a:solidFill>
+              <a:rPr lang="zh-CN" sz="2300" dirty="0">
+                <a:solidFill>
+                  <a:schemeClr val="tx1"/>
+                </a:solidFill>
+                <a:latin typeface="Helvetica" panose="020B0604020202020204" pitchFamily="34" charset="0"/>
+                <a:cs typeface="Helvetica" panose="020B0604020202020204" pitchFamily="34" charset="0"/>
               </a:rPr>
               <a:t>Dynamically adapt and update program to fill growing needs</a:t>
             </a:r>
-            <a:endParaRPr sz="2200">
+            <a:endParaRPr sz="2300" dirty="0">
               <a:solidFill>
-                <a:schemeClr val="lt2"/>
+                <a:schemeClr val="tx1"/>
               </a:solidFill>
+              <a:latin typeface="Helvetica" panose="020B0604020202020204" pitchFamily="34" charset="0"/>
+              <a:cs typeface="Helvetica" panose="020B0604020202020204" pitchFamily="34" charset="0"/>
             </a:endParaRPr>
           </a:p>
         </p:txBody>
@@ -12299,7 +13154,7 @@
           <p:nvPr/>
         </p:nvPicPr>
         <p:blipFill>
-          <a:blip r:embed="rId11">
+          <a:blip r:embed="rId10">
             <a:alphaModFix/>
           </a:blip>
           <a:stretch>
@@ -12308,8 +13163,8 @@
         </p:blipFill>
         <p:spPr>
           <a:xfrm>
-            <a:off x="15162650" y="16208552"/>
-            <a:ext cx="5798529" cy="1583266"/>
+            <a:off x="16354371" y="15995869"/>
+            <a:ext cx="6217131" cy="2140244"/>
           </a:xfrm>
           <a:prstGeom prst="rect">
             <a:avLst/>
@@ -12335,18 +13190,18 @@
           <p:nvPr>
             <p:extLst>
               <p:ext uri="{D42A27DB-BD31-4B8C-83A1-F6EECF244321}">
-                <p14:modId xmlns:p14="http://schemas.microsoft.com/office/powerpoint/2010/main" val="2719117550"/>
+                <p14:modId xmlns:p14="http://schemas.microsoft.com/office/powerpoint/2010/main" val="2792230897"/>
               </p:ext>
             </p:extLst>
           </p:nvPr>
         </p:nvGraphicFramePr>
         <p:xfrm>
-          <a:off x="616095" y="8299414"/>
-          <a:ext cx="9624955" cy="6246243"/>
+          <a:off x="461043" y="7817832"/>
+          <a:ext cx="8584104" cy="8932613"/>
         </p:xfrm>
         <a:graphic>
           <a:graphicData uri="http://schemas.openxmlformats.org/drawingml/2006/diagram">
-            <dgm:relIds xmlns:dgm="http://schemas.openxmlformats.org/drawingml/2006/diagram" xmlns:r="http://schemas.openxmlformats.org/officeDocument/2006/relationships" r:dm="rId12" r:lo="rId13" r:qs="rId14" r:cs="rId15"/>
+            <dgm:relIds xmlns:dgm="http://schemas.openxmlformats.org/drawingml/2006/diagram" xmlns:r="http://schemas.openxmlformats.org/officeDocument/2006/relationships" r:dm="rId11" r:lo="rId12" r:qs="rId13" r:cs="rId14"/>
           </a:graphicData>
         </a:graphic>
       </p:graphicFrame>
@@ -12364,8 +13219,8 @@
         </p:nvSpPr>
         <p:spPr>
           <a:xfrm>
-            <a:off x="206950" y="17449800"/>
-            <a:ext cx="10560050" cy="4278086"/>
+            <a:off x="9456787" y="6259766"/>
+            <a:ext cx="13384163" cy="4865832"/>
           </a:xfrm>
           <a:prstGeom prst="rect">
             <a:avLst/>
@@ -12375,7 +13230,7 @@
           </a:solidFill>
           <a:ln>
             <a:solidFill>
-              <a:schemeClr val="tx1"/>
+              <a:schemeClr val="tx2"/>
             </a:solidFill>
           </a:ln>
         </p:spPr>
@@ -12400,7 +13255,10 @@
           <a:lstStyle/>
           <a:p>
             <a:pPr algn="ctr"/>
-            <a:endParaRPr lang="zh-CN" altLang="en-US"/>
+            <a:endParaRPr lang="zh-CN" altLang="en-US">
+              <a:latin typeface="Helvetica" panose="020B0604020202020204" pitchFamily="34" charset="0"/>
+              <a:cs typeface="Helvetica" panose="020B0604020202020204" pitchFamily="34" charset="0"/>
+            </a:endParaRPr>
           </a:p>
         </p:txBody>
       </p:sp>
@@ -12420,7 +13278,7 @@
         </p:nvSpPr>
         <p:spPr>
           <a:xfrm>
-            <a:off x="-6" y="17000185"/>
+            <a:off x="9284023" y="6213574"/>
             <a:ext cx="7707092" cy="1287300"/>
           </a:xfrm>
           <a:prstGeom prst="rect">
@@ -12685,17 +13543,21 @@
           <a:p>
             <a:pPr marL="0" indent="0"/>
             <a:r>
-              <a:rPr lang="en-US" altLang="zh-CN" sz="6400" dirty="0">
-                <a:solidFill>
-                  <a:schemeClr val="lt2"/>
-                </a:solidFill>
+              <a:rPr lang="en-US" altLang="zh-CN" sz="4300" dirty="0">
+                <a:solidFill>
+                  <a:schemeClr val="tx1"/>
+                </a:solidFill>
+                <a:latin typeface="Helvetica" panose="020B0604020202020204" pitchFamily="34" charset="0"/>
+                <a:cs typeface="Helvetica" panose="020B0604020202020204" pitchFamily="34" charset="0"/>
               </a:rPr>
-              <a:t>Example output:</a:t>
+              <a:t>Example Output:</a:t>
             </a:r>
-            <a:endParaRPr lang="en-US" sz="6000" dirty="0">
+            <a:endParaRPr lang="en-US" sz="4300" dirty="0">
               <a:solidFill>
-                <a:schemeClr val="lt2"/>
+                <a:schemeClr val="tx1"/>
               </a:solidFill>
+              <a:latin typeface="Helvetica" panose="020B0604020202020204" pitchFamily="34" charset="0"/>
+              <a:cs typeface="Helvetica" panose="020B0604020202020204" pitchFamily="34" charset="0"/>
             </a:endParaRPr>
           </a:p>
         </p:txBody>
@@ -12716,8 +13578,8 @@
         </p:nvSpPr>
         <p:spPr>
           <a:xfrm>
-            <a:off x="82843" y="18796304"/>
-            <a:ext cx="2384400" cy="2461800"/>
+            <a:off x="9313487" y="7044850"/>
+            <a:ext cx="5737884" cy="938733"/>
           </a:xfrm>
           <a:prstGeom prst="rect">
             <a:avLst/>
@@ -12984,10 +13846,29 @@
                 <a:spcPct val="115000"/>
               </a:lnSpc>
             </a:pPr>
-            <a:endParaRPr lang="en-US" sz="2200" dirty="0">
+            <a:r>
+              <a:rPr lang="en-US" sz="2800" b="1" dirty="0">
+                <a:solidFill>
+                  <a:schemeClr val="lt2"/>
+                </a:solidFill>
+                <a:latin typeface="Helvetica" panose="020B0604020202020204" pitchFamily="34" charset="0"/>
+                <a:cs typeface="Helvetica" panose="020B0604020202020204" pitchFamily="34" charset="0"/>
+              </a:rPr>
+              <a:t>Peak picking &amp; alignment:</a:t>
+            </a:r>
+          </a:p>
+          <a:p>
+            <a:pPr marL="0" indent="0">
+              <a:lnSpc>
+                <a:spcPct val="115000"/>
+              </a:lnSpc>
+            </a:pPr>
+            <a:endParaRPr lang="en-US" sz="2800" dirty="0">
               <a:solidFill>
                 <a:schemeClr val="lt2"/>
               </a:solidFill>
+              <a:latin typeface="Helvetica" panose="020B0604020202020204" pitchFamily="34" charset="0"/>
+              <a:cs typeface="Helvetica" panose="020B0604020202020204" pitchFamily="34" charset="0"/>
             </a:endParaRPr>
           </a:p>
           <a:p>
@@ -12996,14 +13877,13 @@
                 <a:spcPct val="115000"/>
               </a:lnSpc>
             </a:pPr>
-            <a:r>
-              <a:rPr lang="en-US" sz="2200" dirty="0">
-                <a:solidFill>
-                  <a:schemeClr val="lt2"/>
-                </a:solidFill>
-              </a:rPr>
-              <a:t>Peak picking &amp; alignment:</a:t>
-            </a:r>
+            <a:endParaRPr lang="en-US" sz="2800" dirty="0">
+              <a:solidFill>
+                <a:schemeClr val="lt2"/>
+              </a:solidFill>
+              <a:latin typeface="Helvetica" panose="020B0604020202020204" pitchFamily="34" charset="0"/>
+              <a:cs typeface="Helvetica" panose="020B0604020202020204" pitchFamily="34" charset="0"/>
+            </a:endParaRPr>
           </a:p>
           <a:p>
             <a:pPr marL="0" indent="0">
@@ -13015,6 +13895,8 @@
               <a:solidFill>
                 <a:schemeClr val="lt2"/>
               </a:solidFill>
+              <a:latin typeface="Helvetica" panose="020B0604020202020204" pitchFamily="34" charset="0"/>
+              <a:cs typeface="Helvetica" panose="020B0604020202020204" pitchFamily="34" charset="0"/>
             </a:endParaRPr>
           </a:p>
         </p:txBody>
@@ -13034,15 +13916,15 @@
           <p:nvPr/>
         </p:nvPicPr>
         <p:blipFill>
-          <a:blip r:embed="rId17"/>
+          <a:blip r:embed="rId16"/>
           <a:stretch>
             <a:fillRect/>
           </a:stretch>
         </p:blipFill>
         <p:spPr>
           <a:xfrm>
-            <a:off x="2301404" y="18399217"/>
-            <a:ext cx="3104271" cy="3111342"/>
+            <a:off x="18075826" y="6355720"/>
+            <a:ext cx="4663302" cy="4673924"/>
           </a:xfrm>
           <a:prstGeom prst="rect">
             <a:avLst/>
@@ -13062,15 +13944,15 @@
           <p:nvPr/>
         </p:nvPicPr>
         <p:blipFill>
-          <a:blip r:embed="rId18"/>
+          <a:blip r:embed="rId17"/>
           <a:stretch>
             <a:fillRect/>
           </a:stretch>
         </p:blipFill>
         <p:spPr>
           <a:xfrm>
-            <a:off x="5586747" y="18660725"/>
-            <a:ext cx="5081078" cy="2667566"/>
+            <a:off x="13323897" y="9019728"/>
+            <a:ext cx="4518006" cy="2008086"/>
           </a:xfrm>
           <a:prstGeom prst="rect">
             <a:avLst/>
@@ -13094,8 +13976,8 @@
         </p:nvSpPr>
         <p:spPr>
           <a:xfrm>
-            <a:off x="10857151" y="7179046"/>
-            <a:ext cx="2384400" cy="2461800"/>
+            <a:off x="9395989" y="10714221"/>
+            <a:ext cx="2991325" cy="2461800"/>
           </a:xfrm>
           <a:prstGeom prst="rect">
             <a:avLst/>
@@ -13366,6 +14248,8 @@
               <a:solidFill>
                 <a:schemeClr val="lt2"/>
               </a:solidFill>
+              <a:latin typeface="Helvetica" panose="020B0604020202020204" pitchFamily="34" charset="0"/>
+              <a:cs typeface="Helvetica" panose="020B0604020202020204" pitchFamily="34" charset="0"/>
             </a:endParaRPr>
           </a:p>
           <a:p>
@@ -13375,10 +14259,12 @@
               </a:lnSpc>
             </a:pPr>
             <a:r>
-              <a:rPr lang="en-US" sz="2200" dirty="0">
+              <a:rPr lang="en-US" sz="2800" b="1" dirty="0">
                 <a:solidFill>
                   <a:schemeClr val="lt2"/>
                 </a:solidFill>
+                <a:latin typeface="Helvetica" panose="020B0604020202020204" pitchFamily="34" charset="0"/>
+                <a:cs typeface="Helvetica" panose="020B0604020202020204" pitchFamily="34" charset="0"/>
               </a:rPr>
               <a:t>Clustering:</a:t>
             </a:r>
@@ -13393,6 +14279,8 @@
               <a:solidFill>
                 <a:schemeClr val="lt2"/>
               </a:solidFill>
+              <a:latin typeface="Helvetica" panose="020B0604020202020204" pitchFamily="34" charset="0"/>
+              <a:cs typeface="Helvetica" panose="020B0604020202020204" pitchFamily="34" charset="0"/>
             </a:endParaRPr>
           </a:p>
         </p:txBody>
@@ -13413,8 +14301,8 @@
         </p:nvSpPr>
         <p:spPr>
           <a:xfrm>
-            <a:off x="10893575" y="12709130"/>
-            <a:ext cx="3571249" cy="2461800"/>
+            <a:off x="9467380" y="15088395"/>
+            <a:ext cx="4493696" cy="2461800"/>
           </a:xfrm>
           <a:prstGeom prst="rect">
             <a:avLst/>
@@ -13681,10 +14569,12 @@
                 <a:spcPct val="115000"/>
               </a:lnSpc>
             </a:pPr>
-            <a:endParaRPr lang="en-US" sz="2200" dirty="0">
+            <a:endParaRPr lang="en-US" sz="2800" b="1" dirty="0">
               <a:solidFill>
                 <a:schemeClr val="lt2"/>
               </a:solidFill>
+              <a:latin typeface="Helvetica" panose="020B0604020202020204" pitchFamily="34" charset="0"/>
+              <a:cs typeface="Helvetica" panose="020B0604020202020204" pitchFamily="34" charset="0"/>
             </a:endParaRPr>
           </a:p>
           <a:p>
@@ -13694,10 +14584,12 @@
               </a:lnSpc>
             </a:pPr>
             <a:r>
-              <a:rPr lang="en-US" sz="2200" dirty="0">
+              <a:rPr lang="en-US" sz="2800" b="1" dirty="0">
                 <a:solidFill>
                   <a:schemeClr val="lt2"/>
                 </a:solidFill>
+                <a:latin typeface="Helvetica" panose="020B0604020202020204" pitchFamily="34" charset="0"/>
+                <a:cs typeface="Helvetica" panose="020B0604020202020204" pitchFamily="34" charset="0"/>
               </a:rPr>
               <a:t>Dilution Prediction and Source Tracking:</a:t>
             </a:r>
@@ -13712,325 +14604,8 @@
               <a:solidFill>
                 <a:schemeClr val="lt2"/>
               </a:solidFill>
-            </a:endParaRPr>
-          </a:p>
-        </p:txBody>
-      </p:sp>
-      <p:sp>
-        <p:nvSpPr>
-          <p:cNvPr id="44" name="Google Shape;105;p14">
-            <a:extLst>
-              <a:ext uri="{FF2B5EF4-FFF2-40B4-BE49-F238E27FC236}">
-                <a16:creationId xmlns:a16="http://schemas.microsoft.com/office/drawing/2014/main" id="{4417ACFA-D0B3-49F4-911A-A5327835EBEA}"/>
-              </a:ext>
-            </a:extLst>
-          </p:cNvPr>
-          <p:cNvSpPr txBox="1">
-            <a:spLocks/>
-          </p:cNvSpPr>
-          <p:nvPr/>
-        </p:nvSpPr>
-        <p:spPr>
-          <a:xfrm>
-            <a:off x="14708530" y="19241226"/>
-            <a:ext cx="3571249" cy="2461800"/>
-          </a:xfrm>
-          <a:prstGeom prst="rect">
-            <a:avLst/>
-          </a:prstGeom>
-          <a:noFill/>
-          <a:ln>
-            <a:noFill/>
-          </a:ln>
-        </p:spPr>
-        <p:txBody>
-          <a:bodyPr spcFirstLastPara="1" wrap="square" lIns="324600" tIns="324600" rIns="324600" bIns="324600" anchor="t" anchorCtr="0">
-            <a:noAutofit/>
-          </a:bodyPr>
-          <a:lstStyle>
-            <a:defPPr marR="0" lvl="0" algn="l" rtl="0">
-              <a:lnSpc>
-                <a:spcPct val="100000"/>
-              </a:lnSpc>
-              <a:spcBef>
-                <a:spcPts val="0"/>
-              </a:spcBef>
-              <a:spcAft>
-                <a:spcPts val="0"/>
-              </a:spcAft>
-            </a:defPPr>
-            <a:lvl1pPr marL="457200" marR="0" lvl="0" indent="-635000" algn="l" rtl="0">
-              <a:lnSpc>
-                <a:spcPct val="100000"/>
-              </a:lnSpc>
-              <a:spcBef>
-                <a:spcPts val="0"/>
-              </a:spcBef>
-              <a:spcAft>
-                <a:spcPts val="0"/>
-              </a:spcAft>
-              <a:buClr>
-                <a:schemeClr val="accent2"/>
-              </a:buClr>
-              <a:buSzPts val="8500"/>
-              <a:buFont typeface="Old Standard TT"/>
-              <a:buNone/>
-              <a:defRPr sz="8500" b="0" i="0" u="none" strike="noStrike" cap="none">
-                <a:solidFill>
-                  <a:schemeClr val="accent2"/>
-                </a:solidFill>
-                <a:latin typeface="Old Standard TT"/>
-                <a:ea typeface="Old Standard TT"/>
-                <a:cs typeface="Old Standard TT"/>
-                <a:sym typeface="Old Standard TT"/>
-              </a:defRPr>
-            </a:lvl1pPr>
-            <a:lvl2pPr marL="914400" marR="0" lvl="1" indent="-546100" algn="l" rtl="0">
-              <a:lnSpc>
-                <a:spcPct val="100000"/>
-              </a:lnSpc>
-              <a:spcBef>
-                <a:spcPts val="0"/>
-              </a:spcBef>
-              <a:spcAft>
-                <a:spcPts val="0"/>
-              </a:spcAft>
-              <a:buClr>
-                <a:schemeClr val="accent2"/>
-              </a:buClr>
-              <a:buSzPts val="8500"/>
-              <a:buFont typeface="Old Standard TT"/>
-              <a:buNone/>
-              <a:defRPr sz="8500" b="0" i="0" u="none" strike="noStrike" cap="none">
-                <a:solidFill>
-                  <a:schemeClr val="accent2"/>
-                </a:solidFill>
-                <a:latin typeface="Old Standard TT"/>
-                <a:ea typeface="Old Standard TT"/>
-                <a:cs typeface="Old Standard TT"/>
-                <a:sym typeface="Old Standard TT"/>
-              </a:defRPr>
-            </a:lvl2pPr>
-            <a:lvl3pPr marL="1371600" marR="0" lvl="2" indent="-546100" algn="l" rtl="0">
-              <a:lnSpc>
-                <a:spcPct val="100000"/>
-              </a:lnSpc>
-              <a:spcBef>
-                <a:spcPts val="0"/>
-              </a:spcBef>
-              <a:spcAft>
-                <a:spcPts val="0"/>
-              </a:spcAft>
-              <a:buClr>
-                <a:schemeClr val="accent2"/>
-              </a:buClr>
-              <a:buSzPts val="8500"/>
-              <a:buFont typeface="Old Standard TT"/>
-              <a:buNone/>
-              <a:defRPr sz="8500" b="0" i="0" u="none" strike="noStrike" cap="none">
-                <a:solidFill>
-                  <a:schemeClr val="accent2"/>
-                </a:solidFill>
-                <a:latin typeface="Old Standard TT"/>
-                <a:ea typeface="Old Standard TT"/>
-                <a:cs typeface="Old Standard TT"/>
-                <a:sym typeface="Old Standard TT"/>
-              </a:defRPr>
-            </a:lvl3pPr>
-            <a:lvl4pPr marL="1828800" marR="0" lvl="3" indent="-546100" algn="l" rtl="0">
-              <a:lnSpc>
-                <a:spcPct val="100000"/>
-              </a:lnSpc>
-              <a:spcBef>
-                <a:spcPts val="0"/>
-              </a:spcBef>
-              <a:spcAft>
-                <a:spcPts val="0"/>
-              </a:spcAft>
-              <a:buClr>
-                <a:schemeClr val="accent2"/>
-              </a:buClr>
-              <a:buSzPts val="8500"/>
-              <a:buFont typeface="Old Standard TT"/>
-              <a:buNone/>
-              <a:defRPr sz="8500" b="0" i="0" u="none" strike="noStrike" cap="none">
-                <a:solidFill>
-                  <a:schemeClr val="accent2"/>
-                </a:solidFill>
-                <a:latin typeface="Old Standard TT"/>
-                <a:ea typeface="Old Standard TT"/>
-                <a:cs typeface="Old Standard TT"/>
-                <a:sym typeface="Old Standard TT"/>
-              </a:defRPr>
-            </a:lvl4pPr>
-            <a:lvl5pPr marL="2286000" marR="0" lvl="4" indent="-546100" algn="l" rtl="0">
-              <a:lnSpc>
-                <a:spcPct val="100000"/>
-              </a:lnSpc>
-              <a:spcBef>
-                <a:spcPts val="0"/>
-              </a:spcBef>
-              <a:spcAft>
-                <a:spcPts val="0"/>
-              </a:spcAft>
-              <a:buClr>
-                <a:schemeClr val="accent2"/>
-              </a:buClr>
-              <a:buSzPts val="8500"/>
-              <a:buFont typeface="Old Standard TT"/>
-              <a:buNone/>
-              <a:defRPr sz="8500" b="0" i="0" u="none" strike="noStrike" cap="none">
-                <a:solidFill>
-                  <a:schemeClr val="accent2"/>
-                </a:solidFill>
-                <a:latin typeface="Old Standard TT"/>
-                <a:ea typeface="Old Standard TT"/>
-                <a:cs typeface="Old Standard TT"/>
-                <a:sym typeface="Old Standard TT"/>
-              </a:defRPr>
-            </a:lvl5pPr>
-            <a:lvl6pPr marL="2743200" marR="0" lvl="5" indent="-546100" algn="l" rtl="0">
-              <a:lnSpc>
-                <a:spcPct val="100000"/>
-              </a:lnSpc>
-              <a:spcBef>
-                <a:spcPts val="0"/>
-              </a:spcBef>
-              <a:spcAft>
-                <a:spcPts val="0"/>
-              </a:spcAft>
-              <a:buClr>
-                <a:schemeClr val="accent2"/>
-              </a:buClr>
-              <a:buSzPts val="8500"/>
-              <a:buFont typeface="Old Standard TT"/>
-              <a:buNone/>
-              <a:defRPr sz="8500" b="0" i="0" u="none" strike="noStrike" cap="none">
-                <a:solidFill>
-                  <a:schemeClr val="accent2"/>
-                </a:solidFill>
-                <a:latin typeface="Old Standard TT"/>
-                <a:ea typeface="Old Standard TT"/>
-                <a:cs typeface="Old Standard TT"/>
-                <a:sym typeface="Old Standard TT"/>
-              </a:defRPr>
-            </a:lvl6pPr>
-            <a:lvl7pPr marL="3200400" marR="0" lvl="6" indent="-546100" algn="l" rtl="0">
-              <a:lnSpc>
-                <a:spcPct val="100000"/>
-              </a:lnSpc>
-              <a:spcBef>
-                <a:spcPts val="0"/>
-              </a:spcBef>
-              <a:spcAft>
-                <a:spcPts val="0"/>
-              </a:spcAft>
-              <a:buClr>
-                <a:schemeClr val="accent2"/>
-              </a:buClr>
-              <a:buSzPts val="8500"/>
-              <a:buFont typeface="Old Standard TT"/>
-              <a:buNone/>
-              <a:defRPr sz="8500" b="0" i="0" u="none" strike="noStrike" cap="none">
-                <a:solidFill>
-                  <a:schemeClr val="accent2"/>
-                </a:solidFill>
-                <a:latin typeface="Old Standard TT"/>
-                <a:ea typeface="Old Standard TT"/>
-                <a:cs typeface="Old Standard TT"/>
-                <a:sym typeface="Old Standard TT"/>
-              </a:defRPr>
-            </a:lvl7pPr>
-            <a:lvl8pPr marL="3657600" marR="0" lvl="7" indent="-546100" algn="l" rtl="0">
-              <a:lnSpc>
-                <a:spcPct val="100000"/>
-              </a:lnSpc>
-              <a:spcBef>
-                <a:spcPts val="0"/>
-              </a:spcBef>
-              <a:spcAft>
-                <a:spcPts val="0"/>
-              </a:spcAft>
-              <a:buClr>
-                <a:schemeClr val="accent2"/>
-              </a:buClr>
-              <a:buSzPts val="8500"/>
-              <a:buFont typeface="Old Standard TT"/>
-              <a:buNone/>
-              <a:defRPr sz="8500" b="0" i="0" u="none" strike="noStrike" cap="none">
-                <a:solidFill>
-                  <a:schemeClr val="accent2"/>
-                </a:solidFill>
-                <a:latin typeface="Old Standard TT"/>
-                <a:ea typeface="Old Standard TT"/>
-                <a:cs typeface="Old Standard TT"/>
-                <a:sym typeface="Old Standard TT"/>
-              </a:defRPr>
-            </a:lvl8pPr>
-            <a:lvl9pPr marL="4114800" marR="0" lvl="8" indent="-546100" algn="l" rtl="0">
-              <a:lnSpc>
-                <a:spcPct val="100000"/>
-              </a:lnSpc>
-              <a:spcBef>
-                <a:spcPts val="0"/>
-              </a:spcBef>
-              <a:spcAft>
-                <a:spcPts val="0"/>
-              </a:spcAft>
-              <a:buClr>
-                <a:schemeClr val="accent2"/>
-              </a:buClr>
-              <a:buSzPts val="8500"/>
-              <a:buFont typeface="Old Standard TT"/>
-              <a:buNone/>
-              <a:defRPr sz="8500" b="0" i="0" u="none" strike="noStrike" cap="none">
-                <a:solidFill>
-                  <a:schemeClr val="accent2"/>
-                </a:solidFill>
-                <a:latin typeface="Old Standard TT"/>
-                <a:ea typeface="Old Standard TT"/>
-                <a:cs typeface="Old Standard TT"/>
-                <a:sym typeface="Old Standard TT"/>
-              </a:defRPr>
-            </a:lvl9pPr>
-          </a:lstStyle>
-          <a:p>
-            <a:pPr marL="0" indent="0">
-              <a:lnSpc>
-                <a:spcPct val="115000"/>
-              </a:lnSpc>
-            </a:pPr>
-            <a:endParaRPr lang="en-US" sz="2200" dirty="0">
-              <a:solidFill>
-                <a:schemeClr val="lt2"/>
-              </a:solidFill>
-            </a:endParaRPr>
-          </a:p>
-          <a:p>
-            <a:pPr marL="0" indent="0">
-              <a:lnSpc>
-                <a:spcPct val="115000"/>
-              </a:lnSpc>
-            </a:pPr>
-            <a:r>
-              <a:rPr lang="en-US" sz="2200" dirty="0">
-                <a:solidFill>
-                  <a:schemeClr val="lt2"/>
-                </a:solidFill>
-              </a:rPr>
-              <a:t>And more..</a:t>
-            </a:r>
-          </a:p>
-          <a:p>
-            <a:pPr marL="0" indent="0">
-              <a:lnSpc>
-                <a:spcPct val="115000"/>
-              </a:lnSpc>
-            </a:pPr>
-            <a:endParaRPr lang="en-US" sz="2200" dirty="0">
-              <a:solidFill>
-                <a:schemeClr val="lt2"/>
-              </a:solidFill>
+              <a:latin typeface="Helvetica" panose="020B0604020202020204" pitchFamily="34" charset="0"/>
+              <a:cs typeface="Helvetica" panose="020B0604020202020204" pitchFamily="34" charset="0"/>
             </a:endParaRPr>
           </a:p>
         </p:txBody>
@@ -14050,22 +14625,385 @@
           <p:nvPr/>
         </p:nvPicPr>
         <p:blipFill>
-          <a:blip r:embed="rId19"/>
+          <a:blip r:embed="rId18"/>
           <a:stretch>
             <a:fillRect/>
           </a:stretch>
         </p:blipFill>
         <p:spPr>
           <a:xfrm>
-            <a:off x="16969878" y="18150918"/>
-            <a:ext cx="4140797" cy="3457564"/>
+            <a:off x="15327173" y="18398020"/>
+            <a:ext cx="3636423" cy="3029319"/>
           </a:xfrm>
           <a:prstGeom prst="rect">
             <a:avLst/>
           </a:prstGeom>
         </p:spPr>
       </p:pic>
+      <p:sp>
+        <p:nvSpPr>
+          <p:cNvPr id="44" name="Google Shape;105;p14">
+            <a:extLst>
+              <a:ext uri="{FF2B5EF4-FFF2-40B4-BE49-F238E27FC236}">
+                <a16:creationId xmlns:a16="http://schemas.microsoft.com/office/drawing/2014/main" id="{C2149B34-37D7-455F-9D31-3FB1328B2DE2}"/>
+              </a:ext>
+            </a:extLst>
+          </p:cNvPr>
+          <p:cNvSpPr txBox="1">
+            <a:spLocks/>
+          </p:cNvSpPr>
+          <p:nvPr/>
+        </p:nvSpPr>
+        <p:spPr>
+          <a:xfrm>
+            <a:off x="9262805" y="7514216"/>
+            <a:ext cx="6724653" cy="2461800"/>
+          </a:xfrm>
+          <a:prstGeom prst="rect">
+            <a:avLst/>
+          </a:prstGeom>
+          <a:noFill/>
+          <a:ln>
+            <a:noFill/>
+          </a:ln>
+        </p:spPr>
+        <p:txBody>
+          <a:bodyPr spcFirstLastPara="1" wrap="square" lIns="324600" tIns="324600" rIns="324600" bIns="324600" anchor="t" anchorCtr="0">
+            <a:noAutofit/>
+          </a:bodyPr>
+          <a:lstStyle>
+            <a:defPPr marR="0" lvl="0" algn="l" rtl="0">
+              <a:lnSpc>
+                <a:spcPct val="100000"/>
+              </a:lnSpc>
+              <a:spcBef>
+                <a:spcPts val="0"/>
+              </a:spcBef>
+              <a:spcAft>
+                <a:spcPts val="0"/>
+              </a:spcAft>
+            </a:defPPr>
+            <a:lvl1pPr marL="457200" marR="0" lvl="0" indent="-635000" algn="l" rtl="0">
+              <a:lnSpc>
+                <a:spcPct val="100000"/>
+              </a:lnSpc>
+              <a:spcBef>
+                <a:spcPts val="0"/>
+              </a:spcBef>
+              <a:spcAft>
+                <a:spcPts val="0"/>
+              </a:spcAft>
+              <a:buClr>
+                <a:schemeClr val="accent2"/>
+              </a:buClr>
+              <a:buSzPts val="8500"/>
+              <a:buFont typeface="Old Standard TT"/>
+              <a:buNone/>
+              <a:defRPr sz="8500" b="0" i="0" u="none" strike="noStrike" cap="none">
+                <a:solidFill>
+                  <a:schemeClr val="accent2"/>
+                </a:solidFill>
+                <a:latin typeface="Old Standard TT"/>
+                <a:ea typeface="Old Standard TT"/>
+                <a:cs typeface="Old Standard TT"/>
+                <a:sym typeface="Old Standard TT"/>
+              </a:defRPr>
+            </a:lvl1pPr>
+            <a:lvl2pPr marL="914400" marR="0" lvl="1" indent="-546100" algn="l" rtl="0">
+              <a:lnSpc>
+                <a:spcPct val="100000"/>
+              </a:lnSpc>
+              <a:spcBef>
+                <a:spcPts val="0"/>
+              </a:spcBef>
+              <a:spcAft>
+                <a:spcPts val="0"/>
+              </a:spcAft>
+              <a:buClr>
+                <a:schemeClr val="accent2"/>
+              </a:buClr>
+              <a:buSzPts val="8500"/>
+              <a:buFont typeface="Old Standard TT"/>
+              <a:buNone/>
+              <a:defRPr sz="8500" b="0" i="0" u="none" strike="noStrike" cap="none">
+                <a:solidFill>
+                  <a:schemeClr val="accent2"/>
+                </a:solidFill>
+                <a:latin typeface="Old Standard TT"/>
+                <a:ea typeface="Old Standard TT"/>
+                <a:cs typeface="Old Standard TT"/>
+                <a:sym typeface="Old Standard TT"/>
+              </a:defRPr>
+            </a:lvl2pPr>
+            <a:lvl3pPr marL="1371600" marR="0" lvl="2" indent="-546100" algn="l" rtl="0">
+              <a:lnSpc>
+                <a:spcPct val="100000"/>
+              </a:lnSpc>
+              <a:spcBef>
+                <a:spcPts val="0"/>
+              </a:spcBef>
+              <a:spcAft>
+                <a:spcPts val="0"/>
+              </a:spcAft>
+              <a:buClr>
+                <a:schemeClr val="accent2"/>
+              </a:buClr>
+              <a:buSzPts val="8500"/>
+              <a:buFont typeface="Old Standard TT"/>
+              <a:buNone/>
+              <a:defRPr sz="8500" b="0" i="0" u="none" strike="noStrike" cap="none">
+                <a:solidFill>
+                  <a:schemeClr val="accent2"/>
+                </a:solidFill>
+                <a:latin typeface="Old Standard TT"/>
+                <a:ea typeface="Old Standard TT"/>
+                <a:cs typeface="Old Standard TT"/>
+                <a:sym typeface="Old Standard TT"/>
+              </a:defRPr>
+            </a:lvl3pPr>
+            <a:lvl4pPr marL="1828800" marR="0" lvl="3" indent="-546100" algn="l" rtl="0">
+              <a:lnSpc>
+                <a:spcPct val="100000"/>
+              </a:lnSpc>
+              <a:spcBef>
+                <a:spcPts val="0"/>
+              </a:spcBef>
+              <a:spcAft>
+                <a:spcPts val="0"/>
+              </a:spcAft>
+              <a:buClr>
+                <a:schemeClr val="accent2"/>
+              </a:buClr>
+              <a:buSzPts val="8500"/>
+              <a:buFont typeface="Old Standard TT"/>
+              <a:buNone/>
+              <a:defRPr sz="8500" b="0" i="0" u="none" strike="noStrike" cap="none">
+                <a:solidFill>
+                  <a:schemeClr val="accent2"/>
+                </a:solidFill>
+                <a:latin typeface="Old Standard TT"/>
+                <a:ea typeface="Old Standard TT"/>
+                <a:cs typeface="Old Standard TT"/>
+                <a:sym typeface="Old Standard TT"/>
+              </a:defRPr>
+            </a:lvl4pPr>
+            <a:lvl5pPr marL="2286000" marR="0" lvl="4" indent="-546100" algn="l" rtl="0">
+              <a:lnSpc>
+                <a:spcPct val="100000"/>
+              </a:lnSpc>
+              <a:spcBef>
+                <a:spcPts val="0"/>
+              </a:spcBef>
+              <a:spcAft>
+                <a:spcPts val="0"/>
+              </a:spcAft>
+              <a:buClr>
+                <a:schemeClr val="accent2"/>
+              </a:buClr>
+              <a:buSzPts val="8500"/>
+              <a:buFont typeface="Old Standard TT"/>
+              <a:buNone/>
+              <a:defRPr sz="8500" b="0" i="0" u="none" strike="noStrike" cap="none">
+                <a:solidFill>
+                  <a:schemeClr val="accent2"/>
+                </a:solidFill>
+                <a:latin typeface="Old Standard TT"/>
+                <a:ea typeface="Old Standard TT"/>
+                <a:cs typeface="Old Standard TT"/>
+                <a:sym typeface="Old Standard TT"/>
+              </a:defRPr>
+            </a:lvl5pPr>
+            <a:lvl6pPr marL="2743200" marR="0" lvl="5" indent="-546100" algn="l" rtl="0">
+              <a:lnSpc>
+                <a:spcPct val="100000"/>
+              </a:lnSpc>
+              <a:spcBef>
+                <a:spcPts val="0"/>
+              </a:spcBef>
+              <a:spcAft>
+                <a:spcPts val="0"/>
+              </a:spcAft>
+              <a:buClr>
+                <a:schemeClr val="accent2"/>
+              </a:buClr>
+              <a:buSzPts val="8500"/>
+              <a:buFont typeface="Old Standard TT"/>
+              <a:buNone/>
+              <a:defRPr sz="8500" b="0" i="0" u="none" strike="noStrike" cap="none">
+                <a:solidFill>
+                  <a:schemeClr val="accent2"/>
+                </a:solidFill>
+                <a:latin typeface="Old Standard TT"/>
+                <a:ea typeface="Old Standard TT"/>
+                <a:cs typeface="Old Standard TT"/>
+                <a:sym typeface="Old Standard TT"/>
+              </a:defRPr>
+            </a:lvl6pPr>
+            <a:lvl7pPr marL="3200400" marR="0" lvl="6" indent="-546100" algn="l" rtl="0">
+              <a:lnSpc>
+                <a:spcPct val="100000"/>
+              </a:lnSpc>
+              <a:spcBef>
+                <a:spcPts val="0"/>
+              </a:spcBef>
+              <a:spcAft>
+                <a:spcPts val="0"/>
+              </a:spcAft>
+              <a:buClr>
+                <a:schemeClr val="accent2"/>
+              </a:buClr>
+              <a:buSzPts val="8500"/>
+              <a:buFont typeface="Old Standard TT"/>
+              <a:buNone/>
+              <a:defRPr sz="8500" b="0" i="0" u="none" strike="noStrike" cap="none">
+                <a:solidFill>
+                  <a:schemeClr val="accent2"/>
+                </a:solidFill>
+                <a:latin typeface="Old Standard TT"/>
+                <a:ea typeface="Old Standard TT"/>
+                <a:cs typeface="Old Standard TT"/>
+                <a:sym typeface="Old Standard TT"/>
+              </a:defRPr>
+            </a:lvl7pPr>
+            <a:lvl8pPr marL="3657600" marR="0" lvl="7" indent="-546100" algn="l" rtl="0">
+              <a:lnSpc>
+                <a:spcPct val="100000"/>
+              </a:lnSpc>
+              <a:spcBef>
+                <a:spcPts val="0"/>
+              </a:spcBef>
+              <a:spcAft>
+                <a:spcPts val="0"/>
+              </a:spcAft>
+              <a:buClr>
+                <a:schemeClr val="accent2"/>
+              </a:buClr>
+              <a:buSzPts val="8500"/>
+              <a:buFont typeface="Old Standard TT"/>
+              <a:buNone/>
+              <a:defRPr sz="8500" b="0" i="0" u="none" strike="noStrike" cap="none">
+                <a:solidFill>
+                  <a:schemeClr val="accent2"/>
+                </a:solidFill>
+                <a:latin typeface="Old Standard TT"/>
+                <a:ea typeface="Old Standard TT"/>
+                <a:cs typeface="Old Standard TT"/>
+                <a:sym typeface="Old Standard TT"/>
+              </a:defRPr>
+            </a:lvl8pPr>
+            <a:lvl9pPr marL="4114800" marR="0" lvl="8" indent="-546100" algn="l" rtl="0">
+              <a:lnSpc>
+                <a:spcPct val="100000"/>
+              </a:lnSpc>
+              <a:spcBef>
+                <a:spcPts val="0"/>
+              </a:spcBef>
+              <a:spcAft>
+                <a:spcPts val="0"/>
+              </a:spcAft>
+              <a:buClr>
+                <a:schemeClr val="accent2"/>
+              </a:buClr>
+              <a:buSzPts val="8500"/>
+              <a:buFont typeface="Old Standard TT"/>
+              <a:buNone/>
+              <a:defRPr sz="8500" b="0" i="0" u="none" strike="noStrike" cap="none">
+                <a:solidFill>
+                  <a:schemeClr val="accent2"/>
+                </a:solidFill>
+                <a:latin typeface="Old Standard TT"/>
+                <a:ea typeface="Old Standard TT"/>
+                <a:cs typeface="Old Standard TT"/>
+                <a:sym typeface="Old Standard TT"/>
+              </a:defRPr>
+            </a:lvl9pPr>
+          </a:lstStyle>
+          <a:p>
+            <a:pPr marL="0" indent="0">
+              <a:lnSpc>
+                <a:spcPct val="115000"/>
+              </a:lnSpc>
+            </a:pPr>
+            <a:endParaRPr lang="en-US" sz="2300" dirty="0">
+              <a:solidFill>
+                <a:schemeClr val="tx1"/>
+              </a:solidFill>
+              <a:latin typeface="Helvetica" panose="020B0604020202020204" pitchFamily="34" charset="0"/>
+              <a:cs typeface="Helvetica" panose="020B0604020202020204" pitchFamily="34" charset="0"/>
+            </a:endParaRPr>
+          </a:p>
+          <a:p>
+            <a:pPr lvl="0" indent="-368300">
+              <a:lnSpc>
+                <a:spcPct val="115000"/>
+              </a:lnSpc>
+              <a:buClr>
+                <a:schemeClr val="lt2"/>
+              </a:buClr>
+              <a:buSzPts val="2200"/>
+              <a:buChar char="●"/>
+            </a:pPr>
+            <a:r>
+              <a:rPr lang="en-US" sz="2300" dirty="0">
+                <a:solidFill>
+                  <a:schemeClr val="tx1"/>
+                </a:solidFill>
+                <a:latin typeface="Helvetica" panose="020B0604020202020204" pitchFamily="34" charset="0"/>
+                <a:cs typeface="Helvetica" panose="020B0604020202020204" pitchFamily="34" charset="0"/>
+              </a:rPr>
+              <a:t>Filters out peaks that arise from noise</a:t>
+            </a:r>
+          </a:p>
+          <a:p>
+            <a:pPr lvl="0" indent="-368300">
+              <a:lnSpc>
+                <a:spcPct val="115000"/>
+              </a:lnSpc>
+              <a:buClr>
+                <a:schemeClr val="lt2"/>
+              </a:buClr>
+              <a:buSzPts val="2200"/>
+              <a:buChar char="●"/>
+            </a:pPr>
+            <a:r>
+              <a:rPr lang="en-US" sz="2300" dirty="0">
+                <a:solidFill>
+                  <a:schemeClr val="tx1"/>
+                </a:solidFill>
+                <a:latin typeface="Helvetica" panose="020B0604020202020204" pitchFamily="34" charset="0"/>
+                <a:cs typeface="Helvetica" panose="020B0604020202020204" pitchFamily="34" charset="0"/>
+              </a:rPr>
+              <a:t>Align similar RT/</a:t>
+            </a:r>
+            <a:r>
+              <a:rPr lang="en-US" sz="2300" dirty="0" err="1">
+                <a:solidFill>
+                  <a:schemeClr val="tx1"/>
+                </a:solidFill>
+                <a:latin typeface="Helvetica" panose="020B0604020202020204" pitchFamily="34" charset="0"/>
+                <a:cs typeface="Helvetica" panose="020B0604020202020204" pitchFamily="34" charset="0"/>
+              </a:rPr>
+              <a:t>mz</a:t>
+            </a:r>
+            <a:r>
+              <a:rPr lang="en-US" sz="2300" dirty="0">
+                <a:solidFill>
+                  <a:schemeClr val="tx1"/>
+                </a:solidFill>
+                <a:latin typeface="Helvetica" panose="020B0604020202020204" pitchFamily="34" charset="0"/>
+                <a:cs typeface="Helvetica" panose="020B0604020202020204" pitchFamily="34" charset="0"/>
+              </a:rPr>
+              <a:t> values to create cohesive databases</a:t>
+            </a:r>
+          </a:p>
+        </p:txBody>
+      </p:sp>
     </p:spTree>
+    <p:extLst>
+      <p:ext uri="{BB962C8B-B14F-4D97-AF65-F5344CB8AC3E}">
+        <p14:creationId xmlns:p14="http://schemas.microsoft.com/office/powerpoint/2010/main" val="2822745239"/>
+      </p:ext>
+    </p:extLst>
   </p:cSld>
   <p:clrMapOvr>
     <a:masterClrMapping/>

--- a/doc/DIRECT poster.pptx
+++ b/doc/DIRECT poster.pptx
@@ -21,7 +21,7 @@
       <p:boldItalic r:id="rId7"/>
     </p:embeddedFont>
     <p:embeddedFont>
-      <p:font typeface="Old Standard TT" panose="020B0604020202020204" charset="0"/>
+      <p:font typeface="Old Standard TT" panose="02010600030101010101" charset="0"/>
       <p:regular r:id="rId8"/>
       <p:bold r:id="rId9"/>
       <p:italic r:id="rId10"/>
@@ -10286,7 +10286,9 @@
           </a:solidFill>
           <a:ln>
             <a:solidFill>
-              <a:schemeClr val="tx1"/>
+              <a:schemeClr val="accent4">
+                <a:lumMod val="75000"/>
+              </a:schemeClr>
             </a:solidFill>
           </a:ln>
         </p:spPr>
@@ -10704,7 +10706,107 @@
                 <a:latin typeface="Helvetica" panose="020B0604020202020204" pitchFamily="34" charset="0"/>
                 <a:cs typeface="Helvetica" panose="020B0604020202020204" pitchFamily="34" charset="0"/>
               </a:rPr>
-              <a:t>Mass-suite is a python based open source package that is designed to utilize High Resolution Mass Spectrometry (HRMS) data for water quality assessment. The analysis of HRMS data for water quality assessment is still in its infancy, with many basic aspects of data reduction, analysis, and interpretation still lightly developed.  Here, our package will allow users flexible and various options to process the HRMS data: from basic functions to advanced data analysis, such as dilution rate prediction and source tracking analysis that is not currently covered with current software. Furthermore, it is developed in a modularized concept so that the user can use different combinations of parts of our code to accomplish their tasks. By providing this package, we hope to open up a new space for HRMS data analysis, resulting in more rapid and detailed research in this area.</a:t>
+              <a:t>Mass-suite is a python based open source package that designed to utilize High Resolution Mass Spectrometry (HRMS) data for water quality assessment. The analysis of HRMS data for water quality assessment is still in its infancy, with many basic aspects of data reduction, analysis, and interpretation still lightly developed. Here, our package will allow users flexible and various options to process the HRMS data: from basic functions to advanced data analysis, such as dilution rate prediction and source tracking </a:t>
+            </a:r>
+            <a:r>
+              <a:rPr lang="en-US" altLang="zh-CN" sz="2900" dirty="0">
+                <a:solidFill>
+                  <a:srgbClr val="FFFFFF"/>
+                </a:solidFill>
+                <a:latin typeface="Helvetica" panose="020B0604020202020204" pitchFamily="34" charset="0"/>
+                <a:cs typeface="Helvetica" panose="020B0604020202020204" pitchFamily="34" charset="0"/>
+              </a:rPr>
+              <a:t>studies</a:t>
+            </a:r>
+            <a:r>
+              <a:rPr lang="zh-CN" sz="2900" dirty="0">
+                <a:solidFill>
+                  <a:srgbClr val="FFFFFF"/>
+                </a:solidFill>
+                <a:latin typeface="Helvetica" panose="020B0604020202020204" pitchFamily="34" charset="0"/>
+                <a:cs typeface="Helvetica" panose="020B0604020202020204" pitchFamily="34" charset="0"/>
+              </a:rPr>
+              <a:t> that </a:t>
+            </a:r>
+            <a:r>
+              <a:rPr lang="en-US" altLang="zh-CN" sz="2900" dirty="0">
+                <a:solidFill>
+                  <a:srgbClr val="FFFFFF"/>
+                </a:solidFill>
+                <a:latin typeface="Helvetica" panose="020B0604020202020204" pitchFamily="34" charset="0"/>
+                <a:cs typeface="Helvetica" panose="020B0604020202020204" pitchFamily="34" charset="0"/>
+              </a:rPr>
+              <a:t>are</a:t>
+            </a:r>
+            <a:r>
+              <a:rPr lang="zh-CN" sz="2900" dirty="0">
+                <a:solidFill>
+                  <a:srgbClr val="FFFFFF"/>
+                </a:solidFill>
+                <a:latin typeface="Helvetica" panose="020B0604020202020204" pitchFamily="34" charset="0"/>
+                <a:cs typeface="Helvetica" panose="020B0604020202020204" pitchFamily="34" charset="0"/>
+              </a:rPr>
+              <a:t> not currently covered </a:t>
+            </a:r>
+            <a:r>
+              <a:rPr lang="en-US" altLang="zh-CN" sz="2900" dirty="0">
+                <a:solidFill>
+                  <a:srgbClr val="FFFFFF"/>
+                </a:solidFill>
+                <a:latin typeface="Helvetica" panose="020B0604020202020204" pitchFamily="34" charset="0"/>
+                <a:cs typeface="Helvetica" panose="020B0604020202020204" pitchFamily="34" charset="0"/>
+              </a:rPr>
+              <a:t>by</a:t>
+            </a:r>
+            <a:r>
+              <a:rPr lang="zh-CN" sz="2900" dirty="0">
+                <a:solidFill>
+                  <a:srgbClr val="FFFFFF"/>
+                </a:solidFill>
+                <a:latin typeface="Helvetica" panose="020B0604020202020204" pitchFamily="34" charset="0"/>
+                <a:cs typeface="Helvetica" panose="020B0604020202020204" pitchFamily="34" charset="0"/>
+              </a:rPr>
+              <a:t> current software. Furthermore, </a:t>
+            </a:r>
+            <a:r>
+              <a:rPr lang="en-US" altLang="zh-CN" sz="2900" dirty="0">
+                <a:solidFill>
+                  <a:srgbClr val="FFFFFF"/>
+                </a:solidFill>
+                <a:latin typeface="Helvetica" panose="020B0604020202020204" pitchFamily="34" charset="0"/>
+                <a:cs typeface="Helvetica" panose="020B0604020202020204" pitchFamily="34" charset="0"/>
+              </a:rPr>
+              <a:t>mass-suite</a:t>
+            </a:r>
+            <a:r>
+              <a:rPr lang="zh-CN" sz="2900" dirty="0">
+                <a:solidFill>
+                  <a:srgbClr val="FFFFFF"/>
+                </a:solidFill>
+                <a:latin typeface="Helvetica" panose="020B0604020202020204" pitchFamily="34" charset="0"/>
+                <a:cs typeface="Helvetica" panose="020B0604020202020204" pitchFamily="34" charset="0"/>
+              </a:rPr>
+              <a:t> is developed in a modularized concept so that the user can use different combinations of parts of our code to accomplish their tasks. By providing this package, we hope to </a:t>
+            </a:r>
+            <a:r>
+              <a:rPr lang="en-US" altLang="zh-CN" sz="2900" dirty="0">
+                <a:solidFill>
+                  <a:srgbClr val="FFFFFF"/>
+                </a:solidFill>
+                <a:latin typeface="Helvetica" panose="020B0604020202020204" pitchFamily="34" charset="0"/>
+                <a:cs typeface="Helvetica" panose="020B0604020202020204" pitchFamily="34" charset="0"/>
+              </a:rPr>
+              <a:t>open</a:t>
+            </a:r>
+            <a:r>
+              <a:rPr lang="zh-CN" sz="2900" dirty="0">
+                <a:solidFill>
+                  <a:srgbClr val="FFFFFF"/>
+                </a:solidFill>
+                <a:latin typeface="Helvetica" panose="020B0604020202020204" pitchFamily="34" charset="0"/>
+                <a:cs typeface="Helvetica" panose="020B0604020202020204" pitchFamily="34" charset="0"/>
+              </a:rPr>
+              <a:t> a new space for HRMS data analysis, resulting in more rapid and detailed research in this area.</a:t>
             </a:r>
             <a:r>
               <a:rPr lang="en-US" sz="3200" dirty="0">
@@ -11349,10 +11451,10 @@
                 <a:cs typeface="Helvetica" panose="020B0604020202020204" pitchFamily="34" charset="0"/>
                 <a:sym typeface="Old Standard TT"/>
               </a:rPr>
-              <a:t>Future Dev</a:t>
+              <a:t>Future </a:t>
             </a:r>
             <a:r>
-              <a:rPr lang="en-US" altLang="zh-CN" sz="4300" dirty="0" err="1">
+              <a:rPr lang="en-US" altLang="zh-CN" sz="4300" dirty="0">
                 <a:solidFill>
                   <a:schemeClr val="tx1"/>
                 </a:solidFill>
@@ -11361,7 +11463,7 @@
                 <a:cs typeface="Helvetica" panose="020B0604020202020204" pitchFamily="34" charset="0"/>
                 <a:sym typeface="Old Standard TT"/>
               </a:rPr>
-              <a:t>elopments</a:t>
+              <a:t>Developments</a:t>
             </a:r>
             <a:r>
               <a:rPr lang="zh-CN" sz="4300" dirty="0">
@@ -11395,7 +11497,7 @@
         </p:nvSpPr>
         <p:spPr>
           <a:xfrm>
-            <a:off x="27063258" y="18796304"/>
+            <a:off x="27048352" y="18816889"/>
             <a:ext cx="5598764" cy="2931582"/>
           </a:xfrm>
           <a:prstGeom prst="rect">
@@ -11748,7 +11850,7 @@
               <a:buNone/>
             </a:pPr>
             <a:r>
-              <a:rPr lang="zh-CN" sz="2300" u="sng" dirty="0">
+              <a:rPr lang="zh-CN" sz="1600" u="sng" dirty="0">
                 <a:solidFill>
                   <a:schemeClr val="tx1"/>
                 </a:solidFill>
@@ -11767,7 +11869,7 @@
               <a:t>https://github.com/XiminHu/mass-suite</a:t>
             </a:r>
             <a:r>
-              <a:rPr lang="zh-CN" sz="2300" dirty="0">
+              <a:rPr lang="zh-CN" sz="1600" dirty="0">
                 <a:solidFill>
                   <a:schemeClr val="tx1"/>
                 </a:solidFill>
@@ -11778,7 +11880,7 @@
               </a:rPr>
               <a:t>  </a:t>
             </a:r>
-            <a:endParaRPr lang="en-US" altLang="zh-CN" sz="2300" dirty="0">
+            <a:endParaRPr lang="en-US" altLang="zh-CN" sz="1600" dirty="0">
               <a:solidFill>
                 <a:schemeClr val="tx1"/>
               </a:solidFill>
@@ -11953,42 +12055,47 @@
                 <a:latin typeface="Helvetica" panose="020B0604020202020204" pitchFamily="34" charset="0"/>
                 <a:cs typeface="Helvetica" panose="020B0604020202020204" pitchFamily="34" charset="0"/>
               </a:rPr>
-              <a:t>Different chemicals’ intensity behaves differently across dilutions</a:t>
+              <a:t>Different chemicals’ </a:t>
             </a:r>
-            <a:endParaRPr sz="2300" dirty="0">
-              <a:solidFill>
-                <a:schemeClr val="tx1"/>
-              </a:solidFill>
-              <a:latin typeface="Helvetica" panose="020B0604020202020204" pitchFamily="34" charset="0"/>
-              <a:cs typeface="Helvetica" panose="020B0604020202020204" pitchFamily="34" charset="0"/>
-            </a:endParaRPr>
-          </a:p>
-          <a:p>
-            <a:pPr marL="457200" lvl="0" indent="-368300" algn="l" rtl="0">
-              <a:lnSpc>
-                <a:spcPct val="115000"/>
-              </a:lnSpc>
-              <a:spcBef>
-                <a:spcPts val="0"/>
-              </a:spcBef>
-              <a:spcAft>
-                <a:spcPts val="0"/>
-              </a:spcAft>
-              <a:buClr>
-                <a:schemeClr val="lt2"/>
-              </a:buClr>
-              <a:buSzPts val="2200"/>
-              <a:buChar char="●"/>
-            </a:pPr>
             <a:r>
-              <a:rPr lang="zh-CN" sz="2300" dirty="0">
+              <a:rPr lang="en-US" altLang="zh-CN" sz="2300" dirty="0">
                 <a:solidFill>
                   <a:schemeClr val="tx1"/>
                 </a:solidFill>
                 <a:latin typeface="Helvetica" panose="020B0604020202020204" pitchFamily="34" charset="0"/>
                 <a:cs typeface="Helvetica" panose="020B0604020202020204" pitchFamily="34" charset="0"/>
               </a:rPr>
-              <a:t>This is called the Matrix Effect</a:t>
+              <a:t>‘</a:t>
+            </a:r>
+            <a:r>
+              <a:rPr lang="zh-CN" sz="2300" dirty="0">
+                <a:solidFill>
+                  <a:schemeClr val="tx1"/>
+                </a:solidFill>
+                <a:latin typeface="Helvetica" panose="020B0604020202020204" pitchFamily="34" charset="0"/>
+                <a:cs typeface="Helvetica" panose="020B0604020202020204" pitchFamily="34" charset="0"/>
+              </a:rPr>
+              <a:t>intensity</a:t>
+            </a:r>
+            <a:r>
+              <a:rPr lang="en-US" altLang="zh-CN" sz="2300" dirty="0">
+                <a:solidFill>
+                  <a:schemeClr val="tx1"/>
+                </a:solidFill>
+                <a:latin typeface="Helvetica" panose="020B0604020202020204" pitchFamily="34" charset="0"/>
+                <a:cs typeface="Helvetica" panose="020B0604020202020204" pitchFamily="34" charset="0"/>
+              </a:rPr>
+              <a:t>’</a:t>
+            </a:r>
+            <a:r>
+              <a:rPr lang="zh-CN" sz="2300" dirty="0">
+                <a:solidFill>
+                  <a:schemeClr val="tx1"/>
+                </a:solidFill>
+                <a:latin typeface="Helvetica" panose="020B0604020202020204" pitchFamily="34" charset="0"/>
+                <a:cs typeface="Helvetica" panose="020B0604020202020204" pitchFamily="34" charset="0"/>
+              </a:rPr>
+              <a:t> behaves differently across dilutions</a:t>
             </a:r>
             <a:endParaRPr sz="2300" dirty="0">
               <a:solidFill>
@@ -12058,7 +12165,27 @@
                 <a:latin typeface="Helvetica" panose="020B0604020202020204" pitchFamily="34" charset="0"/>
                 <a:cs typeface="Helvetica" panose="020B0604020202020204" pitchFamily="34" charset="0"/>
               </a:rPr>
-              <a:t>We are able to see resulting clusters in the images above</a:t>
+              <a:t>We </a:t>
+            </a:r>
+            <a:r>
+              <a:rPr lang="en-US" altLang="zh-CN" sz="2300" dirty="0">
+                <a:solidFill>
+                  <a:schemeClr val="tx1"/>
+                </a:solidFill>
+                <a:latin typeface="Helvetica" panose="020B0604020202020204" pitchFamily="34" charset="0"/>
+                <a:cs typeface="Helvetica" panose="020B0604020202020204" pitchFamily="34" charset="0"/>
+              </a:rPr>
+              <a:t>can</a:t>
+            </a:r>
+            <a:r>
+              <a:rPr lang="zh-CN" sz="2300" dirty="0">
+                <a:solidFill>
+                  <a:schemeClr val="tx1"/>
+                </a:solidFill>
+                <a:latin typeface="Helvetica" panose="020B0604020202020204" pitchFamily="34" charset="0"/>
+                <a:cs typeface="Helvetica" panose="020B0604020202020204" pitchFamily="34" charset="0"/>
+              </a:rPr>
+              <a:t> see resulting clusters in the images above</a:t>
             </a:r>
             <a:endParaRPr sz="2300" dirty="0">
               <a:solidFill>
@@ -12086,7 +12213,7 @@
         </p:blipFill>
         <p:spPr>
           <a:xfrm>
-            <a:off x="19145446" y="18647544"/>
+            <a:off x="15373102" y="18745885"/>
             <a:ext cx="3513653" cy="2583753"/>
           </a:xfrm>
           <a:prstGeom prst="rect">
@@ -12217,7 +12344,47 @@
                 <a:latin typeface="Helvetica" panose="020B0604020202020204" pitchFamily="34" charset="0"/>
                 <a:cs typeface="Helvetica" panose="020B0604020202020204" pitchFamily="34" charset="0"/>
               </a:rPr>
-              <a:t>Source identification is currently simplified based on dilution and intensity- it will be later expanded to take into account various modeling techniques</a:t>
+              <a:t>Source identification is currently</a:t>
+            </a:r>
+            <a:r>
+              <a:rPr lang="en-US" altLang="zh-CN" sz="2300" dirty="0">
+                <a:solidFill>
+                  <a:schemeClr val="tx1"/>
+                </a:solidFill>
+                <a:latin typeface="Helvetica" panose="020B0604020202020204" pitchFamily="34" charset="0"/>
+                <a:cs typeface="Helvetica" panose="020B0604020202020204" pitchFamily="34" charset="0"/>
+              </a:rPr>
+              <a:t> simple and</a:t>
+            </a:r>
+            <a:r>
+              <a:rPr lang="zh-CN" sz="2300" dirty="0">
+                <a:solidFill>
+                  <a:schemeClr val="tx1"/>
+                </a:solidFill>
+                <a:latin typeface="Helvetica" panose="020B0604020202020204" pitchFamily="34" charset="0"/>
+                <a:cs typeface="Helvetica" panose="020B0604020202020204" pitchFamily="34" charset="0"/>
+              </a:rPr>
+              <a:t>  will be later expanded to </a:t>
+            </a:r>
+            <a:r>
+              <a:rPr lang="en-US" altLang="zh-CN" sz="2300" dirty="0">
+                <a:solidFill>
+                  <a:schemeClr val="tx1"/>
+                </a:solidFill>
+                <a:latin typeface="Helvetica" panose="020B0604020202020204" pitchFamily="34" charset="0"/>
+                <a:cs typeface="Helvetica" panose="020B0604020202020204" pitchFamily="34" charset="0"/>
+              </a:rPr>
+              <a:t>consider</a:t>
+            </a:r>
+            <a:r>
+              <a:rPr lang="zh-CN" sz="2300" dirty="0">
+                <a:solidFill>
+                  <a:schemeClr val="tx1"/>
+                </a:solidFill>
+                <a:latin typeface="Helvetica" panose="020B0604020202020204" pitchFamily="34" charset="0"/>
+                <a:cs typeface="Helvetica" panose="020B0604020202020204" pitchFamily="34" charset="0"/>
+              </a:rPr>
+              <a:t> various modeling techniques</a:t>
             </a:r>
             <a:endParaRPr lang="en-US" altLang="zh-CN" sz="2300" dirty="0">
               <a:solidFill>
@@ -12318,7 +12485,7 @@
         <p:spPr>
           <a:xfrm>
             <a:off x="22749294" y="6880002"/>
-            <a:ext cx="10401335" cy="6648348"/>
+            <a:ext cx="10401335" cy="7831572"/>
           </a:xfrm>
           <a:prstGeom prst="rect">
             <a:avLst/>
@@ -12499,7 +12666,27 @@
                 <a:latin typeface="Helvetica" panose="020B0604020202020204" pitchFamily="34" charset="0"/>
                 <a:cs typeface="Helvetica" panose="020B0604020202020204" pitchFamily="34" charset="0"/>
               </a:rPr>
-              <a:t>Remote process option</a:t>
+              <a:t>Remote </a:t>
+            </a:r>
+            <a:r>
+              <a:rPr lang="en-US" altLang="zh-CN" sz="2300" dirty="0">
+                <a:solidFill>
+                  <a:schemeClr val="tx1"/>
+                </a:solidFill>
+                <a:latin typeface="Helvetica" panose="020B0604020202020204" pitchFamily="34" charset="0"/>
+                <a:cs typeface="Helvetica" panose="020B0604020202020204" pitchFamily="34" charset="0"/>
+              </a:rPr>
+              <a:t>data </a:t>
+            </a:r>
+            <a:r>
+              <a:rPr lang="zh-CN" sz="2300" dirty="0">
+                <a:solidFill>
+                  <a:schemeClr val="tx1"/>
+                </a:solidFill>
+                <a:latin typeface="Helvetica" panose="020B0604020202020204" pitchFamily="34" charset="0"/>
+                <a:cs typeface="Helvetica" panose="020B0604020202020204" pitchFamily="34" charset="0"/>
+              </a:rPr>
+              <a:t>process option</a:t>
             </a:r>
             <a:endParaRPr sz="2300" dirty="0">
               <a:solidFill>
@@ -13163,8 +13350,8 @@
         </p:blipFill>
         <p:spPr>
           <a:xfrm>
-            <a:off x="16354371" y="15995869"/>
-            <a:ext cx="6217131" cy="2140244"/>
+            <a:off x="15327173" y="15995869"/>
+            <a:ext cx="7244329" cy="2140244"/>
           </a:xfrm>
           <a:prstGeom prst="rect">
             <a:avLst/>
@@ -14632,7 +14819,7 @@
         </p:blipFill>
         <p:spPr>
           <a:xfrm>
-            <a:off x="15327173" y="18398020"/>
+            <a:off x="19045641" y="18607144"/>
             <a:ext cx="3636423" cy="3029319"/>
           </a:xfrm>
           <a:prstGeom prst="rect">
@@ -14993,7 +15180,7 @@
                 <a:latin typeface="Helvetica" panose="020B0604020202020204" pitchFamily="34" charset="0"/>
                 <a:cs typeface="Helvetica" panose="020B0604020202020204" pitchFamily="34" charset="0"/>
               </a:rPr>
-              <a:t> values to create cohesive databases</a:t>
+              <a:t> values to create cohesive dataset</a:t>
             </a:r>
           </a:p>
         </p:txBody>
